--- a/3. Final/Document/3. Wireframe.pptx
+++ b/3. Final/Document/3. Wireframe.pptx
@@ -5,27 +5,26 @@
     <p:sldMasterId id="2147483659" r:id="rId1"/>
   </p:sldMasterIdLst>
   <p:notesMasterIdLst>
-    <p:notesMasterId r:id="rId20"/>
+    <p:notesMasterId r:id="rId19"/>
   </p:notesMasterIdLst>
   <p:sldIdLst>
     <p:sldId id="256" r:id="rId2"/>
     <p:sldId id="257" r:id="rId3"/>
     <p:sldId id="258" r:id="rId4"/>
     <p:sldId id="259" r:id="rId5"/>
-    <p:sldId id="260" r:id="rId6"/>
-    <p:sldId id="261" r:id="rId7"/>
-    <p:sldId id="262" r:id="rId8"/>
-    <p:sldId id="272" r:id="rId9"/>
-    <p:sldId id="264" r:id="rId10"/>
-    <p:sldId id="265" r:id="rId11"/>
-    <p:sldId id="273" r:id="rId12"/>
-    <p:sldId id="267" r:id="rId13"/>
-    <p:sldId id="274" r:id="rId14"/>
-    <p:sldId id="269" r:id="rId15"/>
-    <p:sldId id="270" r:id="rId16"/>
-    <p:sldId id="275" r:id="rId17"/>
-    <p:sldId id="276" r:id="rId18"/>
-    <p:sldId id="277" r:id="rId19"/>
+    <p:sldId id="261" r:id="rId6"/>
+    <p:sldId id="262" r:id="rId7"/>
+    <p:sldId id="272" r:id="rId8"/>
+    <p:sldId id="264" r:id="rId9"/>
+    <p:sldId id="265" r:id="rId10"/>
+    <p:sldId id="273" r:id="rId11"/>
+    <p:sldId id="267" r:id="rId12"/>
+    <p:sldId id="274" r:id="rId13"/>
+    <p:sldId id="269" r:id="rId14"/>
+    <p:sldId id="270" r:id="rId15"/>
+    <p:sldId id="275" r:id="rId16"/>
+    <p:sldId id="276" r:id="rId17"/>
+    <p:sldId id="277" r:id="rId18"/>
   </p:sldIdLst>
   <p:sldSz cx="9144000" cy="5143500" type="screen16x9"/>
   <p:notesSz cx="6858000" cy="9144000"/>
@@ -827,7 +826,7 @@
   <p:cSld>
     <p:spTree>
       <p:nvGrpSpPr>
-        <p:cNvPr id="1" name="Shape 178"/>
+        <p:cNvPr id="1" name="Shape 185"/>
         <p:cNvGrpSpPr/>
         <p:nvPr/>
       </p:nvGrpSpPr>
@@ -841,7 +840,7 @@
       </p:grpSpPr>
       <p:sp>
         <p:nvSpPr>
-          <p:cNvPr id="179" name="Google Shape;179;gf1a74e396c_0_178:notes"/>
+          <p:cNvPr id="186" name="Google Shape;186;gf1a74e396c_0_183:notes"/>
           <p:cNvSpPr>
             <a:spLocks noGrp="1" noRot="1" noChangeAspect="1"/>
           </p:cNvSpPr>
@@ -882,110 +881,6 @@
       </p:sp>
       <p:sp>
         <p:nvSpPr>
-          <p:cNvPr id="180" name="Google Shape;180;gf1a74e396c_0_178:notes"/>
-          <p:cNvSpPr txBox="1">
-            <a:spLocks noGrp="1"/>
-          </p:cNvSpPr>
-          <p:nvPr>
-            <p:ph type="body" idx="1"/>
-          </p:nvPr>
-        </p:nvSpPr>
-        <p:spPr>
-          <a:xfrm>
-            <a:off x="685800" y="4343400"/>
-            <a:ext cx="5486400" cy="4114800"/>
-          </a:xfrm>
-          <a:prstGeom prst="rect">
-            <a:avLst/>
-          </a:prstGeom>
-        </p:spPr>
-        <p:txBody>
-          <a:bodyPr spcFirstLastPara="1" wrap="square" lIns="91425" tIns="91425" rIns="91425" bIns="91425" anchor="t" anchorCtr="0">
-            <a:noAutofit/>
-          </a:bodyPr>
-          <a:lstStyle/>
-          <a:p>
-            <a:pPr marL="0" lvl="0" indent="0" algn="l" rtl="0">
-              <a:spcBef>
-                <a:spcPts val="0"/>
-              </a:spcBef>
-              <a:spcAft>
-                <a:spcPts val="0"/>
-              </a:spcAft>
-              <a:buNone/>
-            </a:pPr>
-            <a:endParaRPr/>
-          </a:p>
-        </p:txBody>
-      </p:sp>
-    </p:spTree>
-  </p:cSld>
-  <p:clrMapOvr>
-    <a:masterClrMapping/>
-  </p:clrMapOvr>
-</p:notes>
-</file>
-
-<file path=ppt/notesSlides/notesSlide11.xml><?xml version="1.0" encoding="utf-8"?>
-<p:notes xmlns:a="http://schemas.openxmlformats.org/drawingml/2006/main" xmlns:r="http://schemas.openxmlformats.org/officeDocument/2006/relationships" xmlns:p="http://schemas.openxmlformats.org/presentationml/2006/main" showMasterSp="0" showMasterPhAnim="0">
-  <p:cSld>
-    <p:spTree>
-      <p:nvGrpSpPr>
-        <p:cNvPr id="1" name="Shape 185"/>
-        <p:cNvGrpSpPr/>
-        <p:nvPr/>
-      </p:nvGrpSpPr>
-      <p:grpSpPr>
-        <a:xfrm>
-          <a:off x="0" y="0"/>
-          <a:ext cx="0" cy="0"/>
-          <a:chOff x="0" y="0"/>
-          <a:chExt cx="0" cy="0"/>
-        </a:xfrm>
-      </p:grpSpPr>
-      <p:sp>
-        <p:nvSpPr>
-          <p:cNvPr id="186" name="Google Shape;186;gf1a74e396c_0_183:notes"/>
-          <p:cNvSpPr>
-            <a:spLocks noGrp="1" noRot="1" noChangeAspect="1"/>
-          </p:cNvSpPr>
-          <p:nvPr>
-            <p:ph type="sldImg" idx="2"/>
-          </p:nvPr>
-        </p:nvSpPr>
-        <p:spPr>
-          <a:xfrm>
-            <a:off x="381000" y="685800"/>
-            <a:ext cx="6096000" cy="3429000"/>
-          </a:xfrm>
-          <a:custGeom>
-            <a:avLst/>
-            <a:gdLst/>
-            <a:ahLst/>
-            <a:cxnLst/>
-            <a:rect l="l" t="t" r="r" b="b"/>
-            <a:pathLst>
-              <a:path w="120000" h="120000" extrusionOk="0">
-                <a:moveTo>
-                  <a:pt x="0" y="0"/>
-                </a:moveTo>
-                <a:lnTo>
-                  <a:pt x="120000" y="0"/>
-                </a:lnTo>
-                <a:lnTo>
-                  <a:pt x="120000" y="120000"/>
-                </a:lnTo>
-                <a:lnTo>
-                  <a:pt x="0" y="120000"/>
-                </a:lnTo>
-                <a:close/>
-              </a:path>
-            </a:pathLst>
-          </a:custGeom>
-        </p:spPr>
-      </p:sp>
-      <p:sp>
-        <p:nvSpPr>
           <p:cNvPr id="187" name="Google Shape;187;gf1a74e396c_0_183:notes"/>
           <p:cNvSpPr txBox="1">
             <a:spLocks noGrp="1"/>
@@ -1035,7 +930,7 @@
 </p:notes>
 </file>
 
-<file path=ppt/notesSlides/notesSlide12.xml><?xml version="1.0" encoding="utf-8"?>
+<file path=ppt/notesSlides/notesSlide11.xml><?xml version="1.0" encoding="utf-8"?>
 <p:notes xmlns:a="http://schemas.openxmlformats.org/drawingml/2006/main" xmlns:r="http://schemas.openxmlformats.org/officeDocument/2006/relationships" xmlns:p="http://schemas.openxmlformats.org/presentationml/2006/main" showMasterSp="0" showMasterPhAnim="0">
   <p:cSld>
     <p:spTree>
@@ -1139,7 +1034,7 @@
 </p:notes>
 </file>
 
-<file path=ppt/notesSlides/notesSlide13.xml><?xml version="1.0" encoding="utf-8"?>
+<file path=ppt/notesSlides/notesSlide12.xml><?xml version="1.0" encoding="utf-8"?>
 <p:notes xmlns:a="http://schemas.openxmlformats.org/drawingml/2006/main" xmlns:r="http://schemas.openxmlformats.org/officeDocument/2006/relationships" xmlns:p="http://schemas.openxmlformats.org/presentationml/2006/main" showMasterSp="0" showMasterPhAnim="0">
   <p:cSld>
     <p:spTree>
@@ -1248,7 +1143,7 @@
 </p:notes>
 </file>
 
-<file path=ppt/notesSlides/notesSlide14.xml><?xml version="1.0" encoding="utf-8"?>
+<file path=ppt/notesSlides/notesSlide13.xml><?xml version="1.0" encoding="utf-8"?>
 <p:notes xmlns:a="http://schemas.openxmlformats.org/drawingml/2006/main" xmlns:r="http://schemas.openxmlformats.org/officeDocument/2006/relationships" xmlns:p="http://schemas.openxmlformats.org/presentationml/2006/main" showMasterSp="0" showMasterPhAnim="0">
   <p:cSld>
     <p:spTree>
@@ -1352,7 +1247,7 @@
 </p:notes>
 </file>
 
-<file path=ppt/notesSlides/notesSlide15.xml><?xml version="1.0" encoding="utf-8"?>
+<file path=ppt/notesSlides/notesSlide14.xml><?xml version="1.0" encoding="utf-8"?>
 <p:notes xmlns:a="http://schemas.openxmlformats.org/drawingml/2006/main" xmlns:r="http://schemas.openxmlformats.org/officeDocument/2006/relationships" xmlns:p="http://schemas.openxmlformats.org/presentationml/2006/main" showMasterSp="0" showMasterPhAnim="0">
   <p:cSld>
     <p:spTree>
@@ -1449,6 +1344,115 @@
         </p:txBody>
       </p:sp>
     </p:spTree>
+  </p:cSld>
+  <p:clrMapOvr>
+    <a:masterClrMapping/>
+  </p:clrMapOvr>
+</p:notes>
+</file>
+
+<file path=ppt/notesSlides/notesSlide15.xml><?xml version="1.0" encoding="utf-8"?>
+<p:notes xmlns:a="http://schemas.openxmlformats.org/drawingml/2006/main" xmlns:r="http://schemas.openxmlformats.org/officeDocument/2006/relationships" xmlns:p="http://schemas.openxmlformats.org/presentationml/2006/main" showMasterSp="0" showMasterPhAnim="0">
+  <p:cSld>
+    <p:spTree>
+      <p:nvGrpSpPr>
+        <p:cNvPr id="1" name="Shape 221"/>
+        <p:cNvGrpSpPr/>
+        <p:nvPr/>
+      </p:nvGrpSpPr>
+      <p:grpSpPr>
+        <a:xfrm>
+          <a:off x="0" y="0"/>
+          <a:ext cx="0" cy="0"/>
+          <a:chOff x="0" y="0"/>
+          <a:chExt cx="0" cy="0"/>
+        </a:xfrm>
+      </p:grpSpPr>
+      <p:sp>
+        <p:nvSpPr>
+          <p:cNvPr id="222" name="Google Shape;222;gf1a74e396c_0_215:notes"/>
+          <p:cNvSpPr>
+            <a:spLocks noGrp="1" noRot="1" noChangeAspect="1"/>
+          </p:cNvSpPr>
+          <p:nvPr>
+            <p:ph type="sldImg" idx="2"/>
+          </p:nvPr>
+        </p:nvSpPr>
+        <p:spPr>
+          <a:xfrm>
+            <a:off x="381000" y="685800"/>
+            <a:ext cx="6096000" cy="3429000"/>
+          </a:xfrm>
+          <a:custGeom>
+            <a:avLst/>
+            <a:gdLst/>
+            <a:ahLst/>
+            <a:cxnLst/>
+            <a:rect l="l" t="t" r="r" b="b"/>
+            <a:pathLst>
+              <a:path w="120000" h="120000" extrusionOk="0">
+                <a:moveTo>
+                  <a:pt x="0" y="0"/>
+                </a:moveTo>
+                <a:lnTo>
+                  <a:pt x="120000" y="0"/>
+                </a:lnTo>
+                <a:lnTo>
+                  <a:pt x="120000" y="120000"/>
+                </a:lnTo>
+                <a:lnTo>
+                  <a:pt x="0" y="120000"/>
+                </a:lnTo>
+                <a:close/>
+              </a:path>
+            </a:pathLst>
+          </a:custGeom>
+        </p:spPr>
+      </p:sp>
+      <p:sp>
+        <p:nvSpPr>
+          <p:cNvPr id="223" name="Google Shape;223;gf1a74e396c_0_215:notes"/>
+          <p:cNvSpPr txBox="1">
+            <a:spLocks noGrp="1"/>
+          </p:cNvSpPr>
+          <p:nvPr>
+            <p:ph type="body" idx="1"/>
+          </p:nvPr>
+        </p:nvSpPr>
+        <p:spPr>
+          <a:xfrm>
+            <a:off x="685800" y="4343400"/>
+            <a:ext cx="5486400" cy="4114800"/>
+          </a:xfrm>
+          <a:prstGeom prst="rect">
+            <a:avLst/>
+          </a:prstGeom>
+        </p:spPr>
+        <p:txBody>
+          <a:bodyPr spcFirstLastPara="1" wrap="square" lIns="91425" tIns="91425" rIns="91425" bIns="91425" anchor="t" anchorCtr="0">
+            <a:noAutofit/>
+          </a:bodyPr>
+          <a:lstStyle/>
+          <a:p>
+            <a:pPr marL="0" lvl="0" indent="0" algn="l" rtl="0">
+              <a:spcBef>
+                <a:spcPts val="0"/>
+              </a:spcBef>
+              <a:spcAft>
+                <a:spcPts val="0"/>
+              </a:spcAft>
+              <a:buNone/>
+            </a:pPr>
+            <a:endParaRPr/>
+          </a:p>
+        </p:txBody>
+      </p:sp>
+    </p:spTree>
+    <p:extLst>
+      <p:ext uri="{BB962C8B-B14F-4D97-AF65-F5344CB8AC3E}">
+        <p14:creationId xmlns:p14="http://schemas.microsoft.com/office/powerpoint/2010/main" val="1372429272"/>
+      </p:ext>
+    </p:extLst>
   </p:cSld>
   <p:clrMapOvr>
     <a:masterClrMapping/>
@@ -1555,7 +1559,7 @@
     </p:spTree>
     <p:extLst>
       <p:ext uri="{BB962C8B-B14F-4D97-AF65-F5344CB8AC3E}">
-        <p14:creationId xmlns:p14="http://schemas.microsoft.com/office/powerpoint/2010/main" val="1372429272"/>
+        <p14:creationId xmlns:p14="http://schemas.microsoft.com/office/powerpoint/2010/main" val="3289641335"/>
       </p:ext>
     </p:extLst>
   </p:cSld>
@@ -1566,115 +1570,6 @@
 </file>
 
 <file path=ppt/notesSlides/notesSlide17.xml><?xml version="1.0" encoding="utf-8"?>
-<p:notes xmlns:a="http://schemas.openxmlformats.org/drawingml/2006/main" xmlns:r="http://schemas.openxmlformats.org/officeDocument/2006/relationships" xmlns:p="http://schemas.openxmlformats.org/presentationml/2006/main" showMasterSp="0" showMasterPhAnim="0">
-  <p:cSld>
-    <p:spTree>
-      <p:nvGrpSpPr>
-        <p:cNvPr id="1" name="Shape 221"/>
-        <p:cNvGrpSpPr/>
-        <p:nvPr/>
-      </p:nvGrpSpPr>
-      <p:grpSpPr>
-        <a:xfrm>
-          <a:off x="0" y="0"/>
-          <a:ext cx="0" cy="0"/>
-          <a:chOff x="0" y="0"/>
-          <a:chExt cx="0" cy="0"/>
-        </a:xfrm>
-      </p:grpSpPr>
-      <p:sp>
-        <p:nvSpPr>
-          <p:cNvPr id="222" name="Google Shape;222;gf1a74e396c_0_215:notes"/>
-          <p:cNvSpPr>
-            <a:spLocks noGrp="1" noRot="1" noChangeAspect="1"/>
-          </p:cNvSpPr>
-          <p:nvPr>
-            <p:ph type="sldImg" idx="2"/>
-          </p:nvPr>
-        </p:nvSpPr>
-        <p:spPr>
-          <a:xfrm>
-            <a:off x="381000" y="685800"/>
-            <a:ext cx="6096000" cy="3429000"/>
-          </a:xfrm>
-          <a:custGeom>
-            <a:avLst/>
-            <a:gdLst/>
-            <a:ahLst/>
-            <a:cxnLst/>
-            <a:rect l="l" t="t" r="r" b="b"/>
-            <a:pathLst>
-              <a:path w="120000" h="120000" extrusionOk="0">
-                <a:moveTo>
-                  <a:pt x="0" y="0"/>
-                </a:moveTo>
-                <a:lnTo>
-                  <a:pt x="120000" y="0"/>
-                </a:lnTo>
-                <a:lnTo>
-                  <a:pt x="120000" y="120000"/>
-                </a:lnTo>
-                <a:lnTo>
-                  <a:pt x="0" y="120000"/>
-                </a:lnTo>
-                <a:close/>
-              </a:path>
-            </a:pathLst>
-          </a:custGeom>
-        </p:spPr>
-      </p:sp>
-      <p:sp>
-        <p:nvSpPr>
-          <p:cNvPr id="223" name="Google Shape;223;gf1a74e396c_0_215:notes"/>
-          <p:cNvSpPr txBox="1">
-            <a:spLocks noGrp="1"/>
-          </p:cNvSpPr>
-          <p:nvPr>
-            <p:ph type="body" idx="1"/>
-          </p:nvPr>
-        </p:nvSpPr>
-        <p:spPr>
-          <a:xfrm>
-            <a:off x="685800" y="4343400"/>
-            <a:ext cx="5486400" cy="4114800"/>
-          </a:xfrm>
-          <a:prstGeom prst="rect">
-            <a:avLst/>
-          </a:prstGeom>
-        </p:spPr>
-        <p:txBody>
-          <a:bodyPr spcFirstLastPara="1" wrap="square" lIns="91425" tIns="91425" rIns="91425" bIns="91425" anchor="t" anchorCtr="0">
-            <a:noAutofit/>
-          </a:bodyPr>
-          <a:lstStyle/>
-          <a:p>
-            <a:pPr marL="0" lvl="0" indent="0" algn="l" rtl="0">
-              <a:spcBef>
-                <a:spcPts val="0"/>
-              </a:spcBef>
-              <a:spcAft>
-                <a:spcPts val="0"/>
-              </a:spcAft>
-              <a:buNone/>
-            </a:pPr>
-            <a:endParaRPr/>
-          </a:p>
-        </p:txBody>
-      </p:sp>
-    </p:spTree>
-    <p:extLst>
-      <p:ext uri="{BB962C8B-B14F-4D97-AF65-F5344CB8AC3E}">
-        <p14:creationId xmlns:p14="http://schemas.microsoft.com/office/powerpoint/2010/main" val="3289641335"/>
-      </p:ext>
-    </p:extLst>
-  </p:cSld>
-  <p:clrMapOvr>
-    <a:masterClrMapping/>
-  </p:clrMapOvr>
-</p:notes>
-</file>
-
-<file path=ppt/notesSlides/notesSlide18.xml><?xml version="1.0" encoding="utf-8"?>
 <p:notes xmlns:a="http://schemas.openxmlformats.org/drawingml/2006/main" xmlns:r="http://schemas.openxmlformats.org/officeDocument/2006/relationships" xmlns:p="http://schemas.openxmlformats.org/presentationml/2006/main" showMasterSp="0" showMasterPhAnim="0">
   <p:cSld>
     <p:spTree>
@@ -2100,7 +1995,7 @@
   <p:cSld>
     <p:spTree>
       <p:nvGrpSpPr>
-        <p:cNvPr id="1" name="Shape 120"/>
+        <p:cNvPr id="1" name="Shape 127"/>
         <p:cNvGrpSpPr/>
         <p:nvPr/>
       </p:nvGrpSpPr>
@@ -2114,7 +2009,7 @@
       </p:grpSpPr>
       <p:sp>
         <p:nvSpPr>
-          <p:cNvPr id="121" name="Google Shape;121;gf1a74e396c_0_597:notes"/>
+          <p:cNvPr id="128" name="Google Shape;128;gf16145d3db_0_17:notes"/>
           <p:cNvSpPr>
             <a:spLocks noGrp="1" noRot="1" noChangeAspect="1"/>
           </p:cNvSpPr>
@@ -2155,7 +2050,7 @@
       </p:sp>
       <p:sp>
         <p:nvSpPr>
-          <p:cNvPr id="122" name="Google Shape;122;gf1a74e396c_0_597:notes"/>
+          <p:cNvPr id="129" name="Google Shape;129;gf16145d3db_0_17:notes"/>
           <p:cNvSpPr txBox="1">
             <a:spLocks noGrp="1"/>
           </p:cNvSpPr>
@@ -2200,110 +2095,6 @@
 </file>
 
 <file path=ppt/notesSlides/notesSlide6.xml><?xml version="1.0" encoding="utf-8"?>
-<p:notes xmlns:a="http://schemas.openxmlformats.org/drawingml/2006/main" xmlns:r="http://schemas.openxmlformats.org/officeDocument/2006/relationships" xmlns:p="http://schemas.openxmlformats.org/presentationml/2006/main" showMasterSp="0" showMasterPhAnim="0">
-  <p:cSld>
-    <p:spTree>
-      <p:nvGrpSpPr>
-        <p:cNvPr id="1" name="Shape 127"/>
-        <p:cNvGrpSpPr/>
-        <p:nvPr/>
-      </p:nvGrpSpPr>
-      <p:grpSpPr>
-        <a:xfrm>
-          <a:off x="0" y="0"/>
-          <a:ext cx="0" cy="0"/>
-          <a:chOff x="0" y="0"/>
-          <a:chExt cx="0" cy="0"/>
-        </a:xfrm>
-      </p:grpSpPr>
-      <p:sp>
-        <p:nvSpPr>
-          <p:cNvPr id="128" name="Google Shape;128;gf16145d3db_0_17:notes"/>
-          <p:cNvSpPr>
-            <a:spLocks noGrp="1" noRot="1" noChangeAspect="1"/>
-          </p:cNvSpPr>
-          <p:nvPr>
-            <p:ph type="sldImg" idx="2"/>
-          </p:nvPr>
-        </p:nvSpPr>
-        <p:spPr>
-          <a:xfrm>
-            <a:off x="381000" y="685800"/>
-            <a:ext cx="6096000" cy="3429000"/>
-          </a:xfrm>
-          <a:custGeom>
-            <a:avLst/>
-            <a:gdLst/>
-            <a:ahLst/>
-            <a:cxnLst/>
-            <a:rect l="l" t="t" r="r" b="b"/>
-            <a:pathLst>
-              <a:path w="120000" h="120000" extrusionOk="0">
-                <a:moveTo>
-                  <a:pt x="0" y="0"/>
-                </a:moveTo>
-                <a:lnTo>
-                  <a:pt x="120000" y="0"/>
-                </a:lnTo>
-                <a:lnTo>
-                  <a:pt x="120000" y="120000"/>
-                </a:lnTo>
-                <a:lnTo>
-                  <a:pt x="0" y="120000"/>
-                </a:lnTo>
-                <a:close/>
-              </a:path>
-            </a:pathLst>
-          </a:custGeom>
-        </p:spPr>
-      </p:sp>
-      <p:sp>
-        <p:nvSpPr>
-          <p:cNvPr id="129" name="Google Shape;129;gf16145d3db_0_17:notes"/>
-          <p:cNvSpPr txBox="1">
-            <a:spLocks noGrp="1"/>
-          </p:cNvSpPr>
-          <p:nvPr>
-            <p:ph type="body" idx="1"/>
-          </p:nvPr>
-        </p:nvSpPr>
-        <p:spPr>
-          <a:xfrm>
-            <a:off x="685800" y="4343400"/>
-            <a:ext cx="5486400" cy="4114800"/>
-          </a:xfrm>
-          <a:prstGeom prst="rect">
-            <a:avLst/>
-          </a:prstGeom>
-        </p:spPr>
-        <p:txBody>
-          <a:bodyPr spcFirstLastPara="1" wrap="square" lIns="91425" tIns="91425" rIns="91425" bIns="91425" anchor="t" anchorCtr="0">
-            <a:noAutofit/>
-          </a:bodyPr>
-          <a:lstStyle/>
-          <a:p>
-            <a:pPr marL="0" lvl="0" indent="0" algn="l" rtl="0">
-              <a:spcBef>
-                <a:spcPts val="0"/>
-              </a:spcBef>
-              <a:spcAft>
-                <a:spcPts val="0"/>
-              </a:spcAft>
-              <a:buNone/>
-            </a:pPr>
-            <a:endParaRPr/>
-          </a:p>
-        </p:txBody>
-      </p:sp>
-    </p:spTree>
-  </p:cSld>
-  <p:clrMapOvr>
-    <a:masterClrMapping/>
-  </p:clrMapOvr>
-</p:notes>
-</file>
-
-<file path=ppt/notesSlides/notesSlide7.xml><?xml version="1.0" encoding="utf-8"?>
 <p:notes xmlns:a="http://schemas.openxmlformats.org/drawingml/2006/main" xmlns:r="http://schemas.openxmlformats.org/officeDocument/2006/relationships" xmlns:p="http://schemas.openxmlformats.org/presentationml/2006/main" showMasterSp="0" showMasterPhAnim="0">
   <p:cSld>
     <p:spTree>
@@ -2407,7 +2198,7 @@
 </p:notes>
 </file>
 
-<file path=ppt/notesSlides/notesSlide8.xml><?xml version="1.0" encoding="utf-8"?>
+<file path=ppt/notesSlides/notesSlide7.xml><?xml version="1.0" encoding="utf-8"?>
 <p:notes xmlns:a="http://schemas.openxmlformats.org/drawingml/2006/main" xmlns:r="http://schemas.openxmlformats.org/officeDocument/2006/relationships" xmlns:p="http://schemas.openxmlformats.org/presentationml/2006/main" showMasterSp="0" showMasterPhAnim="0">
   <p:cSld>
     <p:spTree>
@@ -2516,7 +2307,7 @@
 </p:notes>
 </file>
 
-<file path=ppt/notesSlides/notesSlide9.xml><?xml version="1.0" encoding="utf-8"?>
+<file path=ppt/notesSlides/notesSlide8.xml><?xml version="1.0" encoding="utf-8"?>
 <p:notes xmlns:a="http://schemas.openxmlformats.org/drawingml/2006/main" xmlns:r="http://schemas.openxmlformats.org/officeDocument/2006/relationships" xmlns:p="http://schemas.openxmlformats.org/presentationml/2006/main" showMasterSp="0" showMasterPhAnim="0">
   <p:cSld>
     <p:spTree>
@@ -2577,6 +2368,110 @@
       <p:sp>
         <p:nvSpPr>
           <p:cNvPr id="164" name="Google Shape;164;gf1a74e396c_0_532:notes"/>
+          <p:cNvSpPr txBox="1">
+            <a:spLocks noGrp="1"/>
+          </p:cNvSpPr>
+          <p:nvPr>
+            <p:ph type="body" idx="1"/>
+          </p:nvPr>
+        </p:nvSpPr>
+        <p:spPr>
+          <a:xfrm>
+            <a:off x="685800" y="4343400"/>
+            <a:ext cx="5486400" cy="4114800"/>
+          </a:xfrm>
+          <a:prstGeom prst="rect">
+            <a:avLst/>
+          </a:prstGeom>
+        </p:spPr>
+        <p:txBody>
+          <a:bodyPr spcFirstLastPara="1" wrap="square" lIns="91425" tIns="91425" rIns="91425" bIns="91425" anchor="t" anchorCtr="0">
+            <a:noAutofit/>
+          </a:bodyPr>
+          <a:lstStyle/>
+          <a:p>
+            <a:pPr marL="0" lvl="0" indent="0" algn="l" rtl="0">
+              <a:spcBef>
+                <a:spcPts val="0"/>
+              </a:spcBef>
+              <a:spcAft>
+                <a:spcPts val="0"/>
+              </a:spcAft>
+              <a:buNone/>
+            </a:pPr>
+            <a:endParaRPr/>
+          </a:p>
+        </p:txBody>
+      </p:sp>
+    </p:spTree>
+  </p:cSld>
+  <p:clrMapOvr>
+    <a:masterClrMapping/>
+  </p:clrMapOvr>
+</p:notes>
+</file>
+
+<file path=ppt/notesSlides/notesSlide9.xml><?xml version="1.0" encoding="utf-8"?>
+<p:notes xmlns:a="http://schemas.openxmlformats.org/drawingml/2006/main" xmlns:r="http://schemas.openxmlformats.org/officeDocument/2006/relationships" xmlns:p="http://schemas.openxmlformats.org/presentationml/2006/main" showMasterSp="0" showMasterPhAnim="0">
+  <p:cSld>
+    <p:spTree>
+      <p:nvGrpSpPr>
+        <p:cNvPr id="1" name="Shape 178"/>
+        <p:cNvGrpSpPr/>
+        <p:nvPr/>
+      </p:nvGrpSpPr>
+      <p:grpSpPr>
+        <a:xfrm>
+          <a:off x="0" y="0"/>
+          <a:ext cx="0" cy="0"/>
+          <a:chOff x="0" y="0"/>
+          <a:chExt cx="0" cy="0"/>
+        </a:xfrm>
+      </p:grpSpPr>
+      <p:sp>
+        <p:nvSpPr>
+          <p:cNvPr id="179" name="Google Shape;179;gf1a74e396c_0_178:notes"/>
+          <p:cNvSpPr>
+            <a:spLocks noGrp="1" noRot="1" noChangeAspect="1"/>
+          </p:cNvSpPr>
+          <p:nvPr>
+            <p:ph type="sldImg" idx="2"/>
+          </p:nvPr>
+        </p:nvSpPr>
+        <p:spPr>
+          <a:xfrm>
+            <a:off x="381000" y="685800"/>
+            <a:ext cx="6096000" cy="3429000"/>
+          </a:xfrm>
+          <a:custGeom>
+            <a:avLst/>
+            <a:gdLst/>
+            <a:ahLst/>
+            <a:cxnLst/>
+            <a:rect l="l" t="t" r="r" b="b"/>
+            <a:pathLst>
+              <a:path w="120000" h="120000" extrusionOk="0">
+                <a:moveTo>
+                  <a:pt x="0" y="0"/>
+                </a:moveTo>
+                <a:lnTo>
+                  <a:pt x="120000" y="0"/>
+                </a:lnTo>
+                <a:lnTo>
+                  <a:pt x="120000" y="120000"/>
+                </a:lnTo>
+                <a:lnTo>
+                  <a:pt x="0" y="120000"/>
+                </a:lnTo>
+                <a:close/>
+              </a:path>
+            </a:pathLst>
+          </a:custGeom>
+        </p:spPr>
+      </p:sp>
+      <p:sp>
+        <p:nvSpPr>
+          <p:cNvPr id="180" name="Google Shape;180;gf1a74e396c_0_178:notes"/>
           <p:cNvSpPr txBox="1">
             <a:spLocks noGrp="1"/>
           </p:cNvSpPr>
@@ -7558,7 +7453,44 @@
                 <a:latin typeface="나눔고딕 ExtraBold" panose="020D0904000000000000" pitchFamily="50" charset="-127"/>
                 <a:ea typeface="나눔고딕 ExtraBold" panose="020D0904000000000000" pitchFamily="50" charset="-127"/>
               </a:rPr>
-              <a:t>뉴스 기사 및 유튜브 텍스트의 감성 분석과 딥러닝을 이용한 주가 등락 예측 서비스 구현</a:t>
+              <a:t>뉴스 기사 및 유튜브 텍스트의 감성 분석과</a:t>
+            </a:r>
+            <a:endParaRPr lang="en-US" altLang="ko" sz="2500" b="1" dirty="0">
+              <a:solidFill>
+                <a:srgbClr val="222222"/>
+              </a:solidFill>
+              <a:highlight>
+                <a:schemeClr val="lt1"/>
+              </a:highlight>
+              <a:latin typeface="나눔고딕 ExtraBold" panose="020D0904000000000000" pitchFamily="50" charset="-127"/>
+              <a:ea typeface="나눔고딕 ExtraBold" panose="020D0904000000000000" pitchFamily="50" charset="-127"/>
+            </a:endParaRPr>
+          </a:p>
+          <a:p>
+            <a:pPr marL="0" lvl="0" indent="0" algn="ctr" rtl="0">
+              <a:lnSpc>
+                <a:spcPct val="115000"/>
+              </a:lnSpc>
+              <a:spcBef>
+                <a:spcPts val="0"/>
+              </a:spcBef>
+              <a:spcAft>
+                <a:spcPts val="0"/>
+              </a:spcAft>
+              <a:buNone/>
+            </a:pPr>
+            <a:r>
+              <a:rPr lang="ko" sz="2500" b="1" dirty="0">
+                <a:solidFill>
+                  <a:srgbClr val="222222"/>
+                </a:solidFill>
+                <a:highlight>
+                  <a:schemeClr val="lt1"/>
+                </a:highlight>
+                <a:latin typeface="나눔고딕 ExtraBold" panose="020D0904000000000000" pitchFamily="50" charset="-127"/>
+                <a:ea typeface="나눔고딕 ExtraBold" panose="020D0904000000000000" pitchFamily="50" charset="-127"/>
+              </a:rPr>
+              <a:t>딥러닝을 이용한 주가 등락 예측 서비스 구현</a:t>
             </a:r>
             <a:endParaRPr sz="2000" b="1" dirty="0">
               <a:solidFill>
@@ -7621,171 +7553,6 @@
 </file>
 
 <file path=ppt/slides/slide10.xml><?xml version="1.0" encoding="utf-8"?>
-<p:sld xmlns:a="http://schemas.openxmlformats.org/drawingml/2006/main" xmlns:r="http://schemas.openxmlformats.org/officeDocument/2006/relationships" xmlns:p="http://schemas.openxmlformats.org/presentationml/2006/main">
-  <p:cSld>
-    <p:spTree>
-      <p:nvGrpSpPr>
-        <p:cNvPr id="1" name="Shape 181"/>
-        <p:cNvGrpSpPr/>
-        <p:nvPr/>
-      </p:nvGrpSpPr>
-      <p:grpSpPr>
-        <a:xfrm>
-          <a:off x="0" y="0"/>
-          <a:ext cx="0" cy="0"/>
-          <a:chOff x="0" y="0"/>
-          <a:chExt cx="0" cy="0"/>
-        </a:xfrm>
-      </p:grpSpPr>
-      <p:sp>
-        <p:nvSpPr>
-          <p:cNvPr id="182" name="Google Shape;182;p22"/>
-          <p:cNvSpPr txBox="1">
-            <a:spLocks noGrp="1"/>
-          </p:cNvSpPr>
-          <p:nvPr>
-            <p:ph type="ctrTitle"/>
-          </p:nvPr>
-        </p:nvSpPr>
-        <p:spPr>
-          <a:xfrm>
-            <a:off x="311708" y="1658975"/>
-            <a:ext cx="8520600" cy="2052600"/>
-          </a:xfrm>
-          <a:prstGeom prst="rect">
-            <a:avLst/>
-          </a:prstGeom>
-        </p:spPr>
-        <p:txBody>
-          <a:bodyPr spcFirstLastPara="1" wrap="square" lIns="91425" tIns="91425" rIns="91425" bIns="91425" anchor="b" anchorCtr="0">
-            <a:normAutofit/>
-          </a:bodyPr>
-          <a:lstStyle/>
-          <a:p>
-            <a:pPr marL="0" lvl="0" indent="0" algn="ctr" rtl="0">
-              <a:spcBef>
-                <a:spcPts val="0"/>
-              </a:spcBef>
-              <a:spcAft>
-                <a:spcPts val="0"/>
-              </a:spcAft>
-              <a:buNone/>
-            </a:pPr>
-            <a:r>
-              <a:rPr lang="ko" dirty="0">
-                <a:latin typeface="나눔고딕 ExtraBold" panose="020D0904000000000000" pitchFamily="50" charset="-127"/>
-                <a:ea typeface="나눔고딕 ExtraBold" panose="020D0904000000000000" pitchFamily="50" charset="-127"/>
-              </a:rPr>
-              <a:t>종목별 페이지</a:t>
-            </a:r>
-            <a:endParaRPr dirty="0">
-              <a:latin typeface="나눔고딕 ExtraBold" panose="020D0904000000000000" pitchFamily="50" charset="-127"/>
-              <a:ea typeface="나눔고딕 ExtraBold" panose="020D0904000000000000" pitchFamily="50" charset="-127"/>
-            </a:endParaRPr>
-          </a:p>
-          <a:p>
-            <a:pPr marL="0" lvl="0" indent="0" algn="l" rtl="0">
-              <a:spcBef>
-                <a:spcPts val="0"/>
-              </a:spcBef>
-              <a:spcAft>
-                <a:spcPts val="0"/>
-              </a:spcAft>
-              <a:buNone/>
-            </a:pPr>
-            <a:endParaRPr dirty="0"/>
-          </a:p>
-        </p:txBody>
-      </p:sp>
-      <p:sp>
-        <p:nvSpPr>
-          <p:cNvPr id="183" name="Google Shape;183;p22"/>
-          <p:cNvSpPr txBox="1">
-            <a:spLocks noGrp="1"/>
-          </p:cNvSpPr>
-          <p:nvPr>
-            <p:ph type="subTitle" idx="1"/>
-          </p:nvPr>
-        </p:nvSpPr>
-        <p:spPr>
-          <a:xfrm>
-            <a:off x="311700" y="2834125"/>
-            <a:ext cx="8520600" cy="792600"/>
-          </a:xfrm>
-          <a:prstGeom prst="rect">
-            <a:avLst/>
-          </a:prstGeom>
-        </p:spPr>
-        <p:txBody>
-          <a:bodyPr spcFirstLastPara="1" wrap="square" lIns="91425" tIns="91425" rIns="91425" bIns="91425" anchor="t" anchorCtr="0">
-            <a:normAutofit/>
-          </a:bodyPr>
-          <a:lstStyle/>
-          <a:p>
-            <a:pPr marL="0" lvl="0" indent="0" algn="ctr" rtl="0">
-              <a:spcBef>
-                <a:spcPts val="0"/>
-              </a:spcBef>
-              <a:spcAft>
-                <a:spcPts val="0"/>
-              </a:spcAft>
-              <a:buNone/>
-            </a:pPr>
-            <a:endParaRPr/>
-          </a:p>
-        </p:txBody>
-      </p:sp>
-      <p:sp>
-        <p:nvSpPr>
-          <p:cNvPr id="184" name="Google Shape;184;p22"/>
-          <p:cNvSpPr txBox="1">
-            <a:spLocks noGrp="1"/>
-          </p:cNvSpPr>
-          <p:nvPr>
-            <p:ph type="sldNum" idx="12"/>
-          </p:nvPr>
-        </p:nvSpPr>
-        <p:spPr>
-          <a:xfrm>
-            <a:off x="8472458" y="4663217"/>
-            <a:ext cx="548700" cy="393600"/>
-          </a:xfrm>
-          <a:prstGeom prst="rect">
-            <a:avLst/>
-          </a:prstGeom>
-        </p:spPr>
-        <p:txBody>
-          <a:bodyPr spcFirstLastPara="1" wrap="square" lIns="91425" tIns="91425" rIns="91425" bIns="91425" anchor="ctr" anchorCtr="0">
-            <a:normAutofit/>
-          </a:bodyPr>
-          <a:lstStyle/>
-          <a:p>
-            <a:pPr marL="0" lvl="0" indent="0" algn="r" rtl="0">
-              <a:spcBef>
-                <a:spcPts val="0"/>
-              </a:spcBef>
-              <a:spcAft>
-                <a:spcPts val="0"/>
-              </a:spcAft>
-              <a:buNone/>
-            </a:pPr>
-            <a:fld id="{00000000-1234-1234-1234-123412341234}" type="slidenum">
-              <a:rPr lang="en-US" altLang="ko"/>
-              <a:t>10</a:t>
-            </a:fld>
-            <a:endParaRPr/>
-          </a:p>
-        </p:txBody>
-      </p:sp>
-    </p:spTree>
-  </p:cSld>
-  <p:clrMapOvr>
-    <a:masterClrMapping/>
-  </p:clrMapOvr>
-</p:sld>
-</file>
-
-<file path=ppt/slides/slide11.xml><?xml version="1.0" encoding="utf-8"?>
 <p:sld xmlns:a="http://schemas.openxmlformats.org/drawingml/2006/main" xmlns:r="http://schemas.openxmlformats.org/officeDocument/2006/relationships" xmlns:p="http://schemas.openxmlformats.org/presentationml/2006/main">
   <p:cSld>
     <p:spTree>
@@ -9276,7 +9043,7 @@
             </a:pPr>
             <a:fld id="{00000000-1234-1234-1234-123412341234}" type="slidenum">
               <a:rPr lang="en-US" altLang="ko"/>
-              <a:t>11</a:t>
+              <a:t>10</a:t>
             </a:fld>
             <a:endParaRPr/>
           </a:p>
@@ -9295,7 +9062,7 @@
 </p:sld>
 </file>
 
-<file path=ppt/slides/slide12.xml><?xml version="1.0" encoding="utf-8"?>
+<file path=ppt/slides/slide11.xml><?xml version="1.0" encoding="utf-8"?>
 <p:sld xmlns:a="http://schemas.openxmlformats.org/drawingml/2006/main" xmlns:r="http://schemas.openxmlformats.org/officeDocument/2006/relationships" xmlns:p="http://schemas.openxmlformats.org/presentationml/2006/main">
   <p:cSld>
     <p:spTree>
@@ -9769,7 +9536,7 @@
             </a:pPr>
             <a:fld id="{00000000-1234-1234-1234-123412341234}" type="slidenum">
               <a:rPr lang="en-US" altLang="ko"/>
-              <a:t>12</a:t>
+              <a:t>11</a:t>
             </a:fld>
             <a:endParaRPr/>
           </a:p>
@@ -10056,7 +9823,7 @@
 </p:sld>
 </file>
 
-<file path=ppt/slides/slide13.xml><?xml version="1.0" encoding="utf-8"?>
+<file path=ppt/slides/slide12.xml><?xml version="1.0" encoding="utf-8"?>
 <p:sld xmlns:a="http://schemas.openxmlformats.org/drawingml/2006/main" xmlns:r="http://schemas.openxmlformats.org/officeDocument/2006/relationships" xmlns:p="http://schemas.openxmlformats.org/presentationml/2006/main">
   <p:cSld>
     <p:spTree>
@@ -12186,7 +11953,7 @@
             </a:pPr>
             <a:fld id="{00000000-1234-1234-1234-123412341234}" type="slidenum">
               <a:rPr lang="en-US" altLang="ko"/>
-              <a:t>13</a:t>
+              <a:t>12</a:t>
             </a:fld>
             <a:endParaRPr dirty="0"/>
           </a:p>
@@ -12205,7 +11972,7 @@
 </p:sld>
 </file>
 
-<file path=ppt/slides/slide14.xml><?xml version="1.0" encoding="utf-8"?>
+<file path=ppt/slides/slide13.xml><?xml version="1.0" encoding="utf-8"?>
 <p:sld xmlns:a="http://schemas.openxmlformats.org/drawingml/2006/main" xmlns:r="http://schemas.openxmlformats.org/officeDocument/2006/relationships" xmlns:p="http://schemas.openxmlformats.org/presentationml/2006/main">
   <p:cSld>
     <p:spTree>
@@ -12862,7 +12629,7 @@
             </a:pPr>
             <a:fld id="{00000000-1234-1234-1234-123412341234}" type="slidenum">
               <a:rPr lang="en-US" altLang="ko"/>
-              <a:t>14</a:t>
+              <a:t>13</a:t>
             </a:fld>
             <a:endParaRPr/>
           </a:p>
@@ -12926,7 +12693,7 @@
 </p:sld>
 </file>
 
-<file path=ppt/slides/slide15.xml><?xml version="1.0" encoding="utf-8"?>
+<file path=ppt/slides/slide14.xml><?xml version="1.0" encoding="utf-8"?>
 <p:sld xmlns:a="http://schemas.openxmlformats.org/drawingml/2006/main" xmlns:r="http://schemas.openxmlformats.org/officeDocument/2006/relationships" xmlns:p="http://schemas.openxmlformats.org/presentationml/2006/main">
   <p:cSld>
     <p:spTree>
@@ -12984,6 +12751,20 @@
               </a:rPr>
               <a:t>태블로</a:t>
             </a:r>
+            <a:r>
+              <a:rPr lang="en-US" altLang="ko" dirty="0">
+                <a:latin typeface="나눔고딕 ExtraBold" panose="020D0904000000000000" pitchFamily="50" charset="-127"/>
+                <a:ea typeface="나눔고딕 ExtraBold" panose="020D0904000000000000" pitchFamily="50" charset="-127"/>
+              </a:rPr>
+              <a:t> </a:t>
+            </a:r>
+            <a:r>
+              <a:rPr lang="ko-KR" altLang="en-US" dirty="0">
+                <a:latin typeface="나눔고딕 ExtraBold" panose="020D0904000000000000" pitchFamily="50" charset="-127"/>
+                <a:ea typeface="나눔고딕 ExtraBold" panose="020D0904000000000000" pitchFamily="50" charset="-127"/>
+              </a:rPr>
+              <a:t>페이지</a:t>
+            </a:r>
             <a:endParaRPr dirty="0">
               <a:latin typeface="나눔고딕 ExtraBold" panose="020D0904000000000000" pitchFamily="50" charset="-127"/>
               <a:ea typeface="나눔고딕 ExtraBold" panose="020D0904000000000000" pitchFamily="50" charset="-127"/>
@@ -13065,7 +12846,7 @@
             </a:pPr>
             <a:fld id="{00000000-1234-1234-1234-123412341234}" type="slidenum">
               <a:rPr lang="en-US" altLang="ko"/>
-              <a:t>15</a:t>
+              <a:t>14</a:t>
             </a:fld>
             <a:endParaRPr/>
           </a:p>
@@ -13079,7 +12860,7 @@
 </p:sld>
 </file>
 
-<file path=ppt/slides/slide16.xml><?xml version="1.0" encoding="utf-8"?>
+<file path=ppt/slides/slide15.xml><?xml version="1.0" encoding="utf-8"?>
 <p:sld xmlns:a="http://schemas.openxmlformats.org/drawingml/2006/main" xmlns:r="http://schemas.openxmlformats.org/officeDocument/2006/relationships" xmlns:p="http://schemas.openxmlformats.org/presentationml/2006/main">
   <p:cSld>
     <p:spTree>
@@ -13352,18 +13133,11 @@
               <a:buNone/>
             </a:pPr>
             <a:r>
-              <a:rPr lang="en-US" sz="1000" dirty="0" err="1">
-                <a:latin typeface="나눔고딕" panose="020D0604000000000000" pitchFamily="50" charset="-127"/>
-                <a:ea typeface="나눔고딕" panose="020D0604000000000000" pitchFamily="50" charset="-127"/>
-              </a:rPr>
-              <a:t>Tablea</a:t>
-            </a:r>
-            <a:r>
               <a:rPr lang="en-US" sz="1000" dirty="0">
                 <a:latin typeface="나눔고딕" panose="020D0604000000000000" pitchFamily="50" charset="-127"/>
                 <a:ea typeface="나눔고딕" panose="020D0604000000000000" pitchFamily="50" charset="-127"/>
               </a:rPr>
-              <a:t> </a:t>
+              <a:t>Tableau </a:t>
             </a:r>
             <a:r>
               <a:rPr lang="ko-KR" altLang="en-US" sz="1000" dirty="0">
@@ -14009,7 +13783,7 @@
             </a:pPr>
             <a:fld id="{00000000-1234-1234-1234-123412341234}" type="slidenum">
               <a:rPr lang="en-US" altLang="ko"/>
-              <a:t>16</a:t>
+              <a:t>15</a:t>
             </a:fld>
             <a:endParaRPr/>
           </a:p>
@@ -14028,7 +13802,7 @@
 </p:sld>
 </file>
 
-<file path=ppt/slides/slide17.xml><?xml version="1.0" encoding="utf-8"?>
+<file path=ppt/slides/slide16.xml><?xml version="1.0" encoding="utf-8"?>
 <p:sld xmlns:a="http://schemas.openxmlformats.org/drawingml/2006/main" xmlns:r="http://schemas.openxmlformats.org/officeDocument/2006/relationships" xmlns:p="http://schemas.openxmlformats.org/presentationml/2006/main">
   <p:cSld>
     <p:spTree>
@@ -14301,18 +14075,11 @@
               <a:buNone/>
             </a:pPr>
             <a:r>
-              <a:rPr lang="en-US" sz="1000" dirty="0" err="1">
-                <a:latin typeface="나눔고딕" panose="020D0604000000000000" pitchFamily="50" charset="-127"/>
-                <a:ea typeface="나눔고딕" panose="020D0604000000000000" pitchFamily="50" charset="-127"/>
-              </a:rPr>
-              <a:t>Tablea</a:t>
-            </a:r>
-            <a:r>
               <a:rPr lang="en-US" sz="1000" dirty="0">
                 <a:latin typeface="나눔고딕" panose="020D0604000000000000" pitchFamily="50" charset="-127"/>
                 <a:ea typeface="나눔고딕" panose="020D0604000000000000" pitchFamily="50" charset="-127"/>
               </a:rPr>
-              <a:t> </a:t>
+              <a:t>Tableau </a:t>
             </a:r>
             <a:r>
               <a:rPr lang="ko-KR" altLang="en-US" sz="1000" dirty="0">
@@ -14465,18 +14232,11 @@
               <a:t>3. </a:t>
             </a:r>
             <a:r>
-              <a:rPr lang="en-US" altLang="ko-KR" sz="800" dirty="0">
+              <a:rPr lang="ko-KR" altLang="en-US" sz="800" dirty="0" err="1">
                 <a:latin typeface="나눔고딕 ExtraBold" panose="020D0904000000000000" pitchFamily="50" charset="-127"/>
                 <a:ea typeface="나눔고딕 ExtraBold" panose="020D0904000000000000" pitchFamily="50" charset="-127"/>
               </a:rPr>
-              <a:t>DB</a:t>
-            </a:r>
-            <a:r>
-              <a:rPr lang="ko-KR" altLang="en-US" sz="800" dirty="0">
-                <a:latin typeface="나눔고딕 ExtraBold" panose="020D0904000000000000" pitchFamily="50" charset="-127"/>
-                <a:ea typeface="나눔고딕 ExtraBold" panose="020D0904000000000000" pitchFamily="50" charset="-127"/>
-              </a:rPr>
-              <a:t>와 연동</a:t>
+              <a:t>캔들차트</a:t>
             </a:r>
             <a:endParaRPr lang="en-US" altLang="ko-KR" sz="800" dirty="0">
               <a:latin typeface="나눔고딕 ExtraBold" panose="020D0904000000000000" pitchFamily="50" charset="-127"/>
@@ -14772,7 +14532,7 @@
             </a:pPr>
             <a:fld id="{00000000-1234-1234-1234-123412341234}" type="slidenum">
               <a:rPr lang="en-US" altLang="ko"/>
-              <a:t>17</a:t>
+              <a:t>16</a:t>
             </a:fld>
             <a:endParaRPr/>
           </a:p>
@@ -14791,7 +14551,7 @@
 </p:sld>
 </file>
 
-<file path=ppt/slides/slide18.xml><?xml version="1.0" encoding="utf-8"?>
+<file path=ppt/slides/slide17.xml><?xml version="1.0" encoding="utf-8"?>
 <p:sld xmlns:a="http://schemas.openxmlformats.org/drawingml/2006/main" xmlns:r="http://schemas.openxmlformats.org/officeDocument/2006/relationships" xmlns:p="http://schemas.openxmlformats.org/presentationml/2006/main">
   <p:cSld>
     <p:spTree>
@@ -15064,18 +14824,11 @@
               <a:buNone/>
             </a:pPr>
             <a:r>
-              <a:rPr lang="en-US" sz="1000" dirty="0" err="1">
-                <a:latin typeface="나눔고딕" panose="020D0604000000000000" pitchFamily="50" charset="-127"/>
-                <a:ea typeface="나눔고딕" panose="020D0604000000000000" pitchFamily="50" charset="-127"/>
-              </a:rPr>
-              <a:t>Tablea</a:t>
-            </a:r>
-            <a:r>
               <a:rPr lang="en-US" sz="1000" dirty="0">
                 <a:latin typeface="나눔고딕" panose="020D0604000000000000" pitchFamily="50" charset="-127"/>
                 <a:ea typeface="나눔고딕" panose="020D0604000000000000" pitchFamily="50" charset="-127"/>
               </a:rPr>
-              <a:t> </a:t>
+              <a:t>Tableau </a:t>
             </a:r>
             <a:r>
               <a:rPr lang="ko-KR" altLang="en-US" sz="1000" dirty="0">
@@ -15740,7 +15493,7 @@
             </a:pPr>
             <a:fld id="{00000000-1234-1234-1234-123412341234}" type="slidenum">
               <a:rPr lang="en-US" altLang="ko"/>
-              <a:t>18</a:t>
+              <a:t>17</a:t>
             </a:fld>
             <a:endParaRPr/>
           </a:p>
@@ -15823,7 +15576,21 @@
                 <a:latin typeface="나눔고딕 ExtraBold" panose="020D0904000000000000" pitchFamily="50" charset="-127"/>
                 <a:ea typeface="나눔고딕 ExtraBold" panose="020D0904000000000000" pitchFamily="50" charset="-127"/>
               </a:rPr>
-              <a:t>화면 설계서 버전관리</a:t>
+              <a:t>화면설계서 버전</a:t>
+            </a:r>
+            <a:r>
+              <a:rPr lang="en-US" altLang="ko" b="1" dirty="0">
+                <a:latin typeface="나눔고딕 ExtraBold" panose="020D0904000000000000" pitchFamily="50" charset="-127"/>
+                <a:ea typeface="나눔고딕 ExtraBold" panose="020D0904000000000000" pitchFamily="50" charset="-127"/>
+              </a:rPr>
+              <a:t> </a:t>
+            </a:r>
+            <a:r>
+              <a:rPr lang="ko" b="1" dirty="0">
+                <a:latin typeface="나눔고딕 ExtraBold" panose="020D0904000000000000" pitchFamily="50" charset="-127"/>
+                <a:ea typeface="나눔고딕 ExtraBold" panose="020D0904000000000000" pitchFamily="50" charset="-127"/>
+              </a:rPr>
+              <a:t>관리</a:t>
             </a:r>
             <a:endParaRPr b="1" dirty="0">
               <a:latin typeface="나눔고딕 ExtraBold" panose="020D0904000000000000" pitchFamily="50" charset="-127"/>
@@ -18020,13 +17787,27 @@
               <a:buNone/>
             </a:pPr>
             <a:r>
-              <a:rPr lang="ko" b="1">
+              <a:rPr lang="ko" b="1" dirty="0">
                 <a:latin typeface="나눔고딕 ExtraBold" panose="020D0904000000000000" pitchFamily="50" charset="-127"/>
                 <a:ea typeface="나눔고딕 ExtraBold" panose="020D0904000000000000" pitchFamily="50" charset="-127"/>
               </a:rPr>
-              <a:t>화면목록</a:t>
-            </a:r>
-            <a:endParaRPr b="1">
+              <a:t>화면</a:t>
+            </a:r>
+            <a:r>
+              <a:rPr lang="en-US" altLang="ko" b="1" dirty="0">
+                <a:latin typeface="나눔고딕 ExtraBold" panose="020D0904000000000000" pitchFamily="50" charset="-127"/>
+                <a:ea typeface="나눔고딕 ExtraBold" panose="020D0904000000000000" pitchFamily="50" charset="-127"/>
+              </a:rPr>
+              <a:t> </a:t>
+            </a:r>
+            <a:r>
+              <a:rPr lang="ko" b="1" dirty="0">
+                <a:latin typeface="나눔고딕 ExtraBold" panose="020D0904000000000000" pitchFamily="50" charset="-127"/>
+                <a:ea typeface="나눔고딕 ExtraBold" panose="020D0904000000000000" pitchFamily="50" charset="-127"/>
+              </a:rPr>
+              <a:t>목록</a:t>
+            </a:r>
+            <a:endParaRPr b="1" dirty="0">
               <a:latin typeface="나눔고딕 ExtraBold" panose="020D0904000000000000" pitchFamily="50" charset="-127"/>
               <a:ea typeface="나눔고딕 ExtraBold" panose="020D0904000000000000" pitchFamily="50" charset="-127"/>
             </a:endParaRPr>
@@ -20214,11 +19995,11 @@
 </file>
 
 <file path=ppt/slides/slide5.xml><?xml version="1.0" encoding="utf-8"?>
-<p:sld xmlns:a="http://schemas.openxmlformats.org/drawingml/2006/main" xmlns:r="http://schemas.openxmlformats.org/officeDocument/2006/relationships" xmlns:p="http://schemas.openxmlformats.org/presentationml/2006/main" show="0">
+<p:sld xmlns:a="http://schemas.openxmlformats.org/drawingml/2006/main" xmlns:r="http://schemas.openxmlformats.org/officeDocument/2006/relationships" xmlns:p="http://schemas.openxmlformats.org/presentationml/2006/main">
   <p:cSld>
     <p:spTree>
       <p:nvGrpSpPr>
-        <p:cNvPr id="1" name="Shape 123"/>
+        <p:cNvPr id="1" name="Shape 130"/>
         <p:cNvGrpSpPr/>
         <p:nvPr/>
       </p:nvGrpSpPr>
@@ -20232,7 +20013,7 @@
       </p:grpSpPr>
       <p:sp>
         <p:nvSpPr>
-          <p:cNvPr id="124" name="Google Shape;124;p17"/>
+          <p:cNvPr id="131" name="Google Shape;131;p18"/>
           <p:cNvSpPr/>
           <p:nvPr/>
         </p:nvSpPr>
@@ -20288,19 +20069,19 @@
       </p:sp>
       <p:graphicFrame>
         <p:nvGraphicFramePr>
-          <p:cNvPr id="125" name="Google Shape;125;p17"/>
+          <p:cNvPr id="132" name="Google Shape;132;p18"/>
           <p:cNvGraphicFramePr/>
           <p:nvPr>
             <p:extLst>
               <p:ext uri="{D42A27DB-BD31-4B8C-83A1-F6EECF244321}">
-                <p14:modId xmlns:p14="http://schemas.microsoft.com/office/powerpoint/2010/main" val="2159348184"/>
+                <p14:modId xmlns:p14="http://schemas.microsoft.com/office/powerpoint/2010/main" val="2783329928"/>
               </p:ext>
             </p:extLst>
           </p:nvPr>
         </p:nvGraphicFramePr>
         <p:xfrm>
           <a:off x="248600" y="744325"/>
-          <a:ext cx="8426850" cy="4022970"/>
+          <a:ext cx="8426850" cy="1584810"/>
         </p:xfrm>
         <a:graphic>
           <a:graphicData uri="http://schemas.openxmlformats.org/drawingml/2006/table">
@@ -20876,7 +20657,7 @@
                         </a:spcAft>
                         <a:buNone/>
                       </a:pPr>
-                      <a:endParaRPr sz="800">
+                      <a:endParaRPr sz="800" dirty="0">
                         <a:latin typeface="나눔고딕" panose="020D0604000000000000" pitchFamily="50" charset="-127"/>
                         <a:ea typeface="나눔고딕" panose="020D0604000000000000" pitchFamily="50" charset="-127"/>
                       </a:endParaRPr>
@@ -21152,7 +20933,14 @@
                           <a:latin typeface="나눔고딕" panose="020D0604000000000000" pitchFamily="50" charset="-127"/>
                           <a:ea typeface="나눔고딕" panose="020D0604000000000000" pitchFamily="50" charset="-127"/>
                         </a:rPr>
-                        <a:t>p.5</a:t>
+                        <a:t>p.</a:t>
+                      </a:r>
+                      <a:r>
+                        <a:rPr lang="en-US" altLang="ko" sz="800" dirty="0">
+                          <a:latin typeface="나눔고딕" panose="020D0604000000000000" pitchFamily="50" charset="-127"/>
+                          <a:ea typeface="나눔고딕" panose="020D0604000000000000" pitchFamily="50" charset="-127"/>
+                        </a:rPr>
+                        <a:t>6</a:t>
                       </a:r>
                       <a:endParaRPr sz="800" dirty="0">
                         <a:latin typeface="나눔고딕" panose="020D0604000000000000" pitchFamily="50" charset="-127"/>
@@ -21305,7 +21093,21 @@
                           <a:latin typeface="나눔고딕" panose="020D0604000000000000" pitchFamily="50" charset="-127"/>
                           <a:ea typeface="나눔고딕" panose="020D0604000000000000" pitchFamily="50" charset="-127"/>
                         </a:rPr>
-                        <a:t>삼성전자</a:t>
+                        <a:t>종목</a:t>
+                      </a:r>
+                      <a:r>
+                        <a:rPr lang="en-US" altLang="ko" sz="800" dirty="0">
+                          <a:latin typeface="나눔고딕" panose="020D0604000000000000" pitchFamily="50" charset="-127"/>
+                          <a:ea typeface="나눔고딕" panose="020D0604000000000000" pitchFamily="50" charset="-127"/>
+                        </a:rPr>
+                        <a:t> </a:t>
+                      </a:r>
+                      <a:r>
+                        <a:rPr lang="ko" sz="800" dirty="0">
+                          <a:latin typeface="나눔고딕" panose="020D0604000000000000" pitchFamily="50" charset="-127"/>
+                          <a:ea typeface="나눔고딕" panose="020D0604000000000000" pitchFamily="50" charset="-127"/>
+                        </a:rPr>
+                        <a:t>페이지_상단</a:t>
                       </a:r>
                       <a:endParaRPr sz="800" dirty="0">
                         <a:latin typeface="나눔고딕" panose="020D0604000000000000" pitchFamily="50" charset="-127"/>
@@ -21386,5750 +21188,6 @@
                           <a:ea typeface="나눔고딕" panose="020D0604000000000000" pitchFamily="50" charset="-127"/>
                         </a:rPr>
                         <a:t>페이지_1_1</a:t>
-                      </a:r>
-                      <a:endParaRPr sz="800" dirty="0">
-                        <a:latin typeface="나눔고딕" panose="020D0604000000000000" pitchFamily="50" charset="-127"/>
-                        <a:ea typeface="나눔고딕" panose="020D0604000000000000" pitchFamily="50" charset="-127"/>
-                      </a:endParaRPr>
-                    </a:p>
-                  </a:txBody>
-                  <a:tcPr marL="91425" marR="91425" marT="91425" marB="91425">
-                    <a:lnL w="9525" cap="flat" cmpd="sng">
-                      <a:solidFill>
-                        <a:srgbClr val="9E9E9E"/>
-                      </a:solidFill>
-                      <a:prstDash val="solid"/>
-                      <a:round/>
-                      <a:headEnd type="none" w="sm" len="sm"/>
-                      <a:tailEnd type="none" w="sm" len="sm"/>
-                    </a:lnL>
-                    <a:lnR w="9525" cap="flat" cmpd="sng">
-                      <a:solidFill>
-                        <a:srgbClr val="9E9E9E"/>
-                      </a:solidFill>
-                      <a:prstDash val="solid"/>
-                      <a:round/>
-                      <a:headEnd type="none" w="sm" len="sm"/>
-                      <a:tailEnd type="none" w="sm" len="sm"/>
-                    </a:lnR>
-                    <a:lnT w="9525" cap="flat" cmpd="sng">
-                      <a:solidFill>
-                        <a:srgbClr val="9E9E9E"/>
-                      </a:solidFill>
-                      <a:prstDash val="solid"/>
-                      <a:round/>
-                      <a:headEnd type="none" w="sm" len="sm"/>
-                      <a:tailEnd type="none" w="sm" len="sm"/>
-                    </a:lnT>
-                    <a:lnB w="9525" cap="flat" cmpd="sng">
-                      <a:solidFill>
-                        <a:srgbClr val="9E9E9E"/>
-                      </a:solidFill>
-                      <a:prstDash val="solid"/>
-                      <a:round/>
-                      <a:headEnd type="none" w="sm" len="sm"/>
-                      <a:tailEnd type="none" w="sm" len="sm"/>
-                    </a:lnB>
-                  </a:tcPr>
-                </a:tc>
-                <a:tc>
-                  <a:txBody>
-                    <a:bodyPr/>
-                    <a:lstStyle/>
-                    <a:p>
-                      <a:pPr marL="0" lvl="0" indent="0" algn="l" rtl="0">
-                        <a:spcBef>
-                          <a:spcPts val="0"/>
-                        </a:spcBef>
-                        <a:spcAft>
-                          <a:spcPts val="0"/>
-                        </a:spcAft>
-                        <a:buNone/>
-                      </a:pPr>
-                      <a:r>
-                        <a:rPr lang="ko" sz="800">
-                          <a:latin typeface="나눔고딕" panose="020D0604000000000000" pitchFamily="50" charset="-127"/>
-                          <a:ea typeface="나눔고딕" panose="020D0604000000000000" pitchFamily="50" charset="-127"/>
-                        </a:rPr>
-                        <a:t>삼성전자 페이지 상단</a:t>
-                      </a:r>
-                      <a:endParaRPr sz="800">
-                        <a:latin typeface="나눔고딕" panose="020D0604000000000000" pitchFamily="50" charset="-127"/>
-                        <a:ea typeface="나눔고딕" panose="020D0604000000000000" pitchFamily="50" charset="-127"/>
-                      </a:endParaRPr>
-                    </a:p>
-                  </a:txBody>
-                  <a:tcPr marL="91425" marR="91425" marT="91425" marB="91425">
-                    <a:lnL w="9525" cap="flat" cmpd="sng">
-                      <a:solidFill>
-                        <a:srgbClr val="9E9E9E"/>
-                      </a:solidFill>
-                      <a:prstDash val="solid"/>
-                      <a:round/>
-                      <a:headEnd type="none" w="sm" len="sm"/>
-                      <a:tailEnd type="none" w="sm" len="sm"/>
-                    </a:lnL>
-                    <a:lnR w="9525" cap="flat" cmpd="sng">
-                      <a:solidFill>
-                        <a:srgbClr val="9E9E9E"/>
-                      </a:solidFill>
-                      <a:prstDash val="solid"/>
-                      <a:round/>
-                      <a:headEnd type="none" w="sm" len="sm"/>
-                      <a:tailEnd type="none" w="sm" len="sm"/>
-                    </a:lnR>
-                    <a:lnT w="9525" cap="flat" cmpd="sng">
-                      <a:solidFill>
-                        <a:srgbClr val="9E9E9E"/>
-                      </a:solidFill>
-                      <a:prstDash val="solid"/>
-                      <a:round/>
-                      <a:headEnd type="none" w="sm" len="sm"/>
-                      <a:tailEnd type="none" w="sm" len="sm"/>
-                    </a:lnT>
-                    <a:lnB w="9525" cap="flat" cmpd="sng">
-                      <a:solidFill>
-                        <a:srgbClr val="9E9E9E"/>
-                      </a:solidFill>
-                      <a:prstDash val="solid"/>
-                      <a:round/>
-                      <a:headEnd type="none" w="sm" len="sm"/>
-                      <a:tailEnd type="none" w="sm" len="sm"/>
-                    </a:lnB>
-                  </a:tcPr>
-                </a:tc>
-                <a:tc>
-                  <a:txBody>
-                    <a:bodyPr/>
-                    <a:lstStyle/>
-                    <a:p>
-                      <a:pPr marL="0" lvl="0" indent="0" algn="l" rtl="0">
-                        <a:spcBef>
-                          <a:spcPts val="0"/>
-                        </a:spcBef>
-                        <a:spcAft>
-                          <a:spcPts val="0"/>
-                        </a:spcAft>
-                        <a:buNone/>
-                      </a:pPr>
-                      <a:r>
-                        <a:rPr lang="ko" sz="800">
-                          <a:latin typeface="나눔고딕" panose="020D0604000000000000" pitchFamily="50" charset="-127"/>
-                          <a:ea typeface="나눔고딕" panose="020D0604000000000000" pitchFamily="50" charset="-127"/>
-                        </a:rPr>
-                        <a:t>삼성전자 주가 데이터</a:t>
-                      </a:r>
-                      <a:endParaRPr sz="800">
-                        <a:latin typeface="나눔고딕" panose="020D0604000000000000" pitchFamily="50" charset="-127"/>
-                        <a:ea typeface="나눔고딕" panose="020D0604000000000000" pitchFamily="50" charset="-127"/>
-                      </a:endParaRPr>
-                    </a:p>
-                  </a:txBody>
-                  <a:tcPr marL="91425" marR="91425" marT="91425" marB="91425">
-                    <a:lnL w="9525" cap="flat" cmpd="sng">
-                      <a:solidFill>
-                        <a:srgbClr val="9E9E9E"/>
-                      </a:solidFill>
-                      <a:prstDash val="solid"/>
-                      <a:round/>
-                      <a:headEnd type="none" w="sm" len="sm"/>
-                      <a:tailEnd type="none" w="sm" len="sm"/>
-                    </a:lnL>
-                    <a:lnR w="9525" cap="flat" cmpd="sng">
-                      <a:solidFill>
-                        <a:srgbClr val="9E9E9E"/>
-                      </a:solidFill>
-                      <a:prstDash val="solid"/>
-                      <a:round/>
-                      <a:headEnd type="none" w="sm" len="sm"/>
-                      <a:tailEnd type="none" w="sm" len="sm"/>
-                    </a:lnR>
-                    <a:lnT w="9525" cap="flat" cmpd="sng">
-                      <a:solidFill>
-                        <a:srgbClr val="9E9E9E"/>
-                      </a:solidFill>
-                      <a:prstDash val="solid"/>
-                      <a:round/>
-                      <a:headEnd type="none" w="sm" len="sm"/>
-                      <a:tailEnd type="none" w="sm" len="sm"/>
-                    </a:lnT>
-                    <a:lnB w="9525" cap="flat" cmpd="sng">
-                      <a:solidFill>
-                        <a:srgbClr val="9E9E9E"/>
-                      </a:solidFill>
-                      <a:prstDash val="solid"/>
-                      <a:round/>
-                      <a:headEnd type="none" w="sm" len="sm"/>
-                      <a:tailEnd type="none" w="sm" len="sm"/>
-                    </a:lnB>
-                  </a:tcPr>
-                </a:tc>
-                <a:tc>
-                  <a:txBody>
-                    <a:bodyPr/>
-                    <a:lstStyle/>
-                    <a:p>
-                      <a:pPr marL="0" lvl="0" indent="0" algn="l" rtl="0">
-                        <a:spcBef>
-                          <a:spcPts val="0"/>
-                        </a:spcBef>
-                        <a:spcAft>
-                          <a:spcPts val="0"/>
-                        </a:spcAft>
-                        <a:buNone/>
-                      </a:pPr>
-                      <a:r>
-                        <a:rPr lang="ko" sz="800" dirty="0">
-                          <a:latin typeface="나눔고딕" panose="020D0604000000000000" pitchFamily="50" charset="-127"/>
-                          <a:ea typeface="나눔고딕" panose="020D0604000000000000" pitchFamily="50" charset="-127"/>
-                        </a:rPr>
-                        <a:t>p.8</a:t>
-                      </a:r>
-                      <a:endParaRPr sz="800" dirty="0">
-                        <a:latin typeface="나눔고딕" panose="020D0604000000000000" pitchFamily="50" charset="-127"/>
-                        <a:ea typeface="나눔고딕" panose="020D0604000000000000" pitchFamily="50" charset="-127"/>
-                      </a:endParaRPr>
-                    </a:p>
-                  </a:txBody>
-                  <a:tcPr marL="91425" marR="91425" marT="91425" marB="91425">
-                    <a:lnL w="9525" cap="flat" cmpd="sng">
-                      <a:solidFill>
-                        <a:srgbClr val="9E9E9E"/>
-                      </a:solidFill>
-                      <a:prstDash val="solid"/>
-                      <a:round/>
-                      <a:headEnd type="none" w="sm" len="sm"/>
-                      <a:tailEnd type="none" w="sm" len="sm"/>
-                    </a:lnL>
-                    <a:lnR w="9525" cap="flat" cmpd="sng">
-                      <a:solidFill>
-                        <a:srgbClr val="9E9E9E"/>
-                      </a:solidFill>
-                      <a:prstDash val="solid"/>
-                      <a:round/>
-                      <a:headEnd type="none" w="sm" len="sm"/>
-                      <a:tailEnd type="none" w="sm" len="sm"/>
-                    </a:lnR>
-                    <a:lnT w="9525" cap="flat" cmpd="sng">
-                      <a:solidFill>
-                        <a:srgbClr val="9E9E9E"/>
-                      </a:solidFill>
-                      <a:prstDash val="solid"/>
-                      <a:round/>
-                      <a:headEnd type="none" w="sm" len="sm"/>
-                      <a:tailEnd type="none" w="sm" len="sm"/>
-                    </a:lnT>
-                    <a:lnB w="9525" cap="flat" cmpd="sng">
-                      <a:solidFill>
-                        <a:srgbClr val="9E9E9E"/>
-                      </a:solidFill>
-                      <a:prstDash val="solid"/>
-                      <a:round/>
-                      <a:headEnd type="none" w="sm" len="sm"/>
-                      <a:tailEnd type="none" w="sm" len="sm"/>
-                    </a:lnB>
-                  </a:tcPr>
-                </a:tc>
-                <a:extLst>
-                  <a:ext uri="{0D108BD9-81ED-4DB2-BD59-A6C34878D82A}">
-                    <a16:rowId xmlns:a16="http://schemas.microsoft.com/office/drawing/2014/main" val="10002"/>
-                  </a:ext>
-                </a:extLst>
-              </a:tr>
-              <a:tr h="288350">
-                <a:tc>
-                  <a:txBody>
-                    <a:bodyPr/>
-                    <a:lstStyle/>
-                    <a:p>
-                      <a:pPr marL="0" lvl="0" indent="0" algn="l" rtl="0">
-                        <a:spcBef>
-                          <a:spcPts val="0"/>
-                        </a:spcBef>
-                        <a:spcAft>
-                          <a:spcPts val="0"/>
-                        </a:spcAft>
-                        <a:buNone/>
-                      </a:pPr>
-                      <a:endParaRPr sz="800">
-                        <a:latin typeface="나눔고딕" panose="020D0604000000000000" pitchFamily="50" charset="-127"/>
-                        <a:ea typeface="나눔고딕" panose="020D0604000000000000" pitchFamily="50" charset="-127"/>
-                      </a:endParaRPr>
-                    </a:p>
-                  </a:txBody>
-                  <a:tcPr marL="91425" marR="91425" marT="91425" marB="91425">
-                    <a:lnL w="9525" cap="flat" cmpd="sng">
-                      <a:solidFill>
-                        <a:srgbClr val="9E9E9E"/>
-                      </a:solidFill>
-                      <a:prstDash val="solid"/>
-                      <a:round/>
-                      <a:headEnd type="none" w="sm" len="sm"/>
-                      <a:tailEnd type="none" w="sm" len="sm"/>
-                    </a:lnL>
-                    <a:lnR w="9525" cap="flat" cmpd="sng">
-                      <a:solidFill>
-                        <a:srgbClr val="9E9E9E"/>
-                      </a:solidFill>
-                      <a:prstDash val="solid"/>
-                      <a:round/>
-                      <a:headEnd type="none" w="sm" len="sm"/>
-                      <a:tailEnd type="none" w="sm" len="sm"/>
-                    </a:lnR>
-                    <a:lnT w="9525" cap="flat" cmpd="sng">
-                      <a:solidFill>
-                        <a:srgbClr val="9E9E9E"/>
-                      </a:solidFill>
-                      <a:prstDash val="solid"/>
-                      <a:round/>
-                      <a:headEnd type="none" w="sm" len="sm"/>
-                      <a:tailEnd type="none" w="sm" len="sm"/>
-                    </a:lnT>
-                    <a:lnB w="9525" cap="flat" cmpd="sng">
-                      <a:solidFill>
-                        <a:srgbClr val="9E9E9E"/>
-                      </a:solidFill>
-                      <a:prstDash val="solid"/>
-                      <a:round/>
-                      <a:headEnd type="none" w="sm" len="sm"/>
-                      <a:tailEnd type="none" w="sm" len="sm"/>
-                    </a:lnB>
-                  </a:tcPr>
-                </a:tc>
-                <a:tc>
-                  <a:txBody>
-                    <a:bodyPr/>
-                    <a:lstStyle/>
-                    <a:p>
-                      <a:pPr marL="0" lvl="0" indent="0" algn="l" rtl="0">
-                        <a:spcBef>
-                          <a:spcPts val="0"/>
-                        </a:spcBef>
-                        <a:spcAft>
-                          <a:spcPts val="0"/>
-                        </a:spcAft>
-                        <a:buNone/>
-                      </a:pPr>
-                      <a:r>
-                        <a:rPr lang="ko" sz="800">
-                          <a:latin typeface="나눔고딕" panose="020D0604000000000000" pitchFamily="50" charset="-127"/>
-                          <a:ea typeface="나눔고딕" panose="020D0604000000000000" pitchFamily="50" charset="-127"/>
-                        </a:rPr>
-                        <a:t>삼성전자</a:t>
-                      </a:r>
-                      <a:endParaRPr sz="800">
-                        <a:latin typeface="나눔고딕" panose="020D0604000000000000" pitchFamily="50" charset="-127"/>
-                        <a:ea typeface="나눔고딕" panose="020D0604000000000000" pitchFamily="50" charset="-127"/>
-                      </a:endParaRPr>
-                    </a:p>
-                  </a:txBody>
-                  <a:tcPr marL="91425" marR="91425" marT="91425" marB="91425">
-                    <a:lnL w="9525" cap="flat" cmpd="sng">
-                      <a:solidFill>
-                        <a:srgbClr val="9E9E9E"/>
-                      </a:solidFill>
-                      <a:prstDash val="solid"/>
-                      <a:round/>
-                      <a:headEnd type="none" w="sm" len="sm"/>
-                      <a:tailEnd type="none" w="sm" len="sm"/>
-                    </a:lnL>
-                    <a:lnR w="9525" cap="flat" cmpd="sng">
-                      <a:solidFill>
-                        <a:srgbClr val="9E9E9E"/>
-                      </a:solidFill>
-                      <a:prstDash val="solid"/>
-                      <a:round/>
-                      <a:headEnd type="none" w="sm" len="sm"/>
-                      <a:tailEnd type="none" w="sm" len="sm"/>
-                    </a:lnR>
-                    <a:lnT w="9525" cap="flat" cmpd="sng">
-                      <a:solidFill>
-                        <a:srgbClr val="9E9E9E"/>
-                      </a:solidFill>
-                      <a:prstDash val="solid"/>
-                      <a:round/>
-                      <a:headEnd type="none" w="sm" len="sm"/>
-                      <a:tailEnd type="none" w="sm" len="sm"/>
-                    </a:lnT>
-                    <a:lnB w="9525" cap="flat" cmpd="sng">
-                      <a:solidFill>
-                        <a:srgbClr val="9E9E9E"/>
-                      </a:solidFill>
-                      <a:prstDash val="solid"/>
-                      <a:round/>
-                      <a:headEnd type="none" w="sm" len="sm"/>
-                      <a:tailEnd type="none" w="sm" len="sm"/>
-                    </a:lnB>
-                  </a:tcPr>
-                </a:tc>
-                <a:tc>
-                  <a:txBody>
-                    <a:bodyPr/>
-                    <a:lstStyle/>
-                    <a:p>
-                      <a:pPr marL="0" lvl="0" indent="0" algn="l" rtl="0">
-                        <a:spcBef>
-                          <a:spcPts val="0"/>
-                        </a:spcBef>
-                        <a:spcAft>
-                          <a:spcPts val="0"/>
-                        </a:spcAft>
-                        <a:buNone/>
-                      </a:pPr>
-                      <a:r>
-                        <a:rPr lang="ko" sz="800" dirty="0">
-                          <a:latin typeface="나눔고딕" panose="020D0604000000000000" pitchFamily="50" charset="-127"/>
-                          <a:ea typeface="나눔고딕" panose="020D0604000000000000" pitchFamily="50" charset="-127"/>
-                        </a:rPr>
-                        <a:t>종목</a:t>
-                      </a:r>
-                      <a:r>
-                        <a:rPr lang="en-US" altLang="ko" sz="800" dirty="0">
-                          <a:latin typeface="나눔고딕" panose="020D0604000000000000" pitchFamily="50" charset="-127"/>
-                          <a:ea typeface="나눔고딕" panose="020D0604000000000000" pitchFamily="50" charset="-127"/>
-                        </a:rPr>
-                        <a:t> </a:t>
-                      </a:r>
-                      <a:r>
-                        <a:rPr lang="ko" sz="800" dirty="0">
-                          <a:latin typeface="나눔고딕" panose="020D0604000000000000" pitchFamily="50" charset="-127"/>
-                          <a:ea typeface="나눔고딕" panose="020D0604000000000000" pitchFamily="50" charset="-127"/>
-                        </a:rPr>
-                        <a:t>페이지_1_2</a:t>
-                      </a:r>
-                      <a:endParaRPr sz="800" dirty="0">
-                        <a:latin typeface="나눔고딕" panose="020D0604000000000000" pitchFamily="50" charset="-127"/>
-                        <a:ea typeface="나눔고딕" panose="020D0604000000000000" pitchFamily="50" charset="-127"/>
-                      </a:endParaRPr>
-                    </a:p>
-                  </a:txBody>
-                  <a:tcPr marL="91425" marR="91425" marT="91425" marB="91425">
-                    <a:lnL w="9525" cap="flat" cmpd="sng">
-                      <a:solidFill>
-                        <a:srgbClr val="9E9E9E"/>
-                      </a:solidFill>
-                      <a:prstDash val="solid"/>
-                      <a:round/>
-                      <a:headEnd type="none" w="sm" len="sm"/>
-                      <a:tailEnd type="none" w="sm" len="sm"/>
-                    </a:lnL>
-                    <a:lnR w="9525" cap="flat" cmpd="sng">
-                      <a:solidFill>
-                        <a:srgbClr val="9E9E9E"/>
-                      </a:solidFill>
-                      <a:prstDash val="solid"/>
-                      <a:round/>
-                      <a:headEnd type="none" w="sm" len="sm"/>
-                      <a:tailEnd type="none" w="sm" len="sm"/>
-                    </a:lnR>
-                    <a:lnT w="9525" cap="flat" cmpd="sng">
-                      <a:solidFill>
-                        <a:srgbClr val="9E9E9E"/>
-                      </a:solidFill>
-                      <a:prstDash val="solid"/>
-                      <a:round/>
-                      <a:headEnd type="none" w="sm" len="sm"/>
-                      <a:tailEnd type="none" w="sm" len="sm"/>
-                    </a:lnT>
-                    <a:lnB w="9525" cap="flat" cmpd="sng">
-                      <a:solidFill>
-                        <a:srgbClr val="9E9E9E"/>
-                      </a:solidFill>
-                      <a:prstDash val="solid"/>
-                      <a:round/>
-                      <a:headEnd type="none" w="sm" len="sm"/>
-                      <a:tailEnd type="none" w="sm" len="sm"/>
-                    </a:lnB>
-                  </a:tcPr>
-                </a:tc>
-                <a:tc>
-                  <a:txBody>
-                    <a:bodyPr/>
-                    <a:lstStyle/>
-                    <a:p>
-                      <a:pPr marL="0" lvl="0" indent="0" algn="l" rtl="0">
-                        <a:spcBef>
-                          <a:spcPts val="0"/>
-                        </a:spcBef>
-                        <a:spcAft>
-                          <a:spcPts val="0"/>
-                        </a:spcAft>
-                        <a:buNone/>
-                      </a:pPr>
-                      <a:r>
-                        <a:rPr lang="ko" sz="800">
-                          <a:latin typeface="나눔고딕" panose="020D0604000000000000" pitchFamily="50" charset="-127"/>
-                          <a:ea typeface="나눔고딕" panose="020D0604000000000000" pitchFamily="50" charset="-127"/>
-                        </a:rPr>
-                        <a:t>삼성전자 페이지 하단</a:t>
-                      </a:r>
-                      <a:endParaRPr sz="800">
-                        <a:latin typeface="나눔고딕" panose="020D0604000000000000" pitchFamily="50" charset="-127"/>
-                        <a:ea typeface="나눔고딕" panose="020D0604000000000000" pitchFamily="50" charset="-127"/>
-                      </a:endParaRPr>
-                    </a:p>
-                  </a:txBody>
-                  <a:tcPr marL="91425" marR="91425" marT="91425" marB="91425">
-                    <a:lnL w="9525" cap="flat" cmpd="sng">
-                      <a:solidFill>
-                        <a:srgbClr val="9E9E9E"/>
-                      </a:solidFill>
-                      <a:prstDash val="solid"/>
-                      <a:round/>
-                      <a:headEnd type="none" w="sm" len="sm"/>
-                      <a:tailEnd type="none" w="sm" len="sm"/>
-                    </a:lnL>
-                    <a:lnR w="9525" cap="flat" cmpd="sng">
-                      <a:solidFill>
-                        <a:srgbClr val="9E9E9E"/>
-                      </a:solidFill>
-                      <a:prstDash val="solid"/>
-                      <a:round/>
-                      <a:headEnd type="none" w="sm" len="sm"/>
-                      <a:tailEnd type="none" w="sm" len="sm"/>
-                    </a:lnR>
-                    <a:lnT w="9525" cap="flat" cmpd="sng">
-                      <a:solidFill>
-                        <a:srgbClr val="9E9E9E"/>
-                      </a:solidFill>
-                      <a:prstDash val="solid"/>
-                      <a:round/>
-                      <a:headEnd type="none" w="sm" len="sm"/>
-                      <a:tailEnd type="none" w="sm" len="sm"/>
-                    </a:lnT>
-                    <a:lnB w="9525" cap="flat" cmpd="sng">
-                      <a:solidFill>
-                        <a:srgbClr val="9E9E9E"/>
-                      </a:solidFill>
-                      <a:prstDash val="solid"/>
-                      <a:round/>
-                      <a:headEnd type="none" w="sm" len="sm"/>
-                      <a:tailEnd type="none" w="sm" len="sm"/>
-                    </a:lnB>
-                  </a:tcPr>
-                </a:tc>
-                <a:tc>
-                  <a:txBody>
-                    <a:bodyPr/>
-                    <a:lstStyle/>
-                    <a:p>
-                      <a:pPr marL="0" lvl="0" indent="0" algn="l" rtl="0">
-                        <a:spcBef>
-                          <a:spcPts val="0"/>
-                        </a:spcBef>
-                        <a:spcAft>
-                          <a:spcPts val="0"/>
-                        </a:spcAft>
-                        <a:buNone/>
-                      </a:pPr>
-                      <a:r>
-                        <a:rPr lang="ko" sz="800">
-                          <a:latin typeface="나눔고딕" panose="020D0604000000000000" pitchFamily="50" charset="-127"/>
-                          <a:ea typeface="나눔고딕" panose="020D0604000000000000" pitchFamily="50" charset="-127"/>
-                        </a:rPr>
-                        <a:t>삼성전자 뉴스 및 분석 데이터, 뉴스 투표</a:t>
-                      </a:r>
-                      <a:endParaRPr sz="800">
-                        <a:latin typeface="나눔고딕" panose="020D0604000000000000" pitchFamily="50" charset="-127"/>
-                        <a:ea typeface="나눔고딕" panose="020D0604000000000000" pitchFamily="50" charset="-127"/>
-                      </a:endParaRPr>
-                    </a:p>
-                  </a:txBody>
-                  <a:tcPr marL="91425" marR="91425" marT="91425" marB="91425">
-                    <a:lnL w="9525" cap="flat" cmpd="sng">
-                      <a:solidFill>
-                        <a:srgbClr val="9E9E9E"/>
-                      </a:solidFill>
-                      <a:prstDash val="solid"/>
-                      <a:round/>
-                      <a:headEnd type="none" w="sm" len="sm"/>
-                      <a:tailEnd type="none" w="sm" len="sm"/>
-                    </a:lnL>
-                    <a:lnR w="9525" cap="flat" cmpd="sng">
-                      <a:solidFill>
-                        <a:srgbClr val="9E9E9E"/>
-                      </a:solidFill>
-                      <a:prstDash val="solid"/>
-                      <a:round/>
-                      <a:headEnd type="none" w="sm" len="sm"/>
-                      <a:tailEnd type="none" w="sm" len="sm"/>
-                    </a:lnR>
-                    <a:lnT w="9525" cap="flat" cmpd="sng">
-                      <a:solidFill>
-                        <a:srgbClr val="9E9E9E"/>
-                      </a:solidFill>
-                      <a:prstDash val="solid"/>
-                      <a:round/>
-                      <a:headEnd type="none" w="sm" len="sm"/>
-                      <a:tailEnd type="none" w="sm" len="sm"/>
-                    </a:lnT>
-                    <a:lnB w="9525" cap="flat" cmpd="sng">
-                      <a:solidFill>
-                        <a:srgbClr val="9E9E9E"/>
-                      </a:solidFill>
-                      <a:prstDash val="solid"/>
-                      <a:round/>
-                      <a:headEnd type="none" w="sm" len="sm"/>
-                      <a:tailEnd type="none" w="sm" len="sm"/>
-                    </a:lnB>
-                  </a:tcPr>
-                </a:tc>
-                <a:tc>
-                  <a:txBody>
-                    <a:bodyPr/>
-                    <a:lstStyle/>
-                    <a:p>
-                      <a:pPr marL="0" lvl="0" indent="0" algn="l" rtl="0">
-                        <a:spcBef>
-                          <a:spcPts val="0"/>
-                        </a:spcBef>
-                        <a:spcAft>
-                          <a:spcPts val="0"/>
-                        </a:spcAft>
-                        <a:buNone/>
-                      </a:pPr>
-                      <a:r>
-                        <a:rPr lang="ko" sz="800" dirty="0">
-                          <a:latin typeface="나눔고딕" panose="020D0604000000000000" pitchFamily="50" charset="-127"/>
-                          <a:ea typeface="나눔고딕" panose="020D0604000000000000" pitchFamily="50" charset="-127"/>
-                        </a:rPr>
-                        <a:t>p.10</a:t>
-                      </a:r>
-                      <a:endParaRPr sz="800" dirty="0">
-                        <a:latin typeface="나눔고딕" panose="020D0604000000000000" pitchFamily="50" charset="-127"/>
-                        <a:ea typeface="나눔고딕" panose="020D0604000000000000" pitchFamily="50" charset="-127"/>
-                      </a:endParaRPr>
-                    </a:p>
-                  </a:txBody>
-                  <a:tcPr marL="91425" marR="91425" marT="91425" marB="91425">
-                    <a:lnL w="9525" cap="flat" cmpd="sng">
-                      <a:solidFill>
-                        <a:srgbClr val="9E9E9E"/>
-                      </a:solidFill>
-                      <a:prstDash val="solid"/>
-                      <a:round/>
-                      <a:headEnd type="none" w="sm" len="sm"/>
-                      <a:tailEnd type="none" w="sm" len="sm"/>
-                    </a:lnL>
-                    <a:lnR w="9525" cap="flat" cmpd="sng">
-                      <a:solidFill>
-                        <a:srgbClr val="9E9E9E"/>
-                      </a:solidFill>
-                      <a:prstDash val="solid"/>
-                      <a:round/>
-                      <a:headEnd type="none" w="sm" len="sm"/>
-                      <a:tailEnd type="none" w="sm" len="sm"/>
-                    </a:lnR>
-                    <a:lnT w="9525" cap="flat" cmpd="sng">
-                      <a:solidFill>
-                        <a:srgbClr val="9E9E9E"/>
-                      </a:solidFill>
-                      <a:prstDash val="solid"/>
-                      <a:round/>
-                      <a:headEnd type="none" w="sm" len="sm"/>
-                      <a:tailEnd type="none" w="sm" len="sm"/>
-                    </a:lnT>
-                    <a:lnB w="9525" cap="flat" cmpd="sng">
-                      <a:solidFill>
-                        <a:srgbClr val="9E9E9E"/>
-                      </a:solidFill>
-                      <a:prstDash val="solid"/>
-                      <a:round/>
-                      <a:headEnd type="none" w="sm" len="sm"/>
-                      <a:tailEnd type="none" w="sm" len="sm"/>
-                    </a:lnB>
-                  </a:tcPr>
-                </a:tc>
-                <a:extLst>
-                  <a:ext uri="{0D108BD9-81ED-4DB2-BD59-A6C34878D82A}">
-                    <a16:rowId xmlns:a16="http://schemas.microsoft.com/office/drawing/2014/main" val="10003"/>
-                  </a:ext>
-                </a:extLst>
-              </a:tr>
-              <a:tr h="288350">
-                <a:tc>
-                  <a:txBody>
-                    <a:bodyPr/>
-                    <a:lstStyle/>
-                    <a:p>
-                      <a:pPr marL="0" lvl="0" indent="0" algn="l" rtl="0">
-                        <a:spcBef>
-                          <a:spcPts val="0"/>
-                        </a:spcBef>
-                        <a:spcAft>
-                          <a:spcPts val="0"/>
-                        </a:spcAft>
-                        <a:buNone/>
-                      </a:pPr>
-                      <a:endParaRPr sz="800">
-                        <a:latin typeface="나눔고딕" panose="020D0604000000000000" pitchFamily="50" charset="-127"/>
-                        <a:ea typeface="나눔고딕" panose="020D0604000000000000" pitchFamily="50" charset="-127"/>
-                      </a:endParaRPr>
-                    </a:p>
-                  </a:txBody>
-                  <a:tcPr marL="91425" marR="91425" marT="91425" marB="91425">
-                    <a:lnL w="9525" cap="flat" cmpd="sng">
-                      <a:solidFill>
-                        <a:srgbClr val="9E9E9E"/>
-                      </a:solidFill>
-                      <a:prstDash val="solid"/>
-                      <a:round/>
-                      <a:headEnd type="none" w="sm" len="sm"/>
-                      <a:tailEnd type="none" w="sm" len="sm"/>
-                    </a:lnL>
-                    <a:lnR w="9525" cap="flat" cmpd="sng">
-                      <a:solidFill>
-                        <a:srgbClr val="9E9E9E"/>
-                      </a:solidFill>
-                      <a:prstDash val="solid"/>
-                      <a:round/>
-                      <a:headEnd type="none" w="sm" len="sm"/>
-                      <a:tailEnd type="none" w="sm" len="sm"/>
-                    </a:lnR>
-                    <a:lnT w="9525" cap="flat" cmpd="sng">
-                      <a:solidFill>
-                        <a:srgbClr val="9E9E9E"/>
-                      </a:solidFill>
-                      <a:prstDash val="solid"/>
-                      <a:round/>
-                      <a:headEnd type="none" w="sm" len="sm"/>
-                      <a:tailEnd type="none" w="sm" len="sm"/>
-                    </a:lnT>
-                    <a:lnB w="9525" cap="flat" cmpd="sng">
-                      <a:solidFill>
-                        <a:srgbClr val="9E9E9E"/>
-                      </a:solidFill>
-                      <a:prstDash val="solid"/>
-                      <a:round/>
-                      <a:headEnd type="none" w="sm" len="sm"/>
-                      <a:tailEnd type="none" w="sm" len="sm"/>
-                    </a:lnB>
-                  </a:tcPr>
-                </a:tc>
-                <a:tc>
-                  <a:txBody>
-                    <a:bodyPr/>
-                    <a:lstStyle/>
-                    <a:p>
-                      <a:pPr marL="0" lvl="0" indent="0" algn="l" rtl="0">
-                        <a:spcBef>
-                          <a:spcPts val="0"/>
-                        </a:spcBef>
-                        <a:spcAft>
-                          <a:spcPts val="0"/>
-                        </a:spcAft>
-                        <a:buNone/>
-                      </a:pPr>
-                      <a:r>
-                        <a:rPr lang="ko" sz="800">
-                          <a:latin typeface="나눔고딕" panose="020D0604000000000000" pitchFamily="50" charset="-127"/>
-                          <a:ea typeface="나눔고딕" panose="020D0604000000000000" pitchFamily="50" charset="-127"/>
-                        </a:rPr>
-                        <a:t>SK하이닉스</a:t>
-                      </a:r>
-                      <a:endParaRPr sz="800">
-                        <a:latin typeface="나눔고딕" panose="020D0604000000000000" pitchFamily="50" charset="-127"/>
-                        <a:ea typeface="나눔고딕" panose="020D0604000000000000" pitchFamily="50" charset="-127"/>
-                      </a:endParaRPr>
-                    </a:p>
-                  </a:txBody>
-                  <a:tcPr marL="91425" marR="91425" marT="91425" marB="91425">
-                    <a:lnL w="9525" cap="flat" cmpd="sng">
-                      <a:solidFill>
-                        <a:srgbClr val="9E9E9E"/>
-                      </a:solidFill>
-                      <a:prstDash val="solid"/>
-                      <a:round/>
-                      <a:headEnd type="none" w="sm" len="sm"/>
-                      <a:tailEnd type="none" w="sm" len="sm"/>
-                    </a:lnL>
-                    <a:lnR w="9525" cap="flat" cmpd="sng">
-                      <a:solidFill>
-                        <a:srgbClr val="9E9E9E"/>
-                      </a:solidFill>
-                      <a:prstDash val="solid"/>
-                      <a:round/>
-                      <a:headEnd type="none" w="sm" len="sm"/>
-                      <a:tailEnd type="none" w="sm" len="sm"/>
-                    </a:lnR>
-                    <a:lnT w="9525" cap="flat" cmpd="sng">
-                      <a:solidFill>
-                        <a:srgbClr val="9E9E9E"/>
-                      </a:solidFill>
-                      <a:prstDash val="solid"/>
-                      <a:round/>
-                      <a:headEnd type="none" w="sm" len="sm"/>
-                      <a:tailEnd type="none" w="sm" len="sm"/>
-                    </a:lnT>
-                    <a:lnB w="9525" cap="flat" cmpd="sng">
-                      <a:solidFill>
-                        <a:srgbClr val="9E9E9E"/>
-                      </a:solidFill>
-                      <a:prstDash val="solid"/>
-                      <a:round/>
-                      <a:headEnd type="none" w="sm" len="sm"/>
-                      <a:tailEnd type="none" w="sm" len="sm"/>
-                    </a:lnB>
-                  </a:tcPr>
-                </a:tc>
-                <a:tc>
-                  <a:txBody>
-                    <a:bodyPr/>
-                    <a:lstStyle/>
-                    <a:p>
-                      <a:pPr marL="0" lvl="0" indent="0" algn="l" rtl="0">
-                        <a:spcBef>
-                          <a:spcPts val="0"/>
-                        </a:spcBef>
-                        <a:spcAft>
-                          <a:spcPts val="0"/>
-                        </a:spcAft>
-                        <a:buNone/>
-                      </a:pPr>
-                      <a:r>
-                        <a:rPr lang="ko" sz="800" dirty="0">
-                          <a:solidFill>
-                            <a:schemeClr val="dk1"/>
-                          </a:solidFill>
-                          <a:latin typeface="나눔고딕" panose="020D0604000000000000" pitchFamily="50" charset="-127"/>
-                          <a:ea typeface="나눔고딕" panose="020D0604000000000000" pitchFamily="50" charset="-127"/>
-                        </a:rPr>
-                        <a:t>종목</a:t>
-                      </a:r>
-                      <a:r>
-                        <a:rPr lang="en-US" altLang="ko" sz="800" dirty="0">
-                          <a:solidFill>
-                            <a:schemeClr val="dk1"/>
-                          </a:solidFill>
-                          <a:latin typeface="나눔고딕" panose="020D0604000000000000" pitchFamily="50" charset="-127"/>
-                          <a:ea typeface="나눔고딕" panose="020D0604000000000000" pitchFamily="50" charset="-127"/>
-                        </a:rPr>
-                        <a:t> </a:t>
-                      </a:r>
-                      <a:r>
-                        <a:rPr lang="ko" sz="800" dirty="0">
-                          <a:solidFill>
-                            <a:schemeClr val="dk1"/>
-                          </a:solidFill>
-                          <a:latin typeface="나눔고딕" panose="020D0604000000000000" pitchFamily="50" charset="-127"/>
-                          <a:ea typeface="나눔고딕" panose="020D0604000000000000" pitchFamily="50" charset="-127"/>
-                        </a:rPr>
-                        <a:t>페이지_2_1</a:t>
-                      </a:r>
-                      <a:endParaRPr sz="800" dirty="0">
-                        <a:latin typeface="나눔고딕" panose="020D0604000000000000" pitchFamily="50" charset="-127"/>
-                        <a:ea typeface="나눔고딕" panose="020D0604000000000000" pitchFamily="50" charset="-127"/>
-                      </a:endParaRPr>
-                    </a:p>
-                  </a:txBody>
-                  <a:tcPr marL="91425" marR="91425" marT="91425" marB="91425">
-                    <a:lnL w="9525" cap="flat" cmpd="sng">
-                      <a:solidFill>
-                        <a:srgbClr val="9E9E9E"/>
-                      </a:solidFill>
-                      <a:prstDash val="solid"/>
-                      <a:round/>
-                      <a:headEnd type="none" w="sm" len="sm"/>
-                      <a:tailEnd type="none" w="sm" len="sm"/>
-                    </a:lnL>
-                    <a:lnR w="9525" cap="flat" cmpd="sng">
-                      <a:solidFill>
-                        <a:srgbClr val="9E9E9E"/>
-                      </a:solidFill>
-                      <a:prstDash val="solid"/>
-                      <a:round/>
-                      <a:headEnd type="none" w="sm" len="sm"/>
-                      <a:tailEnd type="none" w="sm" len="sm"/>
-                    </a:lnR>
-                    <a:lnT w="9525" cap="flat" cmpd="sng">
-                      <a:solidFill>
-                        <a:srgbClr val="9E9E9E"/>
-                      </a:solidFill>
-                      <a:prstDash val="solid"/>
-                      <a:round/>
-                      <a:headEnd type="none" w="sm" len="sm"/>
-                      <a:tailEnd type="none" w="sm" len="sm"/>
-                    </a:lnT>
-                    <a:lnB w="9525" cap="flat" cmpd="sng">
-                      <a:solidFill>
-                        <a:srgbClr val="9E9E9E"/>
-                      </a:solidFill>
-                      <a:prstDash val="solid"/>
-                      <a:round/>
-                      <a:headEnd type="none" w="sm" len="sm"/>
-                      <a:tailEnd type="none" w="sm" len="sm"/>
-                    </a:lnB>
-                  </a:tcPr>
-                </a:tc>
-                <a:tc>
-                  <a:txBody>
-                    <a:bodyPr/>
-                    <a:lstStyle/>
-                    <a:p>
-                      <a:pPr marL="0" lvl="0" indent="0" algn="l" rtl="0">
-                        <a:spcBef>
-                          <a:spcPts val="0"/>
-                        </a:spcBef>
-                        <a:spcAft>
-                          <a:spcPts val="0"/>
-                        </a:spcAft>
-                        <a:buNone/>
-                      </a:pPr>
-                      <a:r>
-                        <a:rPr lang="ko" sz="800">
-                          <a:latin typeface="나눔고딕" panose="020D0604000000000000" pitchFamily="50" charset="-127"/>
-                          <a:ea typeface="나눔고딕" panose="020D0604000000000000" pitchFamily="50" charset="-127"/>
-                        </a:rPr>
-                        <a:t>하이닉스 페이지 </a:t>
-                      </a:r>
-                      <a:r>
-                        <a:rPr lang="ko" sz="800">
-                          <a:solidFill>
-                            <a:schemeClr val="dk1"/>
-                          </a:solidFill>
-                          <a:latin typeface="나눔고딕" panose="020D0604000000000000" pitchFamily="50" charset="-127"/>
-                          <a:ea typeface="나눔고딕" panose="020D0604000000000000" pitchFamily="50" charset="-127"/>
-                        </a:rPr>
-                        <a:t>상단</a:t>
-                      </a:r>
-                      <a:endParaRPr sz="800">
-                        <a:latin typeface="나눔고딕" panose="020D0604000000000000" pitchFamily="50" charset="-127"/>
-                        <a:ea typeface="나눔고딕" panose="020D0604000000000000" pitchFamily="50" charset="-127"/>
-                      </a:endParaRPr>
-                    </a:p>
-                  </a:txBody>
-                  <a:tcPr marL="91425" marR="91425" marT="91425" marB="91425">
-                    <a:lnL w="9525" cap="flat" cmpd="sng">
-                      <a:solidFill>
-                        <a:srgbClr val="9E9E9E"/>
-                      </a:solidFill>
-                      <a:prstDash val="solid"/>
-                      <a:round/>
-                      <a:headEnd type="none" w="sm" len="sm"/>
-                      <a:tailEnd type="none" w="sm" len="sm"/>
-                    </a:lnL>
-                    <a:lnR w="9525" cap="flat" cmpd="sng">
-                      <a:solidFill>
-                        <a:srgbClr val="9E9E9E"/>
-                      </a:solidFill>
-                      <a:prstDash val="solid"/>
-                      <a:round/>
-                      <a:headEnd type="none" w="sm" len="sm"/>
-                      <a:tailEnd type="none" w="sm" len="sm"/>
-                    </a:lnR>
-                    <a:lnT w="9525" cap="flat" cmpd="sng">
-                      <a:solidFill>
-                        <a:srgbClr val="9E9E9E"/>
-                      </a:solidFill>
-                      <a:prstDash val="solid"/>
-                      <a:round/>
-                      <a:headEnd type="none" w="sm" len="sm"/>
-                      <a:tailEnd type="none" w="sm" len="sm"/>
-                    </a:lnT>
-                    <a:lnB w="9525" cap="flat" cmpd="sng">
-                      <a:solidFill>
-                        <a:srgbClr val="9E9E9E"/>
-                      </a:solidFill>
-                      <a:prstDash val="solid"/>
-                      <a:round/>
-                      <a:headEnd type="none" w="sm" len="sm"/>
-                      <a:tailEnd type="none" w="sm" len="sm"/>
-                    </a:lnB>
-                  </a:tcPr>
-                </a:tc>
-                <a:tc>
-                  <a:txBody>
-                    <a:bodyPr/>
-                    <a:lstStyle/>
-                    <a:p>
-                      <a:pPr marL="0" lvl="0" indent="0" algn="l" rtl="0">
-                        <a:spcBef>
-                          <a:spcPts val="0"/>
-                        </a:spcBef>
-                        <a:spcAft>
-                          <a:spcPts val="0"/>
-                        </a:spcAft>
-                        <a:buNone/>
-                      </a:pPr>
-                      <a:r>
-                        <a:rPr lang="ko" sz="800">
-                          <a:latin typeface="나눔고딕" panose="020D0604000000000000" pitchFamily="50" charset="-127"/>
-                          <a:ea typeface="나눔고딕" panose="020D0604000000000000" pitchFamily="50" charset="-127"/>
-                        </a:rPr>
-                        <a:t>하이닉스 주가 데이터</a:t>
-                      </a:r>
-                      <a:endParaRPr sz="800">
-                        <a:latin typeface="나눔고딕" panose="020D0604000000000000" pitchFamily="50" charset="-127"/>
-                        <a:ea typeface="나눔고딕" panose="020D0604000000000000" pitchFamily="50" charset="-127"/>
-                      </a:endParaRPr>
-                    </a:p>
-                  </a:txBody>
-                  <a:tcPr marL="91425" marR="91425" marT="91425" marB="91425">
-                    <a:lnL w="9525" cap="flat" cmpd="sng">
-                      <a:solidFill>
-                        <a:srgbClr val="9E9E9E"/>
-                      </a:solidFill>
-                      <a:prstDash val="solid"/>
-                      <a:round/>
-                      <a:headEnd type="none" w="sm" len="sm"/>
-                      <a:tailEnd type="none" w="sm" len="sm"/>
-                    </a:lnL>
-                    <a:lnR w="9525" cap="flat" cmpd="sng">
-                      <a:solidFill>
-                        <a:srgbClr val="9E9E9E"/>
-                      </a:solidFill>
-                      <a:prstDash val="solid"/>
-                      <a:round/>
-                      <a:headEnd type="none" w="sm" len="sm"/>
-                      <a:tailEnd type="none" w="sm" len="sm"/>
-                    </a:lnR>
-                    <a:lnT w="9525" cap="flat" cmpd="sng">
-                      <a:solidFill>
-                        <a:srgbClr val="9E9E9E"/>
-                      </a:solidFill>
-                      <a:prstDash val="solid"/>
-                      <a:round/>
-                      <a:headEnd type="none" w="sm" len="sm"/>
-                      <a:tailEnd type="none" w="sm" len="sm"/>
-                    </a:lnT>
-                    <a:lnB w="9525" cap="flat" cmpd="sng">
-                      <a:solidFill>
-                        <a:srgbClr val="9E9E9E"/>
-                      </a:solidFill>
-                      <a:prstDash val="solid"/>
-                      <a:round/>
-                      <a:headEnd type="none" w="sm" len="sm"/>
-                      <a:tailEnd type="none" w="sm" len="sm"/>
-                    </a:lnB>
-                  </a:tcPr>
-                </a:tc>
-                <a:tc>
-                  <a:txBody>
-                    <a:bodyPr/>
-                    <a:lstStyle/>
-                    <a:p>
-                      <a:pPr marL="0" lvl="0" indent="0" algn="l" rtl="0">
-                        <a:spcBef>
-                          <a:spcPts val="0"/>
-                        </a:spcBef>
-                        <a:spcAft>
-                          <a:spcPts val="0"/>
-                        </a:spcAft>
-                        <a:buNone/>
-                      </a:pPr>
-                      <a:r>
-                        <a:rPr lang="ko" sz="800" dirty="0">
-                          <a:latin typeface="나눔고딕" panose="020D0604000000000000" pitchFamily="50" charset="-127"/>
-                          <a:ea typeface="나눔고딕" panose="020D0604000000000000" pitchFamily="50" charset="-127"/>
-                        </a:rPr>
-                        <a:t>p.13</a:t>
-                      </a:r>
-                      <a:endParaRPr sz="800" dirty="0">
-                        <a:latin typeface="나눔고딕" panose="020D0604000000000000" pitchFamily="50" charset="-127"/>
-                        <a:ea typeface="나눔고딕" panose="020D0604000000000000" pitchFamily="50" charset="-127"/>
-                      </a:endParaRPr>
-                    </a:p>
-                  </a:txBody>
-                  <a:tcPr marL="91425" marR="91425" marT="91425" marB="91425">
-                    <a:lnL w="9525" cap="flat" cmpd="sng">
-                      <a:solidFill>
-                        <a:srgbClr val="9E9E9E"/>
-                      </a:solidFill>
-                      <a:prstDash val="solid"/>
-                      <a:round/>
-                      <a:headEnd type="none" w="sm" len="sm"/>
-                      <a:tailEnd type="none" w="sm" len="sm"/>
-                    </a:lnL>
-                    <a:lnR w="9525" cap="flat" cmpd="sng">
-                      <a:solidFill>
-                        <a:srgbClr val="9E9E9E"/>
-                      </a:solidFill>
-                      <a:prstDash val="solid"/>
-                      <a:round/>
-                      <a:headEnd type="none" w="sm" len="sm"/>
-                      <a:tailEnd type="none" w="sm" len="sm"/>
-                    </a:lnR>
-                    <a:lnT w="9525" cap="flat" cmpd="sng">
-                      <a:solidFill>
-                        <a:srgbClr val="9E9E9E"/>
-                      </a:solidFill>
-                      <a:prstDash val="solid"/>
-                      <a:round/>
-                      <a:headEnd type="none" w="sm" len="sm"/>
-                      <a:tailEnd type="none" w="sm" len="sm"/>
-                    </a:lnT>
-                    <a:lnB w="9525" cap="flat" cmpd="sng">
-                      <a:solidFill>
-                        <a:srgbClr val="9E9E9E"/>
-                      </a:solidFill>
-                      <a:prstDash val="solid"/>
-                      <a:round/>
-                      <a:headEnd type="none" w="sm" len="sm"/>
-                      <a:tailEnd type="none" w="sm" len="sm"/>
-                    </a:lnB>
-                  </a:tcPr>
-                </a:tc>
-                <a:extLst>
-                  <a:ext uri="{0D108BD9-81ED-4DB2-BD59-A6C34878D82A}">
-                    <a16:rowId xmlns:a16="http://schemas.microsoft.com/office/drawing/2014/main" val="10004"/>
-                  </a:ext>
-                </a:extLst>
-              </a:tr>
-              <a:tr h="288350">
-                <a:tc>
-                  <a:txBody>
-                    <a:bodyPr/>
-                    <a:lstStyle/>
-                    <a:p>
-                      <a:pPr marL="0" lvl="0" indent="0" algn="l" rtl="0">
-                        <a:spcBef>
-                          <a:spcPts val="0"/>
-                        </a:spcBef>
-                        <a:spcAft>
-                          <a:spcPts val="0"/>
-                        </a:spcAft>
-                        <a:buNone/>
-                      </a:pPr>
-                      <a:endParaRPr sz="800">
-                        <a:latin typeface="나눔고딕" panose="020D0604000000000000" pitchFamily="50" charset="-127"/>
-                        <a:ea typeface="나눔고딕" panose="020D0604000000000000" pitchFamily="50" charset="-127"/>
-                      </a:endParaRPr>
-                    </a:p>
-                  </a:txBody>
-                  <a:tcPr marL="91425" marR="91425" marT="91425" marB="91425">
-                    <a:lnL w="9525" cap="flat" cmpd="sng">
-                      <a:solidFill>
-                        <a:srgbClr val="9E9E9E"/>
-                      </a:solidFill>
-                      <a:prstDash val="solid"/>
-                      <a:round/>
-                      <a:headEnd type="none" w="sm" len="sm"/>
-                      <a:tailEnd type="none" w="sm" len="sm"/>
-                    </a:lnL>
-                    <a:lnR w="9525" cap="flat" cmpd="sng">
-                      <a:solidFill>
-                        <a:srgbClr val="9E9E9E"/>
-                      </a:solidFill>
-                      <a:prstDash val="solid"/>
-                      <a:round/>
-                      <a:headEnd type="none" w="sm" len="sm"/>
-                      <a:tailEnd type="none" w="sm" len="sm"/>
-                    </a:lnR>
-                    <a:lnT w="9525" cap="flat" cmpd="sng">
-                      <a:solidFill>
-                        <a:srgbClr val="9E9E9E"/>
-                      </a:solidFill>
-                      <a:prstDash val="solid"/>
-                      <a:round/>
-                      <a:headEnd type="none" w="sm" len="sm"/>
-                      <a:tailEnd type="none" w="sm" len="sm"/>
-                    </a:lnT>
-                    <a:lnB w="9525" cap="flat" cmpd="sng">
-                      <a:solidFill>
-                        <a:srgbClr val="9E9E9E"/>
-                      </a:solidFill>
-                      <a:prstDash val="solid"/>
-                      <a:round/>
-                      <a:headEnd type="none" w="sm" len="sm"/>
-                      <a:tailEnd type="none" w="sm" len="sm"/>
-                    </a:lnB>
-                  </a:tcPr>
-                </a:tc>
-                <a:tc>
-                  <a:txBody>
-                    <a:bodyPr/>
-                    <a:lstStyle/>
-                    <a:p>
-                      <a:pPr marL="0" lvl="0" indent="0" algn="l" rtl="0">
-                        <a:spcBef>
-                          <a:spcPts val="0"/>
-                        </a:spcBef>
-                        <a:spcAft>
-                          <a:spcPts val="0"/>
-                        </a:spcAft>
-                        <a:buNone/>
-                      </a:pPr>
-                      <a:r>
-                        <a:rPr lang="ko" sz="800">
-                          <a:latin typeface="나눔고딕" panose="020D0604000000000000" pitchFamily="50" charset="-127"/>
-                          <a:ea typeface="나눔고딕" panose="020D0604000000000000" pitchFamily="50" charset="-127"/>
-                        </a:rPr>
-                        <a:t>SK하이닉스</a:t>
-                      </a:r>
-                      <a:endParaRPr sz="800">
-                        <a:latin typeface="나눔고딕" panose="020D0604000000000000" pitchFamily="50" charset="-127"/>
-                        <a:ea typeface="나눔고딕" panose="020D0604000000000000" pitchFamily="50" charset="-127"/>
-                      </a:endParaRPr>
-                    </a:p>
-                  </a:txBody>
-                  <a:tcPr marL="91425" marR="91425" marT="91425" marB="91425">
-                    <a:lnL w="9525" cap="flat" cmpd="sng">
-                      <a:solidFill>
-                        <a:srgbClr val="9E9E9E"/>
-                      </a:solidFill>
-                      <a:prstDash val="solid"/>
-                      <a:round/>
-                      <a:headEnd type="none" w="sm" len="sm"/>
-                      <a:tailEnd type="none" w="sm" len="sm"/>
-                    </a:lnL>
-                    <a:lnR w="9525" cap="flat" cmpd="sng">
-                      <a:solidFill>
-                        <a:srgbClr val="9E9E9E"/>
-                      </a:solidFill>
-                      <a:prstDash val="solid"/>
-                      <a:round/>
-                      <a:headEnd type="none" w="sm" len="sm"/>
-                      <a:tailEnd type="none" w="sm" len="sm"/>
-                    </a:lnR>
-                    <a:lnT w="9525" cap="flat" cmpd="sng">
-                      <a:solidFill>
-                        <a:srgbClr val="9E9E9E"/>
-                      </a:solidFill>
-                      <a:prstDash val="solid"/>
-                      <a:round/>
-                      <a:headEnd type="none" w="sm" len="sm"/>
-                      <a:tailEnd type="none" w="sm" len="sm"/>
-                    </a:lnT>
-                    <a:lnB w="9525" cap="flat" cmpd="sng">
-                      <a:solidFill>
-                        <a:srgbClr val="9E9E9E"/>
-                      </a:solidFill>
-                      <a:prstDash val="solid"/>
-                      <a:round/>
-                      <a:headEnd type="none" w="sm" len="sm"/>
-                      <a:tailEnd type="none" w="sm" len="sm"/>
-                    </a:lnB>
-                  </a:tcPr>
-                </a:tc>
-                <a:tc>
-                  <a:txBody>
-                    <a:bodyPr/>
-                    <a:lstStyle/>
-                    <a:p>
-                      <a:pPr marL="0" lvl="0" indent="0" algn="l" rtl="0">
-                        <a:spcBef>
-                          <a:spcPts val="0"/>
-                        </a:spcBef>
-                        <a:spcAft>
-                          <a:spcPts val="0"/>
-                        </a:spcAft>
-                        <a:buNone/>
-                      </a:pPr>
-                      <a:r>
-                        <a:rPr lang="ko" sz="800" dirty="0">
-                          <a:solidFill>
-                            <a:schemeClr val="dk1"/>
-                          </a:solidFill>
-                          <a:latin typeface="나눔고딕" panose="020D0604000000000000" pitchFamily="50" charset="-127"/>
-                          <a:ea typeface="나눔고딕" panose="020D0604000000000000" pitchFamily="50" charset="-127"/>
-                        </a:rPr>
-                        <a:t>종목</a:t>
-                      </a:r>
-                      <a:r>
-                        <a:rPr lang="en-US" altLang="ko" sz="800" dirty="0">
-                          <a:solidFill>
-                            <a:schemeClr val="dk1"/>
-                          </a:solidFill>
-                          <a:latin typeface="나눔고딕" panose="020D0604000000000000" pitchFamily="50" charset="-127"/>
-                          <a:ea typeface="나눔고딕" panose="020D0604000000000000" pitchFamily="50" charset="-127"/>
-                        </a:rPr>
-                        <a:t> </a:t>
-                      </a:r>
-                      <a:r>
-                        <a:rPr lang="ko" sz="800" dirty="0">
-                          <a:solidFill>
-                            <a:schemeClr val="dk1"/>
-                          </a:solidFill>
-                          <a:latin typeface="나눔고딕" panose="020D0604000000000000" pitchFamily="50" charset="-127"/>
-                          <a:ea typeface="나눔고딕" panose="020D0604000000000000" pitchFamily="50" charset="-127"/>
-                        </a:rPr>
-                        <a:t>페이지_2_2</a:t>
-                      </a:r>
-                      <a:endParaRPr sz="800" dirty="0">
-                        <a:latin typeface="나눔고딕" panose="020D0604000000000000" pitchFamily="50" charset="-127"/>
-                        <a:ea typeface="나눔고딕" panose="020D0604000000000000" pitchFamily="50" charset="-127"/>
-                      </a:endParaRPr>
-                    </a:p>
-                  </a:txBody>
-                  <a:tcPr marL="91425" marR="91425" marT="91425" marB="91425">
-                    <a:lnL w="9525" cap="flat" cmpd="sng">
-                      <a:solidFill>
-                        <a:srgbClr val="9E9E9E"/>
-                      </a:solidFill>
-                      <a:prstDash val="solid"/>
-                      <a:round/>
-                      <a:headEnd type="none" w="sm" len="sm"/>
-                      <a:tailEnd type="none" w="sm" len="sm"/>
-                    </a:lnL>
-                    <a:lnR w="9525" cap="flat" cmpd="sng">
-                      <a:solidFill>
-                        <a:srgbClr val="9E9E9E"/>
-                      </a:solidFill>
-                      <a:prstDash val="solid"/>
-                      <a:round/>
-                      <a:headEnd type="none" w="sm" len="sm"/>
-                      <a:tailEnd type="none" w="sm" len="sm"/>
-                    </a:lnR>
-                    <a:lnT w="9525" cap="flat" cmpd="sng">
-                      <a:solidFill>
-                        <a:srgbClr val="9E9E9E"/>
-                      </a:solidFill>
-                      <a:prstDash val="solid"/>
-                      <a:round/>
-                      <a:headEnd type="none" w="sm" len="sm"/>
-                      <a:tailEnd type="none" w="sm" len="sm"/>
-                    </a:lnT>
-                    <a:lnB w="9525" cap="flat" cmpd="sng">
-                      <a:solidFill>
-                        <a:srgbClr val="9E9E9E"/>
-                      </a:solidFill>
-                      <a:prstDash val="solid"/>
-                      <a:round/>
-                      <a:headEnd type="none" w="sm" len="sm"/>
-                      <a:tailEnd type="none" w="sm" len="sm"/>
-                    </a:lnB>
-                  </a:tcPr>
-                </a:tc>
-                <a:tc>
-                  <a:txBody>
-                    <a:bodyPr/>
-                    <a:lstStyle/>
-                    <a:p>
-                      <a:pPr marL="0" lvl="0" indent="0" algn="l" rtl="0">
-                        <a:spcBef>
-                          <a:spcPts val="0"/>
-                        </a:spcBef>
-                        <a:spcAft>
-                          <a:spcPts val="0"/>
-                        </a:spcAft>
-                        <a:buNone/>
-                      </a:pPr>
-                      <a:r>
-                        <a:rPr lang="ko" sz="800">
-                          <a:latin typeface="나눔고딕" panose="020D0604000000000000" pitchFamily="50" charset="-127"/>
-                          <a:ea typeface="나눔고딕" panose="020D0604000000000000" pitchFamily="50" charset="-127"/>
-                        </a:rPr>
-                        <a:t>하이닉스 페이지</a:t>
-                      </a:r>
-                      <a:r>
-                        <a:rPr lang="ko" sz="800">
-                          <a:solidFill>
-                            <a:schemeClr val="dk1"/>
-                          </a:solidFill>
-                          <a:latin typeface="나눔고딕" panose="020D0604000000000000" pitchFamily="50" charset="-127"/>
-                          <a:ea typeface="나눔고딕" panose="020D0604000000000000" pitchFamily="50" charset="-127"/>
-                        </a:rPr>
-                        <a:t> 하단</a:t>
-                      </a:r>
-                      <a:endParaRPr sz="800">
-                        <a:latin typeface="나눔고딕" panose="020D0604000000000000" pitchFamily="50" charset="-127"/>
-                        <a:ea typeface="나눔고딕" panose="020D0604000000000000" pitchFamily="50" charset="-127"/>
-                      </a:endParaRPr>
-                    </a:p>
-                  </a:txBody>
-                  <a:tcPr marL="91425" marR="91425" marT="91425" marB="91425">
-                    <a:lnL w="9525" cap="flat" cmpd="sng">
-                      <a:solidFill>
-                        <a:srgbClr val="9E9E9E"/>
-                      </a:solidFill>
-                      <a:prstDash val="solid"/>
-                      <a:round/>
-                      <a:headEnd type="none" w="sm" len="sm"/>
-                      <a:tailEnd type="none" w="sm" len="sm"/>
-                    </a:lnL>
-                    <a:lnR w="9525" cap="flat" cmpd="sng">
-                      <a:solidFill>
-                        <a:srgbClr val="9E9E9E"/>
-                      </a:solidFill>
-                      <a:prstDash val="solid"/>
-                      <a:round/>
-                      <a:headEnd type="none" w="sm" len="sm"/>
-                      <a:tailEnd type="none" w="sm" len="sm"/>
-                    </a:lnR>
-                    <a:lnT w="9525" cap="flat" cmpd="sng">
-                      <a:solidFill>
-                        <a:srgbClr val="9E9E9E"/>
-                      </a:solidFill>
-                      <a:prstDash val="solid"/>
-                      <a:round/>
-                      <a:headEnd type="none" w="sm" len="sm"/>
-                      <a:tailEnd type="none" w="sm" len="sm"/>
-                    </a:lnT>
-                    <a:lnB w="9525" cap="flat" cmpd="sng">
-                      <a:solidFill>
-                        <a:srgbClr val="9E9E9E"/>
-                      </a:solidFill>
-                      <a:prstDash val="solid"/>
-                      <a:round/>
-                      <a:headEnd type="none" w="sm" len="sm"/>
-                      <a:tailEnd type="none" w="sm" len="sm"/>
-                    </a:lnB>
-                  </a:tcPr>
-                </a:tc>
-                <a:tc>
-                  <a:txBody>
-                    <a:bodyPr/>
-                    <a:lstStyle/>
-                    <a:p>
-                      <a:pPr marL="0" lvl="0" indent="0" algn="l" rtl="0">
-                        <a:spcBef>
-                          <a:spcPts val="0"/>
-                        </a:spcBef>
-                        <a:spcAft>
-                          <a:spcPts val="0"/>
-                        </a:spcAft>
-                        <a:buNone/>
-                      </a:pPr>
-                      <a:r>
-                        <a:rPr lang="ko" sz="800">
-                          <a:solidFill>
-                            <a:schemeClr val="dk1"/>
-                          </a:solidFill>
-                          <a:latin typeface="나눔고딕" panose="020D0604000000000000" pitchFamily="50" charset="-127"/>
-                          <a:ea typeface="나눔고딕" panose="020D0604000000000000" pitchFamily="50" charset="-127"/>
-                        </a:rPr>
-                        <a:t>하이닉스 </a:t>
-                      </a:r>
-                      <a:r>
-                        <a:rPr lang="ko" sz="800">
-                          <a:latin typeface="나눔고딕" panose="020D0604000000000000" pitchFamily="50" charset="-127"/>
-                          <a:ea typeface="나눔고딕" panose="020D0604000000000000" pitchFamily="50" charset="-127"/>
-                        </a:rPr>
-                        <a:t>뉴스 및 분석 데이터</a:t>
-                      </a:r>
-                      <a:r>
-                        <a:rPr lang="ko" sz="800">
-                          <a:solidFill>
-                            <a:schemeClr val="dk1"/>
-                          </a:solidFill>
-                          <a:latin typeface="나눔고딕" panose="020D0604000000000000" pitchFamily="50" charset="-127"/>
-                          <a:ea typeface="나눔고딕" panose="020D0604000000000000" pitchFamily="50" charset="-127"/>
-                        </a:rPr>
-                        <a:t>, 뉴스 투표</a:t>
-                      </a:r>
-                      <a:endParaRPr sz="800">
-                        <a:latin typeface="나눔고딕" panose="020D0604000000000000" pitchFamily="50" charset="-127"/>
-                        <a:ea typeface="나눔고딕" panose="020D0604000000000000" pitchFamily="50" charset="-127"/>
-                      </a:endParaRPr>
-                    </a:p>
-                  </a:txBody>
-                  <a:tcPr marL="91425" marR="91425" marT="91425" marB="91425">
-                    <a:lnL w="9525" cap="flat" cmpd="sng">
-                      <a:solidFill>
-                        <a:srgbClr val="9E9E9E"/>
-                      </a:solidFill>
-                      <a:prstDash val="solid"/>
-                      <a:round/>
-                      <a:headEnd type="none" w="sm" len="sm"/>
-                      <a:tailEnd type="none" w="sm" len="sm"/>
-                    </a:lnL>
-                    <a:lnR w="9525" cap="flat" cmpd="sng">
-                      <a:solidFill>
-                        <a:srgbClr val="9E9E9E"/>
-                      </a:solidFill>
-                      <a:prstDash val="solid"/>
-                      <a:round/>
-                      <a:headEnd type="none" w="sm" len="sm"/>
-                      <a:tailEnd type="none" w="sm" len="sm"/>
-                    </a:lnR>
-                    <a:lnT w="9525" cap="flat" cmpd="sng">
-                      <a:solidFill>
-                        <a:srgbClr val="9E9E9E"/>
-                      </a:solidFill>
-                      <a:prstDash val="solid"/>
-                      <a:round/>
-                      <a:headEnd type="none" w="sm" len="sm"/>
-                      <a:tailEnd type="none" w="sm" len="sm"/>
-                    </a:lnT>
-                    <a:lnB w="9525" cap="flat" cmpd="sng">
-                      <a:solidFill>
-                        <a:srgbClr val="9E9E9E"/>
-                      </a:solidFill>
-                      <a:prstDash val="solid"/>
-                      <a:round/>
-                      <a:headEnd type="none" w="sm" len="sm"/>
-                      <a:tailEnd type="none" w="sm" len="sm"/>
-                    </a:lnB>
-                  </a:tcPr>
-                </a:tc>
-                <a:tc>
-                  <a:txBody>
-                    <a:bodyPr/>
-                    <a:lstStyle/>
-                    <a:p>
-                      <a:pPr marL="0" lvl="0" indent="0" algn="l" rtl="0">
-                        <a:spcBef>
-                          <a:spcPts val="0"/>
-                        </a:spcBef>
-                        <a:spcAft>
-                          <a:spcPts val="0"/>
-                        </a:spcAft>
-                        <a:buNone/>
-                      </a:pPr>
-                      <a:r>
-                        <a:rPr lang="ko" sz="800" dirty="0">
-                          <a:latin typeface="나눔고딕" panose="020D0604000000000000" pitchFamily="50" charset="-127"/>
-                          <a:ea typeface="나눔고딕" panose="020D0604000000000000" pitchFamily="50" charset="-127"/>
-                        </a:rPr>
-                        <a:t>p.15</a:t>
-                      </a:r>
-                      <a:endParaRPr sz="800" dirty="0">
-                        <a:latin typeface="나눔고딕" panose="020D0604000000000000" pitchFamily="50" charset="-127"/>
-                        <a:ea typeface="나눔고딕" panose="020D0604000000000000" pitchFamily="50" charset="-127"/>
-                      </a:endParaRPr>
-                    </a:p>
-                  </a:txBody>
-                  <a:tcPr marL="91425" marR="91425" marT="91425" marB="91425">
-                    <a:lnL w="9525" cap="flat" cmpd="sng">
-                      <a:solidFill>
-                        <a:srgbClr val="9E9E9E"/>
-                      </a:solidFill>
-                      <a:prstDash val="solid"/>
-                      <a:round/>
-                      <a:headEnd type="none" w="sm" len="sm"/>
-                      <a:tailEnd type="none" w="sm" len="sm"/>
-                    </a:lnL>
-                    <a:lnR w="9525" cap="flat" cmpd="sng">
-                      <a:solidFill>
-                        <a:srgbClr val="9E9E9E"/>
-                      </a:solidFill>
-                      <a:prstDash val="solid"/>
-                      <a:round/>
-                      <a:headEnd type="none" w="sm" len="sm"/>
-                      <a:tailEnd type="none" w="sm" len="sm"/>
-                    </a:lnR>
-                    <a:lnT w="9525" cap="flat" cmpd="sng">
-                      <a:solidFill>
-                        <a:srgbClr val="9E9E9E"/>
-                      </a:solidFill>
-                      <a:prstDash val="solid"/>
-                      <a:round/>
-                      <a:headEnd type="none" w="sm" len="sm"/>
-                      <a:tailEnd type="none" w="sm" len="sm"/>
-                    </a:lnT>
-                    <a:lnB w="9525" cap="flat" cmpd="sng">
-                      <a:solidFill>
-                        <a:srgbClr val="9E9E9E"/>
-                      </a:solidFill>
-                      <a:prstDash val="solid"/>
-                      <a:round/>
-                      <a:headEnd type="none" w="sm" len="sm"/>
-                      <a:tailEnd type="none" w="sm" len="sm"/>
-                    </a:lnB>
-                  </a:tcPr>
-                </a:tc>
-                <a:extLst>
-                  <a:ext uri="{0D108BD9-81ED-4DB2-BD59-A6C34878D82A}">
-                    <a16:rowId xmlns:a16="http://schemas.microsoft.com/office/drawing/2014/main" val="10005"/>
-                  </a:ext>
-                </a:extLst>
-              </a:tr>
-              <a:tr h="288350">
-                <a:tc>
-                  <a:txBody>
-                    <a:bodyPr/>
-                    <a:lstStyle/>
-                    <a:p>
-                      <a:pPr marL="0" lvl="0" indent="0" algn="l" rtl="0">
-                        <a:spcBef>
-                          <a:spcPts val="0"/>
-                        </a:spcBef>
-                        <a:spcAft>
-                          <a:spcPts val="0"/>
-                        </a:spcAft>
-                        <a:buNone/>
-                      </a:pPr>
-                      <a:endParaRPr sz="800">
-                        <a:latin typeface="나눔고딕" panose="020D0604000000000000" pitchFamily="50" charset="-127"/>
-                        <a:ea typeface="나눔고딕" panose="020D0604000000000000" pitchFamily="50" charset="-127"/>
-                      </a:endParaRPr>
-                    </a:p>
-                  </a:txBody>
-                  <a:tcPr marL="91425" marR="91425" marT="91425" marB="91425">
-                    <a:lnL w="9525" cap="flat" cmpd="sng">
-                      <a:solidFill>
-                        <a:srgbClr val="9E9E9E"/>
-                      </a:solidFill>
-                      <a:prstDash val="solid"/>
-                      <a:round/>
-                      <a:headEnd type="none" w="sm" len="sm"/>
-                      <a:tailEnd type="none" w="sm" len="sm"/>
-                    </a:lnL>
-                    <a:lnR w="9525" cap="flat" cmpd="sng">
-                      <a:solidFill>
-                        <a:srgbClr val="9E9E9E"/>
-                      </a:solidFill>
-                      <a:prstDash val="solid"/>
-                      <a:round/>
-                      <a:headEnd type="none" w="sm" len="sm"/>
-                      <a:tailEnd type="none" w="sm" len="sm"/>
-                    </a:lnR>
-                    <a:lnT w="9525" cap="flat" cmpd="sng">
-                      <a:solidFill>
-                        <a:srgbClr val="9E9E9E"/>
-                      </a:solidFill>
-                      <a:prstDash val="solid"/>
-                      <a:round/>
-                      <a:headEnd type="none" w="sm" len="sm"/>
-                      <a:tailEnd type="none" w="sm" len="sm"/>
-                    </a:lnT>
-                    <a:lnB w="9525" cap="flat" cmpd="sng">
-                      <a:solidFill>
-                        <a:srgbClr val="9E9E9E"/>
-                      </a:solidFill>
-                      <a:prstDash val="solid"/>
-                      <a:round/>
-                      <a:headEnd type="none" w="sm" len="sm"/>
-                      <a:tailEnd type="none" w="sm" len="sm"/>
-                    </a:lnB>
-                  </a:tcPr>
-                </a:tc>
-                <a:tc>
-                  <a:txBody>
-                    <a:bodyPr/>
-                    <a:lstStyle/>
-                    <a:p>
-                      <a:pPr marL="0" lvl="0" indent="0" algn="l" rtl="0">
-                        <a:spcBef>
-                          <a:spcPts val="0"/>
-                        </a:spcBef>
-                        <a:spcAft>
-                          <a:spcPts val="0"/>
-                        </a:spcAft>
-                        <a:buNone/>
-                      </a:pPr>
-                      <a:r>
-                        <a:rPr lang="ko" sz="800">
-                          <a:latin typeface="나눔고딕" panose="020D0604000000000000" pitchFamily="50" charset="-127"/>
-                          <a:ea typeface="나눔고딕" panose="020D0604000000000000" pitchFamily="50" charset="-127"/>
-                        </a:rPr>
-                        <a:t>LG화학</a:t>
-                      </a:r>
-                      <a:endParaRPr sz="800">
-                        <a:latin typeface="나눔고딕" panose="020D0604000000000000" pitchFamily="50" charset="-127"/>
-                        <a:ea typeface="나눔고딕" panose="020D0604000000000000" pitchFamily="50" charset="-127"/>
-                      </a:endParaRPr>
-                    </a:p>
-                  </a:txBody>
-                  <a:tcPr marL="91425" marR="91425" marT="91425" marB="91425">
-                    <a:lnL w="9525" cap="flat" cmpd="sng">
-                      <a:solidFill>
-                        <a:srgbClr val="9E9E9E"/>
-                      </a:solidFill>
-                      <a:prstDash val="solid"/>
-                      <a:round/>
-                      <a:headEnd type="none" w="sm" len="sm"/>
-                      <a:tailEnd type="none" w="sm" len="sm"/>
-                    </a:lnL>
-                    <a:lnR w="9525" cap="flat" cmpd="sng">
-                      <a:solidFill>
-                        <a:srgbClr val="9E9E9E"/>
-                      </a:solidFill>
-                      <a:prstDash val="solid"/>
-                      <a:round/>
-                      <a:headEnd type="none" w="sm" len="sm"/>
-                      <a:tailEnd type="none" w="sm" len="sm"/>
-                    </a:lnR>
-                    <a:lnT w="9525" cap="flat" cmpd="sng">
-                      <a:solidFill>
-                        <a:srgbClr val="9E9E9E"/>
-                      </a:solidFill>
-                      <a:prstDash val="solid"/>
-                      <a:round/>
-                      <a:headEnd type="none" w="sm" len="sm"/>
-                      <a:tailEnd type="none" w="sm" len="sm"/>
-                    </a:lnT>
-                    <a:lnB w="9525" cap="flat" cmpd="sng">
-                      <a:solidFill>
-                        <a:srgbClr val="9E9E9E"/>
-                      </a:solidFill>
-                      <a:prstDash val="solid"/>
-                      <a:round/>
-                      <a:headEnd type="none" w="sm" len="sm"/>
-                      <a:tailEnd type="none" w="sm" len="sm"/>
-                    </a:lnB>
-                  </a:tcPr>
-                </a:tc>
-                <a:tc>
-                  <a:txBody>
-                    <a:bodyPr/>
-                    <a:lstStyle/>
-                    <a:p>
-                      <a:pPr marL="0" lvl="0" indent="0" algn="l" rtl="0">
-                        <a:spcBef>
-                          <a:spcPts val="0"/>
-                        </a:spcBef>
-                        <a:spcAft>
-                          <a:spcPts val="0"/>
-                        </a:spcAft>
-                        <a:buNone/>
-                      </a:pPr>
-                      <a:r>
-                        <a:rPr lang="ko" sz="800" dirty="0">
-                          <a:solidFill>
-                            <a:schemeClr val="dk1"/>
-                          </a:solidFill>
-                          <a:latin typeface="나눔고딕" panose="020D0604000000000000" pitchFamily="50" charset="-127"/>
-                          <a:ea typeface="나눔고딕" panose="020D0604000000000000" pitchFamily="50" charset="-127"/>
-                        </a:rPr>
-                        <a:t>종목</a:t>
-                      </a:r>
-                      <a:r>
-                        <a:rPr lang="en-US" altLang="ko" sz="800" dirty="0">
-                          <a:solidFill>
-                            <a:schemeClr val="dk1"/>
-                          </a:solidFill>
-                          <a:latin typeface="나눔고딕" panose="020D0604000000000000" pitchFamily="50" charset="-127"/>
-                          <a:ea typeface="나눔고딕" panose="020D0604000000000000" pitchFamily="50" charset="-127"/>
-                        </a:rPr>
-                        <a:t> </a:t>
-                      </a:r>
-                      <a:r>
-                        <a:rPr lang="ko" sz="800" dirty="0">
-                          <a:solidFill>
-                            <a:schemeClr val="dk1"/>
-                          </a:solidFill>
-                          <a:latin typeface="나눔고딕" panose="020D0604000000000000" pitchFamily="50" charset="-127"/>
-                          <a:ea typeface="나눔고딕" panose="020D0604000000000000" pitchFamily="50" charset="-127"/>
-                        </a:rPr>
-                        <a:t>페이지_3_1</a:t>
-                      </a:r>
-                      <a:endParaRPr sz="800" dirty="0">
-                        <a:latin typeface="나눔고딕" panose="020D0604000000000000" pitchFamily="50" charset="-127"/>
-                        <a:ea typeface="나눔고딕" panose="020D0604000000000000" pitchFamily="50" charset="-127"/>
-                      </a:endParaRPr>
-                    </a:p>
-                  </a:txBody>
-                  <a:tcPr marL="91425" marR="91425" marT="91425" marB="91425">
-                    <a:lnL w="9525" cap="flat" cmpd="sng">
-                      <a:solidFill>
-                        <a:srgbClr val="9E9E9E"/>
-                      </a:solidFill>
-                      <a:prstDash val="solid"/>
-                      <a:round/>
-                      <a:headEnd type="none" w="sm" len="sm"/>
-                      <a:tailEnd type="none" w="sm" len="sm"/>
-                    </a:lnL>
-                    <a:lnR w="9525" cap="flat" cmpd="sng">
-                      <a:solidFill>
-                        <a:srgbClr val="9E9E9E"/>
-                      </a:solidFill>
-                      <a:prstDash val="solid"/>
-                      <a:round/>
-                      <a:headEnd type="none" w="sm" len="sm"/>
-                      <a:tailEnd type="none" w="sm" len="sm"/>
-                    </a:lnR>
-                    <a:lnT w="9525" cap="flat" cmpd="sng">
-                      <a:solidFill>
-                        <a:srgbClr val="9E9E9E"/>
-                      </a:solidFill>
-                      <a:prstDash val="solid"/>
-                      <a:round/>
-                      <a:headEnd type="none" w="sm" len="sm"/>
-                      <a:tailEnd type="none" w="sm" len="sm"/>
-                    </a:lnT>
-                    <a:lnB w="9525" cap="flat" cmpd="sng">
-                      <a:solidFill>
-                        <a:srgbClr val="9E9E9E"/>
-                      </a:solidFill>
-                      <a:prstDash val="solid"/>
-                      <a:round/>
-                      <a:headEnd type="none" w="sm" len="sm"/>
-                      <a:tailEnd type="none" w="sm" len="sm"/>
-                    </a:lnB>
-                  </a:tcPr>
-                </a:tc>
-                <a:tc>
-                  <a:txBody>
-                    <a:bodyPr/>
-                    <a:lstStyle/>
-                    <a:p>
-                      <a:pPr marL="0" lvl="0" indent="0" algn="l" rtl="0">
-                        <a:spcBef>
-                          <a:spcPts val="0"/>
-                        </a:spcBef>
-                        <a:spcAft>
-                          <a:spcPts val="0"/>
-                        </a:spcAft>
-                        <a:buNone/>
-                      </a:pPr>
-                      <a:r>
-                        <a:rPr lang="ko" sz="800">
-                          <a:latin typeface="나눔고딕" panose="020D0604000000000000" pitchFamily="50" charset="-127"/>
-                          <a:ea typeface="나눔고딕" panose="020D0604000000000000" pitchFamily="50" charset="-127"/>
-                        </a:rPr>
-                        <a:t>LG화학 페이지 </a:t>
-                      </a:r>
-                      <a:r>
-                        <a:rPr lang="ko" sz="800">
-                          <a:solidFill>
-                            <a:schemeClr val="dk1"/>
-                          </a:solidFill>
-                          <a:latin typeface="나눔고딕" panose="020D0604000000000000" pitchFamily="50" charset="-127"/>
-                          <a:ea typeface="나눔고딕" panose="020D0604000000000000" pitchFamily="50" charset="-127"/>
-                        </a:rPr>
-                        <a:t>상단</a:t>
-                      </a:r>
-                      <a:endParaRPr sz="800">
-                        <a:latin typeface="나눔고딕" panose="020D0604000000000000" pitchFamily="50" charset="-127"/>
-                        <a:ea typeface="나눔고딕" panose="020D0604000000000000" pitchFamily="50" charset="-127"/>
-                      </a:endParaRPr>
-                    </a:p>
-                  </a:txBody>
-                  <a:tcPr marL="91425" marR="91425" marT="91425" marB="91425">
-                    <a:lnL w="9525" cap="flat" cmpd="sng">
-                      <a:solidFill>
-                        <a:srgbClr val="9E9E9E"/>
-                      </a:solidFill>
-                      <a:prstDash val="solid"/>
-                      <a:round/>
-                      <a:headEnd type="none" w="sm" len="sm"/>
-                      <a:tailEnd type="none" w="sm" len="sm"/>
-                    </a:lnL>
-                    <a:lnR w="9525" cap="flat" cmpd="sng">
-                      <a:solidFill>
-                        <a:srgbClr val="9E9E9E"/>
-                      </a:solidFill>
-                      <a:prstDash val="solid"/>
-                      <a:round/>
-                      <a:headEnd type="none" w="sm" len="sm"/>
-                      <a:tailEnd type="none" w="sm" len="sm"/>
-                    </a:lnR>
-                    <a:lnT w="9525" cap="flat" cmpd="sng">
-                      <a:solidFill>
-                        <a:srgbClr val="9E9E9E"/>
-                      </a:solidFill>
-                      <a:prstDash val="solid"/>
-                      <a:round/>
-                      <a:headEnd type="none" w="sm" len="sm"/>
-                      <a:tailEnd type="none" w="sm" len="sm"/>
-                    </a:lnT>
-                    <a:lnB w="9525" cap="flat" cmpd="sng">
-                      <a:solidFill>
-                        <a:srgbClr val="9E9E9E"/>
-                      </a:solidFill>
-                      <a:prstDash val="solid"/>
-                      <a:round/>
-                      <a:headEnd type="none" w="sm" len="sm"/>
-                      <a:tailEnd type="none" w="sm" len="sm"/>
-                    </a:lnB>
-                  </a:tcPr>
-                </a:tc>
-                <a:tc>
-                  <a:txBody>
-                    <a:bodyPr/>
-                    <a:lstStyle/>
-                    <a:p>
-                      <a:pPr marL="0" lvl="0" indent="0" algn="l" rtl="0">
-                        <a:spcBef>
-                          <a:spcPts val="0"/>
-                        </a:spcBef>
-                        <a:spcAft>
-                          <a:spcPts val="0"/>
-                        </a:spcAft>
-                        <a:buNone/>
-                      </a:pPr>
-                      <a:r>
-                        <a:rPr lang="ko" sz="800">
-                          <a:solidFill>
-                            <a:schemeClr val="dk1"/>
-                          </a:solidFill>
-                          <a:latin typeface="나눔고딕" panose="020D0604000000000000" pitchFamily="50" charset="-127"/>
-                          <a:ea typeface="나눔고딕" panose="020D0604000000000000" pitchFamily="50" charset="-127"/>
-                        </a:rPr>
-                        <a:t>LG화학 </a:t>
-                      </a:r>
-                      <a:r>
-                        <a:rPr lang="ko" sz="800">
-                          <a:latin typeface="나눔고딕" panose="020D0604000000000000" pitchFamily="50" charset="-127"/>
-                          <a:ea typeface="나눔고딕" panose="020D0604000000000000" pitchFamily="50" charset="-127"/>
-                        </a:rPr>
-                        <a:t>주가 데이터</a:t>
-                      </a:r>
-                      <a:endParaRPr sz="800">
-                        <a:latin typeface="나눔고딕" panose="020D0604000000000000" pitchFamily="50" charset="-127"/>
-                        <a:ea typeface="나눔고딕" panose="020D0604000000000000" pitchFamily="50" charset="-127"/>
-                      </a:endParaRPr>
-                    </a:p>
-                  </a:txBody>
-                  <a:tcPr marL="91425" marR="91425" marT="91425" marB="91425">
-                    <a:lnL w="9525" cap="flat" cmpd="sng">
-                      <a:solidFill>
-                        <a:srgbClr val="9E9E9E"/>
-                      </a:solidFill>
-                      <a:prstDash val="solid"/>
-                      <a:round/>
-                      <a:headEnd type="none" w="sm" len="sm"/>
-                      <a:tailEnd type="none" w="sm" len="sm"/>
-                    </a:lnL>
-                    <a:lnR w="9525" cap="flat" cmpd="sng">
-                      <a:solidFill>
-                        <a:srgbClr val="9E9E9E"/>
-                      </a:solidFill>
-                      <a:prstDash val="solid"/>
-                      <a:round/>
-                      <a:headEnd type="none" w="sm" len="sm"/>
-                      <a:tailEnd type="none" w="sm" len="sm"/>
-                    </a:lnR>
-                    <a:lnT w="9525" cap="flat" cmpd="sng">
-                      <a:solidFill>
-                        <a:srgbClr val="9E9E9E"/>
-                      </a:solidFill>
-                      <a:prstDash val="solid"/>
-                      <a:round/>
-                      <a:headEnd type="none" w="sm" len="sm"/>
-                      <a:tailEnd type="none" w="sm" len="sm"/>
-                    </a:lnT>
-                    <a:lnB w="9525" cap="flat" cmpd="sng">
-                      <a:solidFill>
-                        <a:srgbClr val="9E9E9E"/>
-                      </a:solidFill>
-                      <a:prstDash val="solid"/>
-                      <a:round/>
-                      <a:headEnd type="none" w="sm" len="sm"/>
-                      <a:tailEnd type="none" w="sm" len="sm"/>
-                    </a:lnB>
-                  </a:tcPr>
-                </a:tc>
-                <a:tc>
-                  <a:txBody>
-                    <a:bodyPr/>
-                    <a:lstStyle/>
-                    <a:p>
-                      <a:pPr marL="0" lvl="0" indent="0" algn="l" rtl="0">
-                        <a:spcBef>
-                          <a:spcPts val="0"/>
-                        </a:spcBef>
-                        <a:spcAft>
-                          <a:spcPts val="0"/>
-                        </a:spcAft>
-                        <a:buNone/>
-                      </a:pPr>
-                      <a:r>
-                        <a:rPr lang="ko" sz="800" dirty="0">
-                          <a:latin typeface="나눔고딕" panose="020D0604000000000000" pitchFamily="50" charset="-127"/>
-                          <a:ea typeface="나눔고딕" panose="020D0604000000000000" pitchFamily="50" charset="-127"/>
-                        </a:rPr>
-                        <a:t>p.18</a:t>
-                      </a:r>
-                      <a:endParaRPr sz="800" dirty="0">
-                        <a:latin typeface="나눔고딕" panose="020D0604000000000000" pitchFamily="50" charset="-127"/>
-                        <a:ea typeface="나눔고딕" panose="020D0604000000000000" pitchFamily="50" charset="-127"/>
-                      </a:endParaRPr>
-                    </a:p>
-                  </a:txBody>
-                  <a:tcPr marL="91425" marR="91425" marT="91425" marB="91425">
-                    <a:lnL w="9525" cap="flat" cmpd="sng">
-                      <a:solidFill>
-                        <a:srgbClr val="9E9E9E"/>
-                      </a:solidFill>
-                      <a:prstDash val="solid"/>
-                      <a:round/>
-                      <a:headEnd type="none" w="sm" len="sm"/>
-                      <a:tailEnd type="none" w="sm" len="sm"/>
-                    </a:lnL>
-                    <a:lnR w="9525" cap="flat" cmpd="sng">
-                      <a:solidFill>
-                        <a:srgbClr val="9E9E9E"/>
-                      </a:solidFill>
-                      <a:prstDash val="solid"/>
-                      <a:round/>
-                      <a:headEnd type="none" w="sm" len="sm"/>
-                      <a:tailEnd type="none" w="sm" len="sm"/>
-                    </a:lnR>
-                    <a:lnT w="9525" cap="flat" cmpd="sng">
-                      <a:solidFill>
-                        <a:srgbClr val="9E9E9E"/>
-                      </a:solidFill>
-                      <a:prstDash val="solid"/>
-                      <a:round/>
-                      <a:headEnd type="none" w="sm" len="sm"/>
-                      <a:tailEnd type="none" w="sm" len="sm"/>
-                    </a:lnT>
-                    <a:lnB w="9525" cap="flat" cmpd="sng">
-                      <a:solidFill>
-                        <a:srgbClr val="9E9E9E"/>
-                      </a:solidFill>
-                      <a:prstDash val="solid"/>
-                      <a:round/>
-                      <a:headEnd type="none" w="sm" len="sm"/>
-                      <a:tailEnd type="none" w="sm" len="sm"/>
-                    </a:lnB>
-                  </a:tcPr>
-                </a:tc>
-                <a:extLst>
-                  <a:ext uri="{0D108BD9-81ED-4DB2-BD59-A6C34878D82A}">
-                    <a16:rowId xmlns:a16="http://schemas.microsoft.com/office/drawing/2014/main" val="10006"/>
-                  </a:ext>
-                </a:extLst>
-              </a:tr>
-              <a:tr h="288350">
-                <a:tc>
-                  <a:txBody>
-                    <a:bodyPr/>
-                    <a:lstStyle/>
-                    <a:p>
-                      <a:pPr marL="0" lvl="0" indent="0" algn="l" rtl="0">
-                        <a:spcBef>
-                          <a:spcPts val="0"/>
-                        </a:spcBef>
-                        <a:spcAft>
-                          <a:spcPts val="0"/>
-                        </a:spcAft>
-                        <a:buNone/>
-                      </a:pPr>
-                      <a:endParaRPr sz="800">
-                        <a:latin typeface="나눔고딕" panose="020D0604000000000000" pitchFamily="50" charset="-127"/>
-                        <a:ea typeface="나눔고딕" panose="020D0604000000000000" pitchFamily="50" charset="-127"/>
-                      </a:endParaRPr>
-                    </a:p>
-                  </a:txBody>
-                  <a:tcPr marL="91425" marR="91425" marT="91425" marB="91425">
-                    <a:lnL w="9525" cap="flat" cmpd="sng">
-                      <a:solidFill>
-                        <a:srgbClr val="9E9E9E"/>
-                      </a:solidFill>
-                      <a:prstDash val="solid"/>
-                      <a:round/>
-                      <a:headEnd type="none" w="sm" len="sm"/>
-                      <a:tailEnd type="none" w="sm" len="sm"/>
-                    </a:lnL>
-                    <a:lnR w="9525" cap="flat" cmpd="sng">
-                      <a:solidFill>
-                        <a:srgbClr val="9E9E9E"/>
-                      </a:solidFill>
-                      <a:prstDash val="solid"/>
-                      <a:round/>
-                      <a:headEnd type="none" w="sm" len="sm"/>
-                      <a:tailEnd type="none" w="sm" len="sm"/>
-                    </a:lnR>
-                    <a:lnT w="9525" cap="flat" cmpd="sng">
-                      <a:solidFill>
-                        <a:srgbClr val="9E9E9E"/>
-                      </a:solidFill>
-                      <a:prstDash val="solid"/>
-                      <a:round/>
-                      <a:headEnd type="none" w="sm" len="sm"/>
-                      <a:tailEnd type="none" w="sm" len="sm"/>
-                    </a:lnT>
-                    <a:lnB w="9525" cap="flat" cmpd="sng">
-                      <a:solidFill>
-                        <a:srgbClr val="9E9E9E"/>
-                      </a:solidFill>
-                      <a:prstDash val="solid"/>
-                      <a:round/>
-                      <a:headEnd type="none" w="sm" len="sm"/>
-                      <a:tailEnd type="none" w="sm" len="sm"/>
-                    </a:lnB>
-                  </a:tcPr>
-                </a:tc>
-                <a:tc>
-                  <a:txBody>
-                    <a:bodyPr/>
-                    <a:lstStyle/>
-                    <a:p>
-                      <a:pPr marL="0" lvl="0" indent="0" algn="l" rtl="0">
-                        <a:spcBef>
-                          <a:spcPts val="0"/>
-                        </a:spcBef>
-                        <a:spcAft>
-                          <a:spcPts val="0"/>
-                        </a:spcAft>
-                        <a:buNone/>
-                      </a:pPr>
-                      <a:r>
-                        <a:rPr lang="ko" sz="800">
-                          <a:latin typeface="나눔고딕" panose="020D0604000000000000" pitchFamily="50" charset="-127"/>
-                          <a:ea typeface="나눔고딕" panose="020D0604000000000000" pitchFamily="50" charset="-127"/>
-                        </a:rPr>
-                        <a:t>LG화학</a:t>
-                      </a:r>
-                      <a:endParaRPr sz="800">
-                        <a:latin typeface="나눔고딕" panose="020D0604000000000000" pitchFamily="50" charset="-127"/>
-                        <a:ea typeface="나눔고딕" panose="020D0604000000000000" pitchFamily="50" charset="-127"/>
-                      </a:endParaRPr>
-                    </a:p>
-                  </a:txBody>
-                  <a:tcPr marL="91425" marR="91425" marT="91425" marB="91425">
-                    <a:lnL w="9525" cap="flat" cmpd="sng">
-                      <a:solidFill>
-                        <a:srgbClr val="9E9E9E"/>
-                      </a:solidFill>
-                      <a:prstDash val="solid"/>
-                      <a:round/>
-                      <a:headEnd type="none" w="sm" len="sm"/>
-                      <a:tailEnd type="none" w="sm" len="sm"/>
-                    </a:lnL>
-                    <a:lnR w="9525" cap="flat" cmpd="sng">
-                      <a:solidFill>
-                        <a:srgbClr val="9E9E9E"/>
-                      </a:solidFill>
-                      <a:prstDash val="solid"/>
-                      <a:round/>
-                      <a:headEnd type="none" w="sm" len="sm"/>
-                      <a:tailEnd type="none" w="sm" len="sm"/>
-                    </a:lnR>
-                    <a:lnT w="9525" cap="flat" cmpd="sng">
-                      <a:solidFill>
-                        <a:srgbClr val="9E9E9E"/>
-                      </a:solidFill>
-                      <a:prstDash val="solid"/>
-                      <a:round/>
-                      <a:headEnd type="none" w="sm" len="sm"/>
-                      <a:tailEnd type="none" w="sm" len="sm"/>
-                    </a:lnT>
-                    <a:lnB w="9525" cap="flat" cmpd="sng">
-                      <a:solidFill>
-                        <a:srgbClr val="9E9E9E"/>
-                      </a:solidFill>
-                      <a:prstDash val="solid"/>
-                      <a:round/>
-                      <a:headEnd type="none" w="sm" len="sm"/>
-                      <a:tailEnd type="none" w="sm" len="sm"/>
-                    </a:lnB>
-                  </a:tcPr>
-                </a:tc>
-                <a:tc>
-                  <a:txBody>
-                    <a:bodyPr/>
-                    <a:lstStyle/>
-                    <a:p>
-                      <a:pPr marL="0" lvl="0" indent="0" algn="l" rtl="0">
-                        <a:spcBef>
-                          <a:spcPts val="0"/>
-                        </a:spcBef>
-                        <a:spcAft>
-                          <a:spcPts val="0"/>
-                        </a:spcAft>
-                        <a:buNone/>
-                      </a:pPr>
-                      <a:r>
-                        <a:rPr lang="ko" sz="800" dirty="0">
-                          <a:solidFill>
-                            <a:schemeClr val="dk1"/>
-                          </a:solidFill>
-                          <a:latin typeface="나눔고딕" panose="020D0604000000000000" pitchFamily="50" charset="-127"/>
-                          <a:ea typeface="나눔고딕" panose="020D0604000000000000" pitchFamily="50" charset="-127"/>
-                        </a:rPr>
-                        <a:t>종목</a:t>
-                      </a:r>
-                      <a:r>
-                        <a:rPr lang="en-US" altLang="ko" sz="800" dirty="0">
-                          <a:solidFill>
-                            <a:schemeClr val="dk1"/>
-                          </a:solidFill>
-                          <a:latin typeface="나눔고딕" panose="020D0604000000000000" pitchFamily="50" charset="-127"/>
-                          <a:ea typeface="나눔고딕" panose="020D0604000000000000" pitchFamily="50" charset="-127"/>
-                        </a:rPr>
-                        <a:t> </a:t>
-                      </a:r>
-                      <a:r>
-                        <a:rPr lang="ko" sz="800" dirty="0">
-                          <a:solidFill>
-                            <a:schemeClr val="dk1"/>
-                          </a:solidFill>
-                          <a:latin typeface="나눔고딕" panose="020D0604000000000000" pitchFamily="50" charset="-127"/>
-                          <a:ea typeface="나눔고딕" panose="020D0604000000000000" pitchFamily="50" charset="-127"/>
-                        </a:rPr>
-                        <a:t>페이지_3_2</a:t>
-                      </a:r>
-                      <a:endParaRPr sz="800" dirty="0">
-                        <a:latin typeface="나눔고딕" panose="020D0604000000000000" pitchFamily="50" charset="-127"/>
-                        <a:ea typeface="나눔고딕" panose="020D0604000000000000" pitchFamily="50" charset="-127"/>
-                      </a:endParaRPr>
-                    </a:p>
-                  </a:txBody>
-                  <a:tcPr marL="91425" marR="91425" marT="91425" marB="91425">
-                    <a:lnL w="9525" cap="flat" cmpd="sng">
-                      <a:solidFill>
-                        <a:srgbClr val="9E9E9E"/>
-                      </a:solidFill>
-                      <a:prstDash val="solid"/>
-                      <a:round/>
-                      <a:headEnd type="none" w="sm" len="sm"/>
-                      <a:tailEnd type="none" w="sm" len="sm"/>
-                    </a:lnL>
-                    <a:lnR w="9525" cap="flat" cmpd="sng">
-                      <a:solidFill>
-                        <a:srgbClr val="9E9E9E"/>
-                      </a:solidFill>
-                      <a:prstDash val="solid"/>
-                      <a:round/>
-                      <a:headEnd type="none" w="sm" len="sm"/>
-                      <a:tailEnd type="none" w="sm" len="sm"/>
-                    </a:lnR>
-                    <a:lnT w="9525" cap="flat" cmpd="sng">
-                      <a:solidFill>
-                        <a:srgbClr val="9E9E9E"/>
-                      </a:solidFill>
-                      <a:prstDash val="solid"/>
-                      <a:round/>
-                      <a:headEnd type="none" w="sm" len="sm"/>
-                      <a:tailEnd type="none" w="sm" len="sm"/>
-                    </a:lnT>
-                    <a:lnB w="9525" cap="flat" cmpd="sng">
-                      <a:solidFill>
-                        <a:srgbClr val="9E9E9E"/>
-                      </a:solidFill>
-                      <a:prstDash val="solid"/>
-                      <a:round/>
-                      <a:headEnd type="none" w="sm" len="sm"/>
-                      <a:tailEnd type="none" w="sm" len="sm"/>
-                    </a:lnB>
-                  </a:tcPr>
-                </a:tc>
-                <a:tc>
-                  <a:txBody>
-                    <a:bodyPr/>
-                    <a:lstStyle/>
-                    <a:p>
-                      <a:pPr marL="0" lvl="0" indent="0" algn="l" rtl="0">
-                        <a:spcBef>
-                          <a:spcPts val="0"/>
-                        </a:spcBef>
-                        <a:spcAft>
-                          <a:spcPts val="0"/>
-                        </a:spcAft>
-                        <a:buNone/>
-                      </a:pPr>
-                      <a:r>
-                        <a:rPr lang="ko" sz="800" dirty="0">
-                          <a:latin typeface="나눔고딕" panose="020D0604000000000000" pitchFamily="50" charset="-127"/>
-                          <a:ea typeface="나눔고딕" panose="020D0604000000000000" pitchFamily="50" charset="-127"/>
-                        </a:rPr>
-                        <a:t>LG화학 페이지</a:t>
-                      </a:r>
-                      <a:r>
-                        <a:rPr lang="ko" sz="800" dirty="0">
-                          <a:solidFill>
-                            <a:schemeClr val="dk1"/>
-                          </a:solidFill>
-                          <a:latin typeface="나눔고딕" panose="020D0604000000000000" pitchFamily="50" charset="-127"/>
-                          <a:ea typeface="나눔고딕" panose="020D0604000000000000" pitchFamily="50" charset="-127"/>
-                        </a:rPr>
-                        <a:t> 하단</a:t>
-                      </a:r>
-                      <a:endParaRPr sz="800" dirty="0">
-                        <a:latin typeface="나눔고딕" panose="020D0604000000000000" pitchFamily="50" charset="-127"/>
-                        <a:ea typeface="나눔고딕" panose="020D0604000000000000" pitchFamily="50" charset="-127"/>
-                      </a:endParaRPr>
-                    </a:p>
-                  </a:txBody>
-                  <a:tcPr marL="91425" marR="91425" marT="91425" marB="91425">
-                    <a:lnL w="9525" cap="flat" cmpd="sng">
-                      <a:solidFill>
-                        <a:srgbClr val="9E9E9E"/>
-                      </a:solidFill>
-                      <a:prstDash val="solid"/>
-                      <a:round/>
-                      <a:headEnd type="none" w="sm" len="sm"/>
-                      <a:tailEnd type="none" w="sm" len="sm"/>
-                    </a:lnL>
-                    <a:lnR w="9525" cap="flat" cmpd="sng">
-                      <a:solidFill>
-                        <a:srgbClr val="9E9E9E"/>
-                      </a:solidFill>
-                      <a:prstDash val="solid"/>
-                      <a:round/>
-                      <a:headEnd type="none" w="sm" len="sm"/>
-                      <a:tailEnd type="none" w="sm" len="sm"/>
-                    </a:lnR>
-                    <a:lnT w="9525" cap="flat" cmpd="sng">
-                      <a:solidFill>
-                        <a:srgbClr val="9E9E9E"/>
-                      </a:solidFill>
-                      <a:prstDash val="solid"/>
-                      <a:round/>
-                      <a:headEnd type="none" w="sm" len="sm"/>
-                      <a:tailEnd type="none" w="sm" len="sm"/>
-                    </a:lnT>
-                    <a:lnB w="9525" cap="flat" cmpd="sng">
-                      <a:solidFill>
-                        <a:srgbClr val="9E9E9E"/>
-                      </a:solidFill>
-                      <a:prstDash val="solid"/>
-                      <a:round/>
-                      <a:headEnd type="none" w="sm" len="sm"/>
-                      <a:tailEnd type="none" w="sm" len="sm"/>
-                    </a:lnB>
-                  </a:tcPr>
-                </a:tc>
-                <a:tc>
-                  <a:txBody>
-                    <a:bodyPr/>
-                    <a:lstStyle/>
-                    <a:p>
-                      <a:pPr marL="0" lvl="0" indent="0" algn="l" rtl="0">
-                        <a:spcBef>
-                          <a:spcPts val="0"/>
-                        </a:spcBef>
-                        <a:spcAft>
-                          <a:spcPts val="0"/>
-                        </a:spcAft>
-                        <a:buNone/>
-                      </a:pPr>
-                      <a:r>
-                        <a:rPr lang="ko" sz="800">
-                          <a:solidFill>
-                            <a:schemeClr val="dk1"/>
-                          </a:solidFill>
-                          <a:latin typeface="나눔고딕" panose="020D0604000000000000" pitchFamily="50" charset="-127"/>
-                          <a:ea typeface="나눔고딕" panose="020D0604000000000000" pitchFamily="50" charset="-127"/>
-                        </a:rPr>
-                        <a:t>LG화학 </a:t>
-                      </a:r>
-                      <a:r>
-                        <a:rPr lang="ko" sz="800">
-                          <a:latin typeface="나눔고딕" panose="020D0604000000000000" pitchFamily="50" charset="-127"/>
-                          <a:ea typeface="나눔고딕" panose="020D0604000000000000" pitchFamily="50" charset="-127"/>
-                        </a:rPr>
-                        <a:t>뉴스 및 분석 데이터</a:t>
-                      </a:r>
-                      <a:r>
-                        <a:rPr lang="ko" sz="800">
-                          <a:solidFill>
-                            <a:schemeClr val="dk1"/>
-                          </a:solidFill>
-                          <a:latin typeface="나눔고딕" panose="020D0604000000000000" pitchFamily="50" charset="-127"/>
-                          <a:ea typeface="나눔고딕" panose="020D0604000000000000" pitchFamily="50" charset="-127"/>
-                        </a:rPr>
-                        <a:t>, 뉴스 투표</a:t>
-                      </a:r>
-                      <a:endParaRPr sz="800">
-                        <a:latin typeface="나눔고딕" panose="020D0604000000000000" pitchFamily="50" charset="-127"/>
-                        <a:ea typeface="나눔고딕" panose="020D0604000000000000" pitchFamily="50" charset="-127"/>
-                      </a:endParaRPr>
-                    </a:p>
-                  </a:txBody>
-                  <a:tcPr marL="91425" marR="91425" marT="91425" marB="91425">
-                    <a:lnL w="9525" cap="flat" cmpd="sng">
-                      <a:solidFill>
-                        <a:srgbClr val="9E9E9E"/>
-                      </a:solidFill>
-                      <a:prstDash val="solid"/>
-                      <a:round/>
-                      <a:headEnd type="none" w="sm" len="sm"/>
-                      <a:tailEnd type="none" w="sm" len="sm"/>
-                    </a:lnL>
-                    <a:lnR w="9525" cap="flat" cmpd="sng">
-                      <a:solidFill>
-                        <a:srgbClr val="9E9E9E"/>
-                      </a:solidFill>
-                      <a:prstDash val="solid"/>
-                      <a:round/>
-                      <a:headEnd type="none" w="sm" len="sm"/>
-                      <a:tailEnd type="none" w="sm" len="sm"/>
-                    </a:lnR>
-                    <a:lnT w="9525" cap="flat" cmpd="sng">
-                      <a:solidFill>
-                        <a:srgbClr val="9E9E9E"/>
-                      </a:solidFill>
-                      <a:prstDash val="solid"/>
-                      <a:round/>
-                      <a:headEnd type="none" w="sm" len="sm"/>
-                      <a:tailEnd type="none" w="sm" len="sm"/>
-                    </a:lnT>
-                    <a:lnB w="9525" cap="flat" cmpd="sng">
-                      <a:solidFill>
-                        <a:srgbClr val="9E9E9E"/>
-                      </a:solidFill>
-                      <a:prstDash val="solid"/>
-                      <a:round/>
-                      <a:headEnd type="none" w="sm" len="sm"/>
-                      <a:tailEnd type="none" w="sm" len="sm"/>
-                    </a:lnB>
-                  </a:tcPr>
-                </a:tc>
-                <a:tc>
-                  <a:txBody>
-                    <a:bodyPr/>
-                    <a:lstStyle/>
-                    <a:p>
-                      <a:pPr marL="0" lvl="0" indent="0" algn="l" rtl="0">
-                        <a:spcBef>
-                          <a:spcPts val="0"/>
-                        </a:spcBef>
-                        <a:spcAft>
-                          <a:spcPts val="0"/>
-                        </a:spcAft>
-                        <a:buNone/>
-                      </a:pPr>
-                      <a:r>
-                        <a:rPr lang="ko" sz="800" dirty="0">
-                          <a:latin typeface="나눔고딕" panose="020D0604000000000000" pitchFamily="50" charset="-127"/>
-                          <a:ea typeface="나눔고딕" panose="020D0604000000000000" pitchFamily="50" charset="-127"/>
-                        </a:rPr>
-                        <a:t>p.20</a:t>
-                      </a:r>
-                      <a:endParaRPr sz="800" dirty="0">
-                        <a:latin typeface="나눔고딕" panose="020D0604000000000000" pitchFamily="50" charset="-127"/>
-                        <a:ea typeface="나눔고딕" panose="020D0604000000000000" pitchFamily="50" charset="-127"/>
-                      </a:endParaRPr>
-                    </a:p>
-                  </a:txBody>
-                  <a:tcPr marL="91425" marR="91425" marT="91425" marB="91425">
-                    <a:lnL w="9525" cap="flat" cmpd="sng">
-                      <a:solidFill>
-                        <a:srgbClr val="9E9E9E"/>
-                      </a:solidFill>
-                      <a:prstDash val="solid"/>
-                      <a:round/>
-                      <a:headEnd type="none" w="sm" len="sm"/>
-                      <a:tailEnd type="none" w="sm" len="sm"/>
-                    </a:lnL>
-                    <a:lnR w="9525" cap="flat" cmpd="sng">
-                      <a:solidFill>
-                        <a:srgbClr val="9E9E9E"/>
-                      </a:solidFill>
-                      <a:prstDash val="solid"/>
-                      <a:round/>
-                      <a:headEnd type="none" w="sm" len="sm"/>
-                      <a:tailEnd type="none" w="sm" len="sm"/>
-                    </a:lnR>
-                    <a:lnT w="9525" cap="flat" cmpd="sng">
-                      <a:solidFill>
-                        <a:srgbClr val="9E9E9E"/>
-                      </a:solidFill>
-                      <a:prstDash val="solid"/>
-                      <a:round/>
-                      <a:headEnd type="none" w="sm" len="sm"/>
-                      <a:tailEnd type="none" w="sm" len="sm"/>
-                    </a:lnT>
-                    <a:lnB w="9525" cap="flat" cmpd="sng">
-                      <a:solidFill>
-                        <a:srgbClr val="9E9E9E"/>
-                      </a:solidFill>
-                      <a:prstDash val="solid"/>
-                      <a:round/>
-                      <a:headEnd type="none" w="sm" len="sm"/>
-                      <a:tailEnd type="none" w="sm" len="sm"/>
-                    </a:lnB>
-                  </a:tcPr>
-                </a:tc>
-                <a:extLst>
-                  <a:ext uri="{0D108BD9-81ED-4DB2-BD59-A6C34878D82A}">
-                    <a16:rowId xmlns:a16="http://schemas.microsoft.com/office/drawing/2014/main" val="10007"/>
-                  </a:ext>
-                </a:extLst>
-              </a:tr>
-              <a:tr h="288350">
-                <a:tc>
-                  <a:txBody>
-                    <a:bodyPr/>
-                    <a:lstStyle/>
-                    <a:p>
-                      <a:pPr marL="0" lvl="0" indent="0" algn="l" rtl="0">
-                        <a:spcBef>
-                          <a:spcPts val="0"/>
-                        </a:spcBef>
-                        <a:spcAft>
-                          <a:spcPts val="0"/>
-                        </a:spcAft>
-                        <a:buNone/>
-                      </a:pPr>
-                      <a:endParaRPr sz="800">
-                        <a:latin typeface="나눔고딕" panose="020D0604000000000000" pitchFamily="50" charset="-127"/>
-                        <a:ea typeface="나눔고딕" panose="020D0604000000000000" pitchFamily="50" charset="-127"/>
-                      </a:endParaRPr>
-                    </a:p>
-                  </a:txBody>
-                  <a:tcPr marL="91425" marR="91425" marT="91425" marB="91425">
-                    <a:lnL w="9525" cap="flat" cmpd="sng">
-                      <a:solidFill>
-                        <a:srgbClr val="9E9E9E"/>
-                      </a:solidFill>
-                      <a:prstDash val="solid"/>
-                      <a:round/>
-                      <a:headEnd type="none" w="sm" len="sm"/>
-                      <a:tailEnd type="none" w="sm" len="sm"/>
-                    </a:lnL>
-                    <a:lnR w="9525" cap="flat" cmpd="sng">
-                      <a:solidFill>
-                        <a:srgbClr val="9E9E9E"/>
-                      </a:solidFill>
-                      <a:prstDash val="solid"/>
-                      <a:round/>
-                      <a:headEnd type="none" w="sm" len="sm"/>
-                      <a:tailEnd type="none" w="sm" len="sm"/>
-                    </a:lnR>
-                    <a:lnT w="9525" cap="flat" cmpd="sng">
-                      <a:solidFill>
-                        <a:srgbClr val="9E9E9E"/>
-                      </a:solidFill>
-                      <a:prstDash val="solid"/>
-                      <a:round/>
-                      <a:headEnd type="none" w="sm" len="sm"/>
-                      <a:tailEnd type="none" w="sm" len="sm"/>
-                    </a:lnT>
-                    <a:lnB w="9525" cap="flat" cmpd="sng">
-                      <a:solidFill>
-                        <a:srgbClr val="9E9E9E"/>
-                      </a:solidFill>
-                      <a:prstDash val="solid"/>
-                      <a:round/>
-                      <a:headEnd type="none" w="sm" len="sm"/>
-                      <a:tailEnd type="none" w="sm" len="sm"/>
-                    </a:lnB>
-                  </a:tcPr>
-                </a:tc>
-                <a:tc>
-                  <a:txBody>
-                    <a:bodyPr/>
-                    <a:lstStyle/>
-                    <a:p>
-                      <a:pPr marL="0" lvl="0" indent="0" algn="l" rtl="0">
-                        <a:spcBef>
-                          <a:spcPts val="0"/>
-                        </a:spcBef>
-                        <a:spcAft>
-                          <a:spcPts val="0"/>
-                        </a:spcAft>
-                        <a:buNone/>
-                      </a:pPr>
-                      <a:r>
-                        <a:rPr lang="ko" sz="800">
-                          <a:latin typeface="나눔고딕" panose="020D0604000000000000" pitchFamily="50" charset="-127"/>
-                          <a:ea typeface="나눔고딕" panose="020D0604000000000000" pitchFamily="50" charset="-127"/>
-                        </a:rPr>
-                        <a:t>현대차</a:t>
-                      </a:r>
-                      <a:endParaRPr sz="800">
-                        <a:latin typeface="나눔고딕" panose="020D0604000000000000" pitchFamily="50" charset="-127"/>
-                        <a:ea typeface="나눔고딕" panose="020D0604000000000000" pitchFamily="50" charset="-127"/>
-                      </a:endParaRPr>
-                    </a:p>
-                  </a:txBody>
-                  <a:tcPr marL="91425" marR="91425" marT="91425" marB="91425">
-                    <a:lnL w="9525" cap="flat" cmpd="sng">
-                      <a:solidFill>
-                        <a:srgbClr val="9E9E9E"/>
-                      </a:solidFill>
-                      <a:prstDash val="solid"/>
-                      <a:round/>
-                      <a:headEnd type="none" w="sm" len="sm"/>
-                      <a:tailEnd type="none" w="sm" len="sm"/>
-                    </a:lnL>
-                    <a:lnR w="9525" cap="flat" cmpd="sng">
-                      <a:solidFill>
-                        <a:srgbClr val="9E9E9E"/>
-                      </a:solidFill>
-                      <a:prstDash val="solid"/>
-                      <a:round/>
-                      <a:headEnd type="none" w="sm" len="sm"/>
-                      <a:tailEnd type="none" w="sm" len="sm"/>
-                    </a:lnR>
-                    <a:lnT w="9525" cap="flat" cmpd="sng">
-                      <a:solidFill>
-                        <a:srgbClr val="9E9E9E"/>
-                      </a:solidFill>
-                      <a:prstDash val="solid"/>
-                      <a:round/>
-                      <a:headEnd type="none" w="sm" len="sm"/>
-                      <a:tailEnd type="none" w="sm" len="sm"/>
-                    </a:lnT>
-                    <a:lnB w="9525" cap="flat" cmpd="sng">
-                      <a:solidFill>
-                        <a:srgbClr val="9E9E9E"/>
-                      </a:solidFill>
-                      <a:prstDash val="solid"/>
-                      <a:round/>
-                      <a:headEnd type="none" w="sm" len="sm"/>
-                      <a:tailEnd type="none" w="sm" len="sm"/>
-                    </a:lnB>
-                  </a:tcPr>
-                </a:tc>
-                <a:tc>
-                  <a:txBody>
-                    <a:bodyPr/>
-                    <a:lstStyle/>
-                    <a:p>
-                      <a:pPr marL="0" lvl="0" indent="0" algn="l" rtl="0">
-                        <a:spcBef>
-                          <a:spcPts val="0"/>
-                        </a:spcBef>
-                        <a:spcAft>
-                          <a:spcPts val="0"/>
-                        </a:spcAft>
-                        <a:buNone/>
-                      </a:pPr>
-                      <a:r>
-                        <a:rPr lang="ko" sz="800" dirty="0">
-                          <a:solidFill>
-                            <a:schemeClr val="dk1"/>
-                          </a:solidFill>
-                          <a:latin typeface="나눔고딕" panose="020D0604000000000000" pitchFamily="50" charset="-127"/>
-                          <a:ea typeface="나눔고딕" panose="020D0604000000000000" pitchFamily="50" charset="-127"/>
-                        </a:rPr>
-                        <a:t>종목</a:t>
-                      </a:r>
-                      <a:r>
-                        <a:rPr lang="en-US" altLang="ko" sz="800" dirty="0">
-                          <a:solidFill>
-                            <a:schemeClr val="dk1"/>
-                          </a:solidFill>
-                          <a:latin typeface="나눔고딕" panose="020D0604000000000000" pitchFamily="50" charset="-127"/>
-                          <a:ea typeface="나눔고딕" panose="020D0604000000000000" pitchFamily="50" charset="-127"/>
-                        </a:rPr>
-                        <a:t> </a:t>
-                      </a:r>
-                      <a:r>
-                        <a:rPr lang="ko" sz="800" dirty="0">
-                          <a:solidFill>
-                            <a:schemeClr val="dk1"/>
-                          </a:solidFill>
-                          <a:latin typeface="나눔고딕" panose="020D0604000000000000" pitchFamily="50" charset="-127"/>
-                          <a:ea typeface="나눔고딕" panose="020D0604000000000000" pitchFamily="50" charset="-127"/>
-                        </a:rPr>
-                        <a:t>페이지_4_1</a:t>
-                      </a:r>
-                      <a:endParaRPr sz="800" dirty="0">
-                        <a:latin typeface="나눔고딕" panose="020D0604000000000000" pitchFamily="50" charset="-127"/>
-                        <a:ea typeface="나눔고딕" panose="020D0604000000000000" pitchFamily="50" charset="-127"/>
-                      </a:endParaRPr>
-                    </a:p>
-                  </a:txBody>
-                  <a:tcPr marL="91425" marR="91425" marT="91425" marB="91425">
-                    <a:lnL w="9525" cap="flat" cmpd="sng">
-                      <a:solidFill>
-                        <a:srgbClr val="9E9E9E"/>
-                      </a:solidFill>
-                      <a:prstDash val="solid"/>
-                      <a:round/>
-                      <a:headEnd type="none" w="sm" len="sm"/>
-                      <a:tailEnd type="none" w="sm" len="sm"/>
-                    </a:lnL>
-                    <a:lnR w="9525" cap="flat" cmpd="sng">
-                      <a:solidFill>
-                        <a:srgbClr val="9E9E9E"/>
-                      </a:solidFill>
-                      <a:prstDash val="solid"/>
-                      <a:round/>
-                      <a:headEnd type="none" w="sm" len="sm"/>
-                      <a:tailEnd type="none" w="sm" len="sm"/>
-                    </a:lnR>
-                    <a:lnT w="9525" cap="flat" cmpd="sng">
-                      <a:solidFill>
-                        <a:srgbClr val="9E9E9E"/>
-                      </a:solidFill>
-                      <a:prstDash val="solid"/>
-                      <a:round/>
-                      <a:headEnd type="none" w="sm" len="sm"/>
-                      <a:tailEnd type="none" w="sm" len="sm"/>
-                    </a:lnT>
-                    <a:lnB w="9525" cap="flat" cmpd="sng">
-                      <a:solidFill>
-                        <a:srgbClr val="9E9E9E"/>
-                      </a:solidFill>
-                      <a:prstDash val="solid"/>
-                      <a:round/>
-                      <a:headEnd type="none" w="sm" len="sm"/>
-                      <a:tailEnd type="none" w="sm" len="sm"/>
-                    </a:lnB>
-                  </a:tcPr>
-                </a:tc>
-                <a:tc>
-                  <a:txBody>
-                    <a:bodyPr/>
-                    <a:lstStyle/>
-                    <a:p>
-                      <a:pPr marL="0" lvl="0" indent="0" algn="l" rtl="0">
-                        <a:spcBef>
-                          <a:spcPts val="0"/>
-                        </a:spcBef>
-                        <a:spcAft>
-                          <a:spcPts val="0"/>
-                        </a:spcAft>
-                        <a:buNone/>
-                      </a:pPr>
-                      <a:r>
-                        <a:rPr lang="ko" sz="800" dirty="0">
-                          <a:latin typeface="나눔고딕" panose="020D0604000000000000" pitchFamily="50" charset="-127"/>
-                          <a:ea typeface="나눔고딕" panose="020D0604000000000000" pitchFamily="50" charset="-127"/>
-                        </a:rPr>
-                        <a:t>현대차 페이지 </a:t>
-                      </a:r>
-                      <a:r>
-                        <a:rPr lang="ko" sz="800" dirty="0">
-                          <a:solidFill>
-                            <a:schemeClr val="dk1"/>
-                          </a:solidFill>
-                          <a:latin typeface="나눔고딕" panose="020D0604000000000000" pitchFamily="50" charset="-127"/>
-                          <a:ea typeface="나눔고딕" panose="020D0604000000000000" pitchFamily="50" charset="-127"/>
-                        </a:rPr>
-                        <a:t>상단</a:t>
-                      </a:r>
-                      <a:endParaRPr sz="800" dirty="0">
-                        <a:latin typeface="나눔고딕" panose="020D0604000000000000" pitchFamily="50" charset="-127"/>
-                        <a:ea typeface="나눔고딕" panose="020D0604000000000000" pitchFamily="50" charset="-127"/>
-                      </a:endParaRPr>
-                    </a:p>
-                  </a:txBody>
-                  <a:tcPr marL="91425" marR="91425" marT="91425" marB="91425">
-                    <a:lnL w="9525" cap="flat" cmpd="sng">
-                      <a:solidFill>
-                        <a:srgbClr val="9E9E9E"/>
-                      </a:solidFill>
-                      <a:prstDash val="solid"/>
-                      <a:round/>
-                      <a:headEnd type="none" w="sm" len="sm"/>
-                      <a:tailEnd type="none" w="sm" len="sm"/>
-                    </a:lnL>
-                    <a:lnR w="9525" cap="flat" cmpd="sng">
-                      <a:solidFill>
-                        <a:srgbClr val="9E9E9E"/>
-                      </a:solidFill>
-                      <a:prstDash val="solid"/>
-                      <a:round/>
-                      <a:headEnd type="none" w="sm" len="sm"/>
-                      <a:tailEnd type="none" w="sm" len="sm"/>
-                    </a:lnR>
-                    <a:lnT w="9525" cap="flat" cmpd="sng">
-                      <a:solidFill>
-                        <a:srgbClr val="9E9E9E"/>
-                      </a:solidFill>
-                      <a:prstDash val="solid"/>
-                      <a:round/>
-                      <a:headEnd type="none" w="sm" len="sm"/>
-                      <a:tailEnd type="none" w="sm" len="sm"/>
-                    </a:lnT>
-                    <a:lnB w="9525" cap="flat" cmpd="sng">
-                      <a:solidFill>
-                        <a:srgbClr val="9E9E9E"/>
-                      </a:solidFill>
-                      <a:prstDash val="solid"/>
-                      <a:round/>
-                      <a:headEnd type="none" w="sm" len="sm"/>
-                      <a:tailEnd type="none" w="sm" len="sm"/>
-                    </a:lnB>
-                  </a:tcPr>
-                </a:tc>
-                <a:tc>
-                  <a:txBody>
-                    <a:bodyPr/>
-                    <a:lstStyle/>
-                    <a:p>
-                      <a:pPr marL="0" lvl="0" indent="0" algn="l" rtl="0">
-                        <a:spcBef>
-                          <a:spcPts val="0"/>
-                        </a:spcBef>
-                        <a:spcAft>
-                          <a:spcPts val="0"/>
-                        </a:spcAft>
-                        <a:buNone/>
-                      </a:pPr>
-                      <a:r>
-                        <a:rPr lang="ko" sz="800">
-                          <a:solidFill>
-                            <a:schemeClr val="dk1"/>
-                          </a:solidFill>
-                          <a:latin typeface="나눔고딕" panose="020D0604000000000000" pitchFamily="50" charset="-127"/>
-                          <a:ea typeface="나눔고딕" panose="020D0604000000000000" pitchFamily="50" charset="-127"/>
-                        </a:rPr>
-                        <a:t>현대차 </a:t>
-                      </a:r>
-                      <a:r>
-                        <a:rPr lang="ko" sz="800">
-                          <a:latin typeface="나눔고딕" panose="020D0604000000000000" pitchFamily="50" charset="-127"/>
-                          <a:ea typeface="나눔고딕" panose="020D0604000000000000" pitchFamily="50" charset="-127"/>
-                        </a:rPr>
-                        <a:t>주가 데이터</a:t>
-                      </a:r>
-                      <a:endParaRPr sz="800">
-                        <a:latin typeface="나눔고딕" panose="020D0604000000000000" pitchFamily="50" charset="-127"/>
-                        <a:ea typeface="나눔고딕" panose="020D0604000000000000" pitchFamily="50" charset="-127"/>
-                      </a:endParaRPr>
-                    </a:p>
-                  </a:txBody>
-                  <a:tcPr marL="91425" marR="91425" marT="91425" marB="91425">
-                    <a:lnL w="9525" cap="flat" cmpd="sng">
-                      <a:solidFill>
-                        <a:srgbClr val="9E9E9E"/>
-                      </a:solidFill>
-                      <a:prstDash val="solid"/>
-                      <a:round/>
-                      <a:headEnd type="none" w="sm" len="sm"/>
-                      <a:tailEnd type="none" w="sm" len="sm"/>
-                    </a:lnL>
-                    <a:lnR w="9525" cap="flat" cmpd="sng">
-                      <a:solidFill>
-                        <a:srgbClr val="9E9E9E"/>
-                      </a:solidFill>
-                      <a:prstDash val="solid"/>
-                      <a:round/>
-                      <a:headEnd type="none" w="sm" len="sm"/>
-                      <a:tailEnd type="none" w="sm" len="sm"/>
-                    </a:lnR>
-                    <a:lnT w="9525" cap="flat" cmpd="sng">
-                      <a:solidFill>
-                        <a:srgbClr val="9E9E9E"/>
-                      </a:solidFill>
-                      <a:prstDash val="solid"/>
-                      <a:round/>
-                      <a:headEnd type="none" w="sm" len="sm"/>
-                      <a:tailEnd type="none" w="sm" len="sm"/>
-                    </a:lnT>
-                    <a:lnB w="9525" cap="flat" cmpd="sng">
-                      <a:solidFill>
-                        <a:srgbClr val="9E9E9E"/>
-                      </a:solidFill>
-                      <a:prstDash val="solid"/>
-                      <a:round/>
-                      <a:headEnd type="none" w="sm" len="sm"/>
-                      <a:tailEnd type="none" w="sm" len="sm"/>
-                    </a:lnB>
-                  </a:tcPr>
-                </a:tc>
-                <a:tc>
-                  <a:txBody>
-                    <a:bodyPr/>
-                    <a:lstStyle/>
-                    <a:p>
-                      <a:pPr marL="0" lvl="0" indent="0" algn="l" rtl="0">
-                        <a:spcBef>
-                          <a:spcPts val="0"/>
-                        </a:spcBef>
-                        <a:spcAft>
-                          <a:spcPts val="0"/>
-                        </a:spcAft>
-                        <a:buNone/>
-                      </a:pPr>
-                      <a:r>
-                        <a:rPr lang="ko" sz="800" dirty="0">
-                          <a:latin typeface="나눔고딕" panose="020D0604000000000000" pitchFamily="50" charset="-127"/>
-                          <a:ea typeface="나눔고딕" panose="020D0604000000000000" pitchFamily="50" charset="-127"/>
-                        </a:rPr>
-                        <a:t>p.23</a:t>
-                      </a:r>
-                      <a:endParaRPr sz="800" dirty="0">
-                        <a:latin typeface="나눔고딕" panose="020D0604000000000000" pitchFamily="50" charset="-127"/>
-                        <a:ea typeface="나눔고딕" panose="020D0604000000000000" pitchFamily="50" charset="-127"/>
-                      </a:endParaRPr>
-                    </a:p>
-                  </a:txBody>
-                  <a:tcPr marL="91425" marR="91425" marT="91425" marB="91425">
-                    <a:lnL w="9525" cap="flat" cmpd="sng">
-                      <a:solidFill>
-                        <a:srgbClr val="9E9E9E"/>
-                      </a:solidFill>
-                      <a:prstDash val="solid"/>
-                      <a:round/>
-                      <a:headEnd type="none" w="sm" len="sm"/>
-                      <a:tailEnd type="none" w="sm" len="sm"/>
-                    </a:lnL>
-                    <a:lnR w="9525" cap="flat" cmpd="sng">
-                      <a:solidFill>
-                        <a:srgbClr val="9E9E9E"/>
-                      </a:solidFill>
-                      <a:prstDash val="solid"/>
-                      <a:round/>
-                      <a:headEnd type="none" w="sm" len="sm"/>
-                      <a:tailEnd type="none" w="sm" len="sm"/>
-                    </a:lnR>
-                    <a:lnT w="9525" cap="flat" cmpd="sng">
-                      <a:solidFill>
-                        <a:srgbClr val="9E9E9E"/>
-                      </a:solidFill>
-                      <a:prstDash val="solid"/>
-                      <a:round/>
-                      <a:headEnd type="none" w="sm" len="sm"/>
-                      <a:tailEnd type="none" w="sm" len="sm"/>
-                    </a:lnT>
-                    <a:lnB w="9525" cap="flat" cmpd="sng">
-                      <a:solidFill>
-                        <a:srgbClr val="9E9E9E"/>
-                      </a:solidFill>
-                      <a:prstDash val="solid"/>
-                      <a:round/>
-                      <a:headEnd type="none" w="sm" len="sm"/>
-                      <a:tailEnd type="none" w="sm" len="sm"/>
-                    </a:lnB>
-                  </a:tcPr>
-                </a:tc>
-                <a:extLst>
-                  <a:ext uri="{0D108BD9-81ED-4DB2-BD59-A6C34878D82A}">
-                    <a16:rowId xmlns:a16="http://schemas.microsoft.com/office/drawing/2014/main" val="10008"/>
-                  </a:ext>
-                </a:extLst>
-              </a:tr>
-              <a:tr h="288350">
-                <a:tc>
-                  <a:txBody>
-                    <a:bodyPr/>
-                    <a:lstStyle/>
-                    <a:p>
-                      <a:pPr marL="0" lvl="0" indent="0" algn="l" rtl="0">
-                        <a:spcBef>
-                          <a:spcPts val="0"/>
-                        </a:spcBef>
-                        <a:spcAft>
-                          <a:spcPts val="0"/>
-                        </a:spcAft>
-                        <a:buNone/>
-                      </a:pPr>
-                      <a:endParaRPr sz="800">
-                        <a:latin typeface="나눔고딕" panose="020D0604000000000000" pitchFamily="50" charset="-127"/>
-                        <a:ea typeface="나눔고딕" panose="020D0604000000000000" pitchFamily="50" charset="-127"/>
-                      </a:endParaRPr>
-                    </a:p>
-                  </a:txBody>
-                  <a:tcPr marL="91425" marR="91425" marT="91425" marB="91425">
-                    <a:lnL w="9525" cap="flat" cmpd="sng">
-                      <a:solidFill>
-                        <a:srgbClr val="9E9E9E"/>
-                      </a:solidFill>
-                      <a:prstDash val="solid"/>
-                      <a:round/>
-                      <a:headEnd type="none" w="sm" len="sm"/>
-                      <a:tailEnd type="none" w="sm" len="sm"/>
-                    </a:lnL>
-                    <a:lnR w="9525" cap="flat" cmpd="sng">
-                      <a:solidFill>
-                        <a:srgbClr val="9E9E9E"/>
-                      </a:solidFill>
-                      <a:prstDash val="solid"/>
-                      <a:round/>
-                      <a:headEnd type="none" w="sm" len="sm"/>
-                      <a:tailEnd type="none" w="sm" len="sm"/>
-                    </a:lnR>
-                    <a:lnT w="9525" cap="flat" cmpd="sng">
-                      <a:solidFill>
-                        <a:srgbClr val="9E9E9E"/>
-                      </a:solidFill>
-                      <a:prstDash val="solid"/>
-                      <a:round/>
-                      <a:headEnd type="none" w="sm" len="sm"/>
-                      <a:tailEnd type="none" w="sm" len="sm"/>
-                    </a:lnT>
-                    <a:lnB w="9525" cap="flat" cmpd="sng">
-                      <a:solidFill>
-                        <a:srgbClr val="9E9E9E"/>
-                      </a:solidFill>
-                      <a:prstDash val="solid"/>
-                      <a:round/>
-                      <a:headEnd type="none" w="sm" len="sm"/>
-                      <a:tailEnd type="none" w="sm" len="sm"/>
-                    </a:lnB>
-                  </a:tcPr>
-                </a:tc>
-                <a:tc>
-                  <a:txBody>
-                    <a:bodyPr/>
-                    <a:lstStyle/>
-                    <a:p>
-                      <a:pPr marL="0" lvl="0" indent="0" algn="l" rtl="0">
-                        <a:spcBef>
-                          <a:spcPts val="0"/>
-                        </a:spcBef>
-                        <a:spcAft>
-                          <a:spcPts val="0"/>
-                        </a:spcAft>
-                        <a:buNone/>
-                      </a:pPr>
-                      <a:r>
-                        <a:rPr lang="ko" sz="800">
-                          <a:latin typeface="나눔고딕" panose="020D0604000000000000" pitchFamily="50" charset="-127"/>
-                          <a:ea typeface="나눔고딕" panose="020D0604000000000000" pitchFamily="50" charset="-127"/>
-                        </a:rPr>
-                        <a:t>현대차</a:t>
-                      </a:r>
-                      <a:endParaRPr sz="800">
-                        <a:latin typeface="나눔고딕" panose="020D0604000000000000" pitchFamily="50" charset="-127"/>
-                        <a:ea typeface="나눔고딕" panose="020D0604000000000000" pitchFamily="50" charset="-127"/>
-                      </a:endParaRPr>
-                    </a:p>
-                  </a:txBody>
-                  <a:tcPr marL="91425" marR="91425" marT="91425" marB="91425">
-                    <a:lnL w="9525" cap="flat" cmpd="sng">
-                      <a:solidFill>
-                        <a:srgbClr val="9E9E9E"/>
-                      </a:solidFill>
-                      <a:prstDash val="solid"/>
-                      <a:round/>
-                      <a:headEnd type="none" w="sm" len="sm"/>
-                      <a:tailEnd type="none" w="sm" len="sm"/>
-                    </a:lnL>
-                    <a:lnR w="9525" cap="flat" cmpd="sng">
-                      <a:solidFill>
-                        <a:srgbClr val="9E9E9E"/>
-                      </a:solidFill>
-                      <a:prstDash val="solid"/>
-                      <a:round/>
-                      <a:headEnd type="none" w="sm" len="sm"/>
-                      <a:tailEnd type="none" w="sm" len="sm"/>
-                    </a:lnR>
-                    <a:lnT w="9525" cap="flat" cmpd="sng">
-                      <a:solidFill>
-                        <a:srgbClr val="9E9E9E"/>
-                      </a:solidFill>
-                      <a:prstDash val="solid"/>
-                      <a:round/>
-                      <a:headEnd type="none" w="sm" len="sm"/>
-                      <a:tailEnd type="none" w="sm" len="sm"/>
-                    </a:lnT>
-                    <a:lnB w="9525" cap="flat" cmpd="sng">
-                      <a:solidFill>
-                        <a:srgbClr val="9E9E9E"/>
-                      </a:solidFill>
-                      <a:prstDash val="solid"/>
-                      <a:round/>
-                      <a:headEnd type="none" w="sm" len="sm"/>
-                      <a:tailEnd type="none" w="sm" len="sm"/>
-                    </a:lnB>
-                  </a:tcPr>
-                </a:tc>
-                <a:tc>
-                  <a:txBody>
-                    <a:bodyPr/>
-                    <a:lstStyle/>
-                    <a:p>
-                      <a:pPr marL="0" lvl="0" indent="0" algn="l" rtl="0">
-                        <a:spcBef>
-                          <a:spcPts val="0"/>
-                        </a:spcBef>
-                        <a:spcAft>
-                          <a:spcPts val="0"/>
-                        </a:spcAft>
-                        <a:buNone/>
-                      </a:pPr>
-                      <a:r>
-                        <a:rPr lang="ko" sz="800" dirty="0">
-                          <a:solidFill>
-                            <a:schemeClr val="dk1"/>
-                          </a:solidFill>
-                          <a:latin typeface="나눔고딕" panose="020D0604000000000000" pitchFamily="50" charset="-127"/>
-                          <a:ea typeface="나눔고딕" panose="020D0604000000000000" pitchFamily="50" charset="-127"/>
-                        </a:rPr>
-                        <a:t>종목</a:t>
-                      </a:r>
-                      <a:r>
-                        <a:rPr lang="en-US" altLang="ko" sz="800" dirty="0">
-                          <a:solidFill>
-                            <a:schemeClr val="dk1"/>
-                          </a:solidFill>
-                          <a:latin typeface="나눔고딕" panose="020D0604000000000000" pitchFamily="50" charset="-127"/>
-                          <a:ea typeface="나눔고딕" panose="020D0604000000000000" pitchFamily="50" charset="-127"/>
-                        </a:rPr>
-                        <a:t> </a:t>
-                      </a:r>
-                      <a:r>
-                        <a:rPr lang="ko" sz="800" dirty="0">
-                          <a:solidFill>
-                            <a:schemeClr val="dk1"/>
-                          </a:solidFill>
-                          <a:latin typeface="나눔고딕" panose="020D0604000000000000" pitchFamily="50" charset="-127"/>
-                          <a:ea typeface="나눔고딕" panose="020D0604000000000000" pitchFamily="50" charset="-127"/>
-                        </a:rPr>
-                        <a:t>페이지_4_2</a:t>
-                      </a:r>
-                      <a:endParaRPr sz="800" dirty="0">
-                        <a:latin typeface="나눔고딕" panose="020D0604000000000000" pitchFamily="50" charset="-127"/>
-                        <a:ea typeface="나눔고딕" panose="020D0604000000000000" pitchFamily="50" charset="-127"/>
-                      </a:endParaRPr>
-                    </a:p>
-                  </a:txBody>
-                  <a:tcPr marL="91425" marR="91425" marT="91425" marB="91425">
-                    <a:lnL w="9525" cap="flat" cmpd="sng">
-                      <a:solidFill>
-                        <a:srgbClr val="9E9E9E"/>
-                      </a:solidFill>
-                      <a:prstDash val="solid"/>
-                      <a:round/>
-                      <a:headEnd type="none" w="sm" len="sm"/>
-                      <a:tailEnd type="none" w="sm" len="sm"/>
-                    </a:lnL>
-                    <a:lnR w="9525" cap="flat" cmpd="sng">
-                      <a:solidFill>
-                        <a:srgbClr val="9E9E9E"/>
-                      </a:solidFill>
-                      <a:prstDash val="solid"/>
-                      <a:round/>
-                      <a:headEnd type="none" w="sm" len="sm"/>
-                      <a:tailEnd type="none" w="sm" len="sm"/>
-                    </a:lnR>
-                    <a:lnT w="9525" cap="flat" cmpd="sng">
-                      <a:solidFill>
-                        <a:srgbClr val="9E9E9E"/>
-                      </a:solidFill>
-                      <a:prstDash val="solid"/>
-                      <a:round/>
-                      <a:headEnd type="none" w="sm" len="sm"/>
-                      <a:tailEnd type="none" w="sm" len="sm"/>
-                    </a:lnT>
-                    <a:lnB w="9525" cap="flat" cmpd="sng">
-                      <a:solidFill>
-                        <a:srgbClr val="9E9E9E"/>
-                      </a:solidFill>
-                      <a:prstDash val="solid"/>
-                      <a:round/>
-                      <a:headEnd type="none" w="sm" len="sm"/>
-                      <a:tailEnd type="none" w="sm" len="sm"/>
-                    </a:lnB>
-                  </a:tcPr>
-                </a:tc>
-                <a:tc>
-                  <a:txBody>
-                    <a:bodyPr/>
-                    <a:lstStyle/>
-                    <a:p>
-                      <a:pPr marL="0" lvl="0" indent="0" algn="l" rtl="0">
-                        <a:spcBef>
-                          <a:spcPts val="0"/>
-                        </a:spcBef>
-                        <a:spcAft>
-                          <a:spcPts val="0"/>
-                        </a:spcAft>
-                        <a:buNone/>
-                      </a:pPr>
-                      <a:r>
-                        <a:rPr lang="ko" sz="800">
-                          <a:latin typeface="나눔고딕" panose="020D0604000000000000" pitchFamily="50" charset="-127"/>
-                          <a:ea typeface="나눔고딕" panose="020D0604000000000000" pitchFamily="50" charset="-127"/>
-                        </a:rPr>
-                        <a:t>현대차 페이지</a:t>
-                      </a:r>
-                      <a:r>
-                        <a:rPr lang="ko" sz="800">
-                          <a:solidFill>
-                            <a:schemeClr val="dk1"/>
-                          </a:solidFill>
-                          <a:latin typeface="나눔고딕" panose="020D0604000000000000" pitchFamily="50" charset="-127"/>
-                          <a:ea typeface="나눔고딕" panose="020D0604000000000000" pitchFamily="50" charset="-127"/>
-                        </a:rPr>
-                        <a:t> 하단</a:t>
-                      </a:r>
-                      <a:endParaRPr sz="800">
-                        <a:latin typeface="나눔고딕" panose="020D0604000000000000" pitchFamily="50" charset="-127"/>
-                        <a:ea typeface="나눔고딕" panose="020D0604000000000000" pitchFamily="50" charset="-127"/>
-                      </a:endParaRPr>
-                    </a:p>
-                  </a:txBody>
-                  <a:tcPr marL="91425" marR="91425" marT="91425" marB="91425">
-                    <a:lnL w="9525" cap="flat" cmpd="sng">
-                      <a:solidFill>
-                        <a:srgbClr val="9E9E9E"/>
-                      </a:solidFill>
-                      <a:prstDash val="solid"/>
-                      <a:round/>
-                      <a:headEnd type="none" w="sm" len="sm"/>
-                      <a:tailEnd type="none" w="sm" len="sm"/>
-                    </a:lnL>
-                    <a:lnR w="9525" cap="flat" cmpd="sng">
-                      <a:solidFill>
-                        <a:srgbClr val="9E9E9E"/>
-                      </a:solidFill>
-                      <a:prstDash val="solid"/>
-                      <a:round/>
-                      <a:headEnd type="none" w="sm" len="sm"/>
-                      <a:tailEnd type="none" w="sm" len="sm"/>
-                    </a:lnR>
-                    <a:lnT w="9525" cap="flat" cmpd="sng">
-                      <a:solidFill>
-                        <a:srgbClr val="9E9E9E"/>
-                      </a:solidFill>
-                      <a:prstDash val="solid"/>
-                      <a:round/>
-                      <a:headEnd type="none" w="sm" len="sm"/>
-                      <a:tailEnd type="none" w="sm" len="sm"/>
-                    </a:lnT>
-                    <a:lnB w="9525" cap="flat" cmpd="sng">
-                      <a:solidFill>
-                        <a:srgbClr val="9E9E9E"/>
-                      </a:solidFill>
-                      <a:prstDash val="solid"/>
-                      <a:round/>
-                      <a:headEnd type="none" w="sm" len="sm"/>
-                      <a:tailEnd type="none" w="sm" len="sm"/>
-                    </a:lnB>
-                  </a:tcPr>
-                </a:tc>
-                <a:tc>
-                  <a:txBody>
-                    <a:bodyPr/>
-                    <a:lstStyle/>
-                    <a:p>
-                      <a:pPr marL="0" lvl="0" indent="0" algn="l" rtl="0">
-                        <a:spcBef>
-                          <a:spcPts val="0"/>
-                        </a:spcBef>
-                        <a:spcAft>
-                          <a:spcPts val="0"/>
-                        </a:spcAft>
-                        <a:buNone/>
-                      </a:pPr>
-                      <a:r>
-                        <a:rPr lang="ko" sz="800" dirty="0">
-                          <a:solidFill>
-                            <a:schemeClr val="dk1"/>
-                          </a:solidFill>
-                          <a:latin typeface="나눔고딕" panose="020D0604000000000000" pitchFamily="50" charset="-127"/>
-                          <a:ea typeface="나눔고딕" panose="020D0604000000000000" pitchFamily="50" charset="-127"/>
-                        </a:rPr>
-                        <a:t>현대차 </a:t>
-                      </a:r>
-                      <a:r>
-                        <a:rPr lang="ko" sz="800" dirty="0">
-                          <a:latin typeface="나눔고딕" panose="020D0604000000000000" pitchFamily="50" charset="-127"/>
-                          <a:ea typeface="나눔고딕" panose="020D0604000000000000" pitchFamily="50" charset="-127"/>
-                        </a:rPr>
-                        <a:t>뉴스 및 분석 데이터</a:t>
-                      </a:r>
-                      <a:r>
-                        <a:rPr lang="ko" sz="800" dirty="0">
-                          <a:solidFill>
-                            <a:schemeClr val="dk1"/>
-                          </a:solidFill>
-                          <a:latin typeface="나눔고딕" panose="020D0604000000000000" pitchFamily="50" charset="-127"/>
-                          <a:ea typeface="나눔고딕" panose="020D0604000000000000" pitchFamily="50" charset="-127"/>
-                        </a:rPr>
-                        <a:t>, 뉴스 투표</a:t>
-                      </a:r>
-                      <a:endParaRPr sz="800" dirty="0">
-                        <a:latin typeface="나눔고딕" panose="020D0604000000000000" pitchFamily="50" charset="-127"/>
-                        <a:ea typeface="나눔고딕" panose="020D0604000000000000" pitchFamily="50" charset="-127"/>
-                      </a:endParaRPr>
-                    </a:p>
-                  </a:txBody>
-                  <a:tcPr marL="91425" marR="91425" marT="91425" marB="91425">
-                    <a:lnL w="9525" cap="flat" cmpd="sng">
-                      <a:solidFill>
-                        <a:srgbClr val="9E9E9E"/>
-                      </a:solidFill>
-                      <a:prstDash val="solid"/>
-                      <a:round/>
-                      <a:headEnd type="none" w="sm" len="sm"/>
-                      <a:tailEnd type="none" w="sm" len="sm"/>
-                    </a:lnL>
-                    <a:lnR w="9525" cap="flat" cmpd="sng">
-                      <a:solidFill>
-                        <a:srgbClr val="9E9E9E"/>
-                      </a:solidFill>
-                      <a:prstDash val="solid"/>
-                      <a:round/>
-                      <a:headEnd type="none" w="sm" len="sm"/>
-                      <a:tailEnd type="none" w="sm" len="sm"/>
-                    </a:lnR>
-                    <a:lnT w="9525" cap="flat" cmpd="sng">
-                      <a:solidFill>
-                        <a:srgbClr val="9E9E9E"/>
-                      </a:solidFill>
-                      <a:prstDash val="solid"/>
-                      <a:round/>
-                      <a:headEnd type="none" w="sm" len="sm"/>
-                      <a:tailEnd type="none" w="sm" len="sm"/>
-                    </a:lnT>
-                    <a:lnB w="9525" cap="flat" cmpd="sng">
-                      <a:solidFill>
-                        <a:srgbClr val="9E9E9E"/>
-                      </a:solidFill>
-                      <a:prstDash val="solid"/>
-                      <a:round/>
-                      <a:headEnd type="none" w="sm" len="sm"/>
-                      <a:tailEnd type="none" w="sm" len="sm"/>
-                    </a:lnB>
-                  </a:tcPr>
-                </a:tc>
-                <a:tc>
-                  <a:txBody>
-                    <a:bodyPr/>
-                    <a:lstStyle/>
-                    <a:p>
-                      <a:pPr marL="0" lvl="0" indent="0" algn="l" rtl="0">
-                        <a:spcBef>
-                          <a:spcPts val="0"/>
-                        </a:spcBef>
-                        <a:spcAft>
-                          <a:spcPts val="0"/>
-                        </a:spcAft>
-                        <a:buNone/>
-                      </a:pPr>
-                      <a:r>
-                        <a:rPr lang="ko" sz="800" dirty="0">
-                          <a:latin typeface="나눔고딕" panose="020D0604000000000000" pitchFamily="50" charset="-127"/>
-                          <a:ea typeface="나눔고딕" panose="020D0604000000000000" pitchFamily="50" charset="-127"/>
-                        </a:rPr>
-                        <a:t>p.25</a:t>
-                      </a:r>
-                      <a:endParaRPr sz="800" dirty="0">
-                        <a:latin typeface="나눔고딕" panose="020D0604000000000000" pitchFamily="50" charset="-127"/>
-                        <a:ea typeface="나눔고딕" panose="020D0604000000000000" pitchFamily="50" charset="-127"/>
-                      </a:endParaRPr>
-                    </a:p>
-                  </a:txBody>
-                  <a:tcPr marL="91425" marR="91425" marT="91425" marB="91425">
-                    <a:lnL w="9525" cap="flat" cmpd="sng">
-                      <a:solidFill>
-                        <a:srgbClr val="9E9E9E"/>
-                      </a:solidFill>
-                      <a:prstDash val="solid"/>
-                      <a:round/>
-                      <a:headEnd type="none" w="sm" len="sm"/>
-                      <a:tailEnd type="none" w="sm" len="sm"/>
-                    </a:lnL>
-                    <a:lnR w="9525" cap="flat" cmpd="sng">
-                      <a:solidFill>
-                        <a:srgbClr val="9E9E9E"/>
-                      </a:solidFill>
-                      <a:prstDash val="solid"/>
-                      <a:round/>
-                      <a:headEnd type="none" w="sm" len="sm"/>
-                      <a:tailEnd type="none" w="sm" len="sm"/>
-                    </a:lnR>
-                    <a:lnT w="9525" cap="flat" cmpd="sng">
-                      <a:solidFill>
-                        <a:srgbClr val="9E9E9E"/>
-                      </a:solidFill>
-                      <a:prstDash val="solid"/>
-                      <a:round/>
-                      <a:headEnd type="none" w="sm" len="sm"/>
-                      <a:tailEnd type="none" w="sm" len="sm"/>
-                    </a:lnT>
-                    <a:lnB w="9525" cap="flat" cmpd="sng">
-                      <a:solidFill>
-                        <a:srgbClr val="9E9E9E"/>
-                      </a:solidFill>
-                      <a:prstDash val="solid"/>
-                      <a:round/>
-                      <a:headEnd type="none" w="sm" len="sm"/>
-                      <a:tailEnd type="none" w="sm" len="sm"/>
-                    </a:lnB>
-                  </a:tcPr>
-                </a:tc>
-                <a:extLst>
-                  <a:ext uri="{0D108BD9-81ED-4DB2-BD59-A6C34878D82A}">
-                    <a16:rowId xmlns:a16="http://schemas.microsoft.com/office/drawing/2014/main" val="10009"/>
-                  </a:ext>
-                </a:extLst>
-              </a:tr>
-              <a:tr h="288350">
-                <a:tc>
-                  <a:txBody>
-                    <a:bodyPr/>
-                    <a:lstStyle/>
-                    <a:p>
-                      <a:pPr marL="0" lvl="0" indent="0" algn="l" rtl="0">
-                        <a:spcBef>
-                          <a:spcPts val="0"/>
-                        </a:spcBef>
-                        <a:spcAft>
-                          <a:spcPts val="0"/>
-                        </a:spcAft>
-                        <a:buNone/>
-                      </a:pPr>
-                      <a:endParaRPr sz="800">
-                        <a:latin typeface="나눔고딕" panose="020D0604000000000000" pitchFamily="50" charset="-127"/>
-                        <a:ea typeface="나눔고딕" panose="020D0604000000000000" pitchFamily="50" charset="-127"/>
-                      </a:endParaRPr>
-                    </a:p>
-                  </a:txBody>
-                  <a:tcPr marL="91425" marR="91425" marT="91425" marB="91425">
-                    <a:lnL w="9525" cap="flat" cmpd="sng">
-                      <a:solidFill>
-                        <a:srgbClr val="9E9E9E"/>
-                      </a:solidFill>
-                      <a:prstDash val="solid"/>
-                      <a:round/>
-                      <a:headEnd type="none" w="sm" len="sm"/>
-                      <a:tailEnd type="none" w="sm" len="sm"/>
-                    </a:lnL>
-                    <a:lnR w="9525" cap="flat" cmpd="sng">
-                      <a:solidFill>
-                        <a:srgbClr val="9E9E9E"/>
-                      </a:solidFill>
-                      <a:prstDash val="solid"/>
-                      <a:round/>
-                      <a:headEnd type="none" w="sm" len="sm"/>
-                      <a:tailEnd type="none" w="sm" len="sm"/>
-                    </a:lnR>
-                    <a:lnT w="9525" cap="flat" cmpd="sng">
-                      <a:solidFill>
-                        <a:srgbClr val="9E9E9E"/>
-                      </a:solidFill>
-                      <a:prstDash val="solid"/>
-                      <a:round/>
-                      <a:headEnd type="none" w="sm" len="sm"/>
-                      <a:tailEnd type="none" w="sm" len="sm"/>
-                    </a:lnT>
-                    <a:lnB w="9525" cap="flat" cmpd="sng">
-                      <a:solidFill>
-                        <a:srgbClr val="9E9E9E"/>
-                      </a:solidFill>
-                      <a:prstDash val="solid"/>
-                      <a:round/>
-                      <a:headEnd type="none" w="sm" len="sm"/>
-                      <a:tailEnd type="none" w="sm" len="sm"/>
-                    </a:lnB>
-                  </a:tcPr>
-                </a:tc>
-                <a:tc>
-                  <a:txBody>
-                    <a:bodyPr/>
-                    <a:lstStyle/>
-                    <a:p>
-                      <a:pPr marL="0" lvl="0" indent="0" algn="l" rtl="0">
-                        <a:spcBef>
-                          <a:spcPts val="0"/>
-                        </a:spcBef>
-                        <a:spcAft>
-                          <a:spcPts val="0"/>
-                        </a:spcAft>
-                        <a:buNone/>
-                      </a:pPr>
-                      <a:r>
-                        <a:rPr lang="ko" sz="800">
-                          <a:latin typeface="나눔고딕" panose="020D0604000000000000" pitchFamily="50" charset="-127"/>
-                          <a:ea typeface="나눔고딕" panose="020D0604000000000000" pitchFamily="50" charset="-127"/>
-                        </a:rPr>
-                        <a:t>셀트리온</a:t>
-                      </a:r>
-                      <a:endParaRPr sz="800">
-                        <a:latin typeface="나눔고딕" panose="020D0604000000000000" pitchFamily="50" charset="-127"/>
-                        <a:ea typeface="나눔고딕" panose="020D0604000000000000" pitchFamily="50" charset="-127"/>
-                      </a:endParaRPr>
-                    </a:p>
-                  </a:txBody>
-                  <a:tcPr marL="91425" marR="91425" marT="91425" marB="91425">
-                    <a:lnL w="9525" cap="flat" cmpd="sng">
-                      <a:solidFill>
-                        <a:srgbClr val="9E9E9E"/>
-                      </a:solidFill>
-                      <a:prstDash val="solid"/>
-                      <a:round/>
-                      <a:headEnd type="none" w="sm" len="sm"/>
-                      <a:tailEnd type="none" w="sm" len="sm"/>
-                    </a:lnL>
-                    <a:lnR w="9525" cap="flat" cmpd="sng">
-                      <a:solidFill>
-                        <a:srgbClr val="9E9E9E"/>
-                      </a:solidFill>
-                      <a:prstDash val="solid"/>
-                      <a:round/>
-                      <a:headEnd type="none" w="sm" len="sm"/>
-                      <a:tailEnd type="none" w="sm" len="sm"/>
-                    </a:lnR>
-                    <a:lnT w="9525" cap="flat" cmpd="sng">
-                      <a:solidFill>
-                        <a:srgbClr val="9E9E9E"/>
-                      </a:solidFill>
-                      <a:prstDash val="solid"/>
-                      <a:round/>
-                      <a:headEnd type="none" w="sm" len="sm"/>
-                      <a:tailEnd type="none" w="sm" len="sm"/>
-                    </a:lnT>
-                    <a:lnB w="9525" cap="flat" cmpd="sng">
-                      <a:solidFill>
-                        <a:srgbClr val="9E9E9E"/>
-                      </a:solidFill>
-                      <a:prstDash val="solid"/>
-                      <a:round/>
-                      <a:headEnd type="none" w="sm" len="sm"/>
-                      <a:tailEnd type="none" w="sm" len="sm"/>
-                    </a:lnB>
-                  </a:tcPr>
-                </a:tc>
-                <a:tc>
-                  <a:txBody>
-                    <a:bodyPr/>
-                    <a:lstStyle/>
-                    <a:p>
-                      <a:pPr marL="0" lvl="0" indent="0" algn="l" rtl="0">
-                        <a:spcBef>
-                          <a:spcPts val="0"/>
-                        </a:spcBef>
-                        <a:spcAft>
-                          <a:spcPts val="0"/>
-                        </a:spcAft>
-                        <a:buNone/>
-                      </a:pPr>
-                      <a:r>
-                        <a:rPr lang="ko" sz="800" dirty="0">
-                          <a:solidFill>
-                            <a:schemeClr val="dk1"/>
-                          </a:solidFill>
-                          <a:latin typeface="나눔고딕" panose="020D0604000000000000" pitchFamily="50" charset="-127"/>
-                          <a:ea typeface="나눔고딕" panose="020D0604000000000000" pitchFamily="50" charset="-127"/>
-                        </a:rPr>
-                        <a:t>종목</a:t>
-                      </a:r>
-                      <a:r>
-                        <a:rPr lang="en-US" altLang="ko" sz="800" dirty="0">
-                          <a:solidFill>
-                            <a:schemeClr val="dk1"/>
-                          </a:solidFill>
-                          <a:latin typeface="나눔고딕" panose="020D0604000000000000" pitchFamily="50" charset="-127"/>
-                          <a:ea typeface="나눔고딕" panose="020D0604000000000000" pitchFamily="50" charset="-127"/>
-                        </a:rPr>
-                        <a:t> </a:t>
-                      </a:r>
-                      <a:r>
-                        <a:rPr lang="ko" sz="800" dirty="0">
-                          <a:solidFill>
-                            <a:schemeClr val="dk1"/>
-                          </a:solidFill>
-                          <a:latin typeface="나눔고딕" panose="020D0604000000000000" pitchFamily="50" charset="-127"/>
-                          <a:ea typeface="나눔고딕" panose="020D0604000000000000" pitchFamily="50" charset="-127"/>
-                        </a:rPr>
-                        <a:t>페이지_5_1</a:t>
-                      </a:r>
-                      <a:endParaRPr sz="800" dirty="0">
-                        <a:latin typeface="나눔고딕" panose="020D0604000000000000" pitchFamily="50" charset="-127"/>
-                        <a:ea typeface="나눔고딕" panose="020D0604000000000000" pitchFamily="50" charset="-127"/>
-                      </a:endParaRPr>
-                    </a:p>
-                  </a:txBody>
-                  <a:tcPr marL="91425" marR="91425" marT="91425" marB="91425">
-                    <a:lnL w="9525" cap="flat" cmpd="sng">
-                      <a:solidFill>
-                        <a:srgbClr val="9E9E9E"/>
-                      </a:solidFill>
-                      <a:prstDash val="solid"/>
-                      <a:round/>
-                      <a:headEnd type="none" w="sm" len="sm"/>
-                      <a:tailEnd type="none" w="sm" len="sm"/>
-                    </a:lnL>
-                    <a:lnR w="9525" cap="flat" cmpd="sng">
-                      <a:solidFill>
-                        <a:srgbClr val="9E9E9E"/>
-                      </a:solidFill>
-                      <a:prstDash val="solid"/>
-                      <a:round/>
-                      <a:headEnd type="none" w="sm" len="sm"/>
-                      <a:tailEnd type="none" w="sm" len="sm"/>
-                    </a:lnR>
-                    <a:lnT w="9525" cap="flat" cmpd="sng">
-                      <a:solidFill>
-                        <a:srgbClr val="9E9E9E"/>
-                      </a:solidFill>
-                      <a:prstDash val="solid"/>
-                      <a:round/>
-                      <a:headEnd type="none" w="sm" len="sm"/>
-                      <a:tailEnd type="none" w="sm" len="sm"/>
-                    </a:lnT>
-                    <a:lnB w="9525" cap="flat" cmpd="sng">
-                      <a:solidFill>
-                        <a:srgbClr val="9E9E9E"/>
-                      </a:solidFill>
-                      <a:prstDash val="solid"/>
-                      <a:round/>
-                      <a:headEnd type="none" w="sm" len="sm"/>
-                      <a:tailEnd type="none" w="sm" len="sm"/>
-                    </a:lnB>
-                  </a:tcPr>
-                </a:tc>
-                <a:tc>
-                  <a:txBody>
-                    <a:bodyPr/>
-                    <a:lstStyle/>
-                    <a:p>
-                      <a:pPr marL="0" lvl="0" indent="0" algn="l" rtl="0">
-                        <a:spcBef>
-                          <a:spcPts val="0"/>
-                        </a:spcBef>
-                        <a:spcAft>
-                          <a:spcPts val="0"/>
-                        </a:spcAft>
-                        <a:buNone/>
-                      </a:pPr>
-                      <a:r>
-                        <a:rPr lang="ko" sz="800">
-                          <a:latin typeface="나눔고딕" panose="020D0604000000000000" pitchFamily="50" charset="-127"/>
-                          <a:ea typeface="나눔고딕" panose="020D0604000000000000" pitchFamily="50" charset="-127"/>
-                        </a:rPr>
-                        <a:t>셀트리온 페이지 상단</a:t>
-                      </a:r>
-                      <a:endParaRPr sz="800">
-                        <a:latin typeface="나눔고딕" panose="020D0604000000000000" pitchFamily="50" charset="-127"/>
-                        <a:ea typeface="나눔고딕" panose="020D0604000000000000" pitchFamily="50" charset="-127"/>
-                      </a:endParaRPr>
-                    </a:p>
-                  </a:txBody>
-                  <a:tcPr marL="91425" marR="91425" marT="91425" marB="91425">
-                    <a:lnL w="9525" cap="flat" cmpd="sng">
-                      <a:solidFill>
-                        <a:srgbClr val="9E9E9E"/>
-                      </a:solidFill>
-                      <a:prstDash val="solid"/>
-                      <a:round/>
-                      <a:headEnd type="none" w="sm" len="sm"/>
-                      <a:tailEnd type="none" w="sm" len="sm"/>
-                    </a:lnL>
-                    <a:lnR w="9525" cap="flat" cmpd="sng">
-                      <a:solidFill>
-                        <a:srgbClr val="9E9E9E"/>
-                      </a:solidFill>
-                      <a:prstDash val="solid"/>
-                      <a:round/>
-                      <a:headEnd type="none" w="sm" len="sm"/>
-                      <a:tailEnd type="none" w="sm" len="sm"/>
-                    </a:lnR>
-                    <a:lnT w="9525" cap="flat" cmpd="sng">
-                      <a:solidFill>
-                        <a:srgbClr val="9E9E9E"/>
-                      </a:solidFill>
-                      <a:prstDash val="solid"/>
-                      <a:round/>
-                      <a:headEnd type="none" w="sm" len="sm"/>
-                      <a:tailEnd type="none" w="sm" len="sm"/>
-                    </a:lnT>
-                    <a:lnB w="9525" cap="flat" cmpd="sng">
-                      <a:solidFill>
-                        <a:srgbClr val="9E9E9E"/>
-                      </a:solidFill>
-                      <a:prstDash val="solid"/>
-                      <a:round/>
-                      <a:headEnd type="none" w="sm" len="sm"/>
-                      <a:tailEnd type="none" w="sm" len="sm"/>
-                    </a:lnB>
-                  </a:tcPr>
-                </a:tc>
-                <a:tc>
-                  <a:txBody>
-                    <a:bodyPr/>
-                    <a:lstStyle/>
-                    <a:p>
-                      <a:pPr marL="0" lvl="0" indent="0" algn="l" rtl="0">
-                        <a:spcBef>
-                          <a:spcPts val="0"/>
-                        </a:spcBef>
-                        <a:spcAft>
-                          <a:spcPts val="0"/>
-                        </a:spcAft>
-                        <a:buNone/>
-                      </a:pPr>
-                      <a:r>
-                        <a:rPr lang="ko" sz="800" dirty="0">
-                          <a:solidFill>
-                            <a:schemeClr val="dk1"/>
-                          </a:solidFill>
-                          <a:latin typeface="나눔고딕" panose="020D0604000000000000" pitchFamily="50" charset="-127"/>
-                          <a:ea typeface="나눔고딕" panose="020D0604000000000000" pitchFamily="50" charset="-127"/>
-                        </a:rPr>
-                        <a:t>셀트리온 </a:t>
-                      </a:r>
-                      <a:r>
-                        <a:rPr lang="ko" sz="800" dirty="0">
-                          <a:latin typeface="나눔고딕" panose="020D0604000000000000" pitchFamily="50" charset="-127"/>
-                          <a:ea typeface="나눔고딕" panose="020D0604000000000000" pitchFamily="50" charset="-127"/>
-                        </a:rPr>
-                        <a:t>주가 데이터</a:t>
-                      </a:r>
-                      <a:endParaRPr sz="800" dirty="0">
-                        <a:latin typeface="나눔고딕" panose="020D0604000000000000" pitchFamily="50" charset="-127"/>
-                        <a:ea typeface="나눔고딕" panose="020D0604000000000000" pitchFamily="50" charset="-127"/>
-                      </a:endParaRPr>
-                    </a:p>
-                  </a:txBody>
-                  <a:tcPr marL="91425" marR="91425" marT="91425" marB="91425">
-                    <a:lnL w="9525" cap="flat" cmpd="sng">
-                      <a:solidFill>
-                        <a:srgbClr val="9E9E9E"/>
-                      </a:solidFill>
-                      <a:prstDash val="solid"/>
-                      <a:round/>
-                      <a:headEnd type="none" w="sm" len="sm"/>
-                      <a:tailEnd type="none" w="sm" len="sm"/>
-                    </a:lnL>
-                    <a:lnR w="9525" cap="flat" cmpd="sng">
-                      <a:solidFill>
-                        <a:srgbClr val="9E9E9E"/>
-                      </a:solidFill>
-                      <a:prstDash val="solid"/>
-                      <a:round/>
-                      <a:headEnd type="none" w="sm" len="sm"/>
-                      <a:tailEnd type="none" w="sm" len="sm"/>
-                    </a:lnR>
-                    <a:lnT w="9525" cap="flat" cmpd="sng">
-                      <a:solidFill>
-                        <a:srgbClr val="9E9E9E"/>
-                      </a:solidFill>
-                      <a:prstDash val="solid"/>
-                      <a:round/>
-                      <a:headEnd type="none" w="sm" len="sm"/>
-                      <a:tailEnd type="none" w="sm" len="sm"/>
-                    </a:lnT>
-                    <a:lnB w="9525" cap="flat" cmpd="sng">
-                      <a:solidFill>
-                        <a:srgbClr val="9E9E9E"/>
-                      </a:solidFill>
-                      <a:prstDash val="solid"/>
-                      <a:round/>
-                      <a:headEnd type="none" w="sm" len="sm"/>
-                      <a:tailEnd type="none" w="sm" len="sm"/>
-                    </a:lnB>
-                  </a:tcPr>
-                </a:tc>
-                <a:tc>
-                  <a:txBody>
-                    <a:bodyPr/>
-                    <a:lstStyle/>
-                    <a:p>
-                      <a:pPr marL="0" lvl="0" indent="0" algn="l" rtl="0">
-                        <a:spcBef>
-                          <a:spcPts val="0"/>
-                        </a:spcBef>
-                        <a:spcAft>
-                          <a:spcPts val="0"/>
-                        </a:spcAft>
-                        <a:buNone/>
-                      </a:pPr>
-                      <a:r>
-                        <a:rPr lang="ko" sz="800" dirty="0">
-                          <a:latin typeface="나눔고딕" panose="020D0604000000000000" pitchFamily="50" charset="-127"/>
-                          <a:ea typeface="나눔고딕" panose="020D0604000000000000" pitchFamily="50" charset="-127"/>
-                        </a:rPr>
-                        <a:t>p.28</a:t>
-                      </a:r>
-                      <a:endParaRPr sz="800" dirty="0">
-                        <a:latin typeface="나눔고딕" panose="020D0604000000000000" pitchFamily="50" charset="-127"/>
-                        <a:ea typeface="나눔고딕" panose="020D0604000000000000" pitchFamily="50" charset="-127"/>
-                      </a:endParaRPr>
-                    </a:p>
-                  </a:txBody>
-                  <a:tcPr marL="91425" marR="91425" marT="91425" marB="91425">
-                    <a:lnL w="9525" cap="flat" cmpd="sng">
-                      <a:solidFill>
-                        <a:srgbClr val="9E9E9E"/>
-                      </a:solidFill>
-                      <a:prstDash val="solid"/>
-                      <a:round/>
-                      <a:headEnd type="none" w="sm" len="sm"/>
-                      <a:tailEnd type="none" w="sm" len="sm"/>
-                    </a:lnL>
-                    <a:lnR w="9525" cap="flat" cmpd="sng">
-                      <a:solidFill>
-                        <a:srgbClr val="9E9E9E"/>
-                      </a:solidFill>
-                      <a:prstDash val="solid"/>
-                      <a:round/>
-                      <a:headEnd type="none" w="sm" len="sm"/>
-                      <a:tailEnd type="none" w="sm" len="sm"/>
-                    </a:lnR>
-                    <a:lnT w="9525" cap="flat" cmpd="sng">
-                      <a:solidFill>
-                        <a:srgbClr val="9E9E9E"/>
-                      </a:solidFill>
-                      <a:prstDash val="solid"/>
-                      <a:round/>
-                      <a:headEnd type="none" w="sm" len="sm"/>
-                      <a:tailEnd type="none" w="sm" len="sm"/>
-                    </a:lnT>
-                    <a:lnB w="9525" cap="flat" cmpd="sng">
-                      <a:solidFill>
-                        <a:srgbClr val="9E9E9E"/>
-                      </a:solidFill>
-                      <a:prstDash val="solid"/>
-                      <a:round/>
-                      <a:headEnd type="none" w="sm" len="sm"/>
-                      <a:tailEnd type="none" w="sm" len="sm"/>
-                    </a:lnB>
-                  </a:tcPr>
-                </a:tc>
-                <a:extLst>
-                  <a:ext uri="{0D108BD9-81ED-4DB2-BD59-A6C34878D82A}">
-                    <a16:rowId xmlns:a16="http://schemas.microsoft.com/office/drawing/2014/main" val="10010"/>
-                  </a:ext>
-                </a:extLst>
-              </a:tr>
-              <a:tr h="288350">
-                <a:tc>
-                  <a:txBody>
-                    <a:bodyPr/>
-                    <a:lstStyle/>
-                    <a:p>
-                      <a:pPr marL="0" lvl="0" indent="0" algn="l" rtl="0">
-                        <a:spcBef>
-                          <a:spcPts val="0"/>
-                        </a:spcBef>
-                        <a:spcAft>
-                          <a:spcPts val="0"/>
-                        </a:spcAft>
-                        <a:buNone/>
-                      </a:pPr>
-                      <a:endParaRPr sz="800">
-                        <a:latin typeface="나눔고딕" panose="020D0604000000000000" pitchFamily="50" charset="-127"/>
-                        <a:ea typeface="나눔고딕" panose="020D0604000000000000" pitchFamily="50" charset="-127"/>
-                      </a:endParaRPr>
-                    </a:p>
-                  </a:txBody>
-                  <a:tcPr marL="91425" marR="91425" marT="91425" marB="91425">
-                    <a:lnL w="9525" cap="flat" cmpd="sng">
-                      <a:solidFill>
-                        <a:srgbClr val="9E9E9E"/>
-                      </a:solidFill>
-                      <a:prstDash val="solid"/>
-                      <a:round/>
-                      <a:headEnd type="none" w="sm" len="sm"/>
-                      <a:tailEnd type="none" w="sm" len="sm"/>
-                    </a:lnL>
-                    <a:lnR w="9525" cap="flat" cmpd="sng">
-                      <a:solidFill>
-                        <a:srgbClr val="9E9E9E"/>
-                      </a:solidFill>
-                      <a:prstDash val="solid"/>
-                      <a:round/>
-                      <a:headEnd type="none" w="sm" len="sm"/>
-                      <a:tailEnd type="none" w="sm" len="sm"/>
-                    </a:lnR>
-                    <a:lnT w="9525" cap="flat" cmpd="sng">
-                      <a:solidFill>
-                        <a:srgbClr val="9E9E9E"/>
-                      </a:solidFill>
-                      <a:prstDash val="solid"/>
-                      <a:round/>
-                      <a:headEnd type="none" w="sm" len="sm"/>
-                      <a:tailEnd type="none" w="sm" len="sm"/>
-                    </a:lnT>
-                    <a:lnB w="9525" cap="flat" cmpd="sng">
-                      <a:solidFill>
-                        <a:srgbClr val="9E9E9E"/>
-                      </a:solidFill>
-                      <a:prstDash val="solid"/>
-                      <a:round/>
-                      <a:headEnd type="none" w="sm" len="sm"/>
-                      <a:tailEnd type="none" w="sm" len="sm"/>
-                    </a:lnB>
-                  </a:tcPr>
-                </a:tc>
-                <a:tc>
-                  <a:txBody>
-                    <a:bodyPr/>
-                    <a:lstStyle/>
-                    <a:p>
-                      <a:pPr marL="0" lvl="0" indent="0" algn="l" rtl="0">
-                        <a:spcBef>
-                          <a:spcPts val="0"/>
-                        </a:spcBef>
-                        <a:spcAft>
-                          <a:spcPts val="0"/>
-                        </a:spcAft>
-                        <a:buNone/>
-                      </a:pPr>
-                      <a:r>
-                        <a:rPr lang="ko" sz="800">
-                          <a:latin typeface="나눔고딕" panose="020D0604000000000000" pitchFamily="50" charset="-127"/>
-                          <a:ea typeface="나눔고딕" panose="020D0604000000000000" pitchFamily="50" charset="-127"/>
-                        </a:rPr>
-                        <a:t>셀트리온</a:t>
-                      </a:r>
-                      <a:endParaRPr sz="800">
-                        <a:latin typeface="나눔고딕" panose="020D0604000000000000" pitchFamily="50" charset="-127"/>
-                        <a:ea typeface="나눔고딕" panose="020D0604000000000000" pitchFamily="50" charset="-127"/>
-                      </a:endParaRPr>
-                    </a:p>
-                  </a:txBody>
-                  <a:tcPr marL="91425" marR="91425" marT="91425" marB="91425">
-                    <a:lnL w="9525" cap="flat" cmpd="sng">
-                      <a:solidFill>
-                        <a:srgbClr val="9E9E9E"/>
-                      </a:solidFill>
-                      <a:prstDash val="solid"/>
-                      <a:round/>
-                      <a:headEnd type="none" w="sm" len="sm"/>
-                      <a:tailEnd type="none" w="sm" len="sm"/>
-                    </a:lnL>
-                    <a:lnR w="9525" cap="flat" cmpd="sng">
-                      <a:solidFill>
-                        <a:srgbClr val="9E9E9E"/>
-                      </a:solidFill>
-                      <a:prstDash val="solid"/>
-                      <a:round/>
-                      <a:headEnd type="none" w="sm" len="sm"/>
-                      <a:tailEnd type="none" w="sm" len="sm"/>
-                    </a:lnR>
-                    <a:lnT w="9525" cap="flat" cmpd="sng">
-                      <a:solidFill>
-                        <a:srgbClr val="9E9E9E"/>
-                      </a:solidFill>
-                      <a:prstDash val="solid"/>
-                      <a:round/>
-                      <a:headEnd type="none" w="sm" len="sm"/>
-                      <a:tailEnd type="none" w="sm" len="sm"/>
-                    </a:lnT>
-                    <a:lnB w="9525" cap="flat" cmpd="sng">
-                      <a:solidFill>
-                        <a:srgbClr val="9E9E9E"/>
-                      </a:solidFill>
-                      <a:prstDash val="solid"/>
-                      <a:round/>
-                      <a:headEnd type="none" w="sm" len="sm"/>
-                      <a:tailEnd type="none" w="sm" len="sm"/>
-                    </a:lnB>
-                  </a:tcPr>
-                </a:tc>
-                <a:tc>
-                  <a:txBody>
-                    <a:bodyPr/>
-                    <a:lstStyle/>
-                    <a:p>
-                      <a:pPr marL="0" lvl="0" indent="0" algn="l" rtl="0">
-                        <a:spcBef>
-                          <a:spcPts val="0"/>
-                        </a:spcBef>
-                        <a:spcAft>
-                          <a:spcPts val="0"/>
-                        </a:spcAft>
-                        <a:buNone/>
-                      </a:pPr>
-                      <a:r>
-                        <a:rPr lang="ko" sz="800" dirty="0">
-                          <a:solidFill>
-                            <a:schemeClr val="dk1"/>
-                          </a:solidFill>
-                          <a:latin typeface="나눔고딕" panose="020D0604000000000000" pitchFamily="50" charset="-127"/>
-                          <a:ea typeface="나눔고딕" panose="020D0604000000000000" pitchFamily="50" charset="-127"/>
-                        </a:rPr>
-                        <a:t>종목</a:t>
-                      </a:r>
-                      <a:r>
-                        <a:rPr lang="en-US" altLang="ko" sz="800" dirty="0">
-                          <a:solidFill>
-                            <a:schemeClr val="dk1"/>
-                          </a:solidFill>
-                          <a:latin typeface="나눔고딕" panose="020D0604000000000000" pitchFamily="50" charset="-127"/>
-                          <a:ea typeface="나눔고딕" panose="020D0604000000000000" pitchFamily="50" charset="-127"/>
-                        </a:rPr>
-                        <a:t> </a:t>
-                      </a:r>
-                      <a:r>
-                        <a:rPr lang="ko" sz="800" dirty="0">
-                          <a:solidFill>
-                            <a:schemeClr val="dk1"/>
-                          </a:solidFill>
-                          <a:latin typeface="나눔고딕" panose="020D0604000000000000" pitchFamily="50" charset="-127"/>
-                          <a:ea typeface="나눔고딕" panose="020D0604000000000000" pitchFamily="50" charset="-127"/>
-                        </a:rPr>
-                        <a:t>페이지_5_1</a:t>
-                      </a:r>
-                      <a:endParaRPr sz="800" dirty="0">
-                        <a:latin typeface="나눔고딕" panose="020D0604000000000000" pitchFamily="50" charset="-127"/>
-                        <a:ea typeface="나눔고딕" panose="020D0604000000000000" pitchFamily="50" charset="-127"/>
-                      </a:endParaRPr>
-                    </a:p>
-                  </a:txBody>
-                  <a:tcPr marL="91425" marR="91425" marT="91425" marB="91425">
-                    <a:lnL w="9525" cap="flat" cmpd="sng">
-                      <a:solidFill>
-                        <a:srgbClr val="9E9E9E"/>
-                      </a:solidFill>
-                      <a:prstDash val="solid"/>
-                      <a:round/>
-                      <a:headEnd type="none" w="sm" len="sm"/>
-                      <a:tailEnd type="none" w="sm" len="sm"/>
-                    </a:lnL>
-                    <a:lnR w="9525" cap="flat" cmpd="sng">
-                      <a:solidFill>
-                        <a:srgbClr val="9E9E9E"/>
-                      </a:solidFill>
-                      <a:prstDash val="solid"/>
-                      <a:round/>
-                      <a:headEnd type="none" w="sm" len="sm"/>
-                      <a:tailEnd type="none" w="sm" len="sm"/>
-                    </a:lnR>
-                    <a:lnT w="9525" cap="flat" cmpd="sng">
-                      <a:solidFill>
-                        <a:srgbClr val="9E9E9E"/>
-                      </a:solidFill>
-                      <a:prstDash val="solid"/>
-                      <a:round/>
-                      <a:headEnd type="none" w="sm" len="sm"/>
-                      <a:tailEnd type="none" w="sm" len="sm"/>
-                    </a:lnT>
-                    <a:lnB w="9525" cap="flat" cmpd="sng">
-                      <a:solidFill>
-                        <a:srgbClr val="9E9E9E"/>
-                      </a:solidFill>
-                      <a:prstDash val="solid"/>
-                      <a:round/>
-                      <a:headEnd type="none" w="sm" len="sm"/>
-                      <a:tailEnd type="none" w="sm" len="sm"/>
-                    </a:lnB>
-                  </a:tcPr>
-                </a:tc>
-                <a:tc>
-                  <a:txBody>
-                    <a:bodyPr/>
-                    <a:lstStyle/>
-                    <a:p>
-                      <a:pPr marL="0" lvl="0" indent="0" algn="l" rtl="0">
-                        <a:spcBef>
-                          <a:spcPts val="0"/>
-                        </a:spcBef>
-                        <a:spcAft>
-                          <a:spcPts val="0"/>
-                        </a:spcAft>
-                        <a:buNone/>
-                      </a:pPr>
-                      <a:r>
-                        <a:rPr lang="ko" sz="800" dirty="0">
-                          <a:latin typeface="나눔고딕" panose="020D0604000000000000" pitchFamily="50" charset="-127"/>
-                          <a:ea typeface="나눔고딕" panose="020D0604000000000000" pitchFamily="50" charset="-127"/>
-                        </a:rPr>
-                        <a:t>셀트리온 페이지 상단</a:t>
-                      </a:r>
-                      <a:endParaRPr sz="800" dirty="0">
-                        <a:latin typeface="나눔고딕" panose="020D0604000000000000" pitchFamily="50" charset="-127"/>
-                        <a:ea typeface="나눔고딕" panose="020D0604000000000000" pitchFamily="50" charset="-127"/>
-                      </a:endParaRPr>
-                    </a:p>
-                  </a:txBody>
-                  <a:tcPr marL="91425" marR="91425" marT="91425" marB="91425">
-                    <a:lnL w="9525" cap="flat" cmpd="sng">
-                      <a:solidFill>
-                        <a:srgbClr val="9E9E9E"/>
-                      </a:solidFill>
-                      <a:prstDash val="solid"/>
-                      <a:round/>
-                      <a:headEnd type="none" w="sm" len="sm"/>
-                      <a:tailEnd type="none" w="sm" len="sm"/>
-                    </a:lnL>
-                    <a:lnR w="9525" cap="flat" cmpd="sng">
-                      <a:solidFill>
-                        <a:srgbClr val="9E9E9E"/>
-                      </a:solidFill>
-                      <a:prstDash val="solid"/>
-                      <a:round/>
-                      <a:headEnd type="none" w="sm" len="sm"/>
-                      <a:tailEnd type="none" w="sm" len="sm"/>
-                    </a:lnR>
-                    <a:lnT w="9525" cap="flat" cmpd="sng">
-                      <a:solidFill>
-                        <a:srgbClr val="9E9E9E"/>
-                      </a:solidFill>
-                      <a:prstDash val="solid"/>
-                      <a:round/>
-                      <a:headEnd type="none" w="sm" len="sm"/>
-                      <a:tailEnd type="none" w="sm" len="sm"/>
-                    </a:lnT>
-                    <a:lnB w="9525" cap="flat" cmpd="sng">
-                      <a:solidFill>
-                        <a:srgbClr val="9E9E9E"/>
-                      </a:solidFill>
-                      <a:prstDash val="solid"/>
-                      <a:round/>
-                      <a:headEnd type="none" w="sm" len="sm"/>
-                      <a:tailEnd type="none" w="sm" len="sm"/>
-                    </a:lnB>
-                  </a:tcPr>
-                </a:tc>
-                <a:tc>
-                  <a:txBody>
-                    <a:bodyPr/>
-                    <a:lstStyle/>
-                    <a:p>
-                      <a:pPr marL="0" lvl="0" indent="0" algn="l" rtl="0">
-                        <a:spcBef>
-                          <a:spcPts val="0"/>
-                        </a:spcBef>
-                        <a:spcAft>
-                          <a:spcPts val="0"/>
-                        </a:spcAft>
-                        <a:buNone/>
-                      </a:pPr>
-                      <a:r>
-                        <a:rPr lang="ko" sz="800">
-                          <a:solidFill>
-                            <a:schemeClr val="dk1"/>
-                          </a:solidFill>
-                          <a:latin typeface="나눔고딕" panose="020D0604000000000000" pitchFamily="50" charset="-127"/>
-                          <a:ea typeface="나눔고딕" panose="020D0604000000000000" pitchFamily="50" charset="-127"/>
-                        </a:rPr>
-                        <a:t>셀트리온 </a:t>
-                      </a:r>
-                      <a:r>
-                        <a:rPr lang="ko" sz="800">
-                          <a:latin typeface="나눔고딕" panose="020D0604000000000000" pitchFamily="50" charset="-127"/>
-                          <a:ea typeface="나눔고딕" panose="020D0604000000000000" pitchFamily="50" charset="-127"/>
-                        </a:rPr>
-                        <a:t>주가 데이터</a:t>
-                      </a:r>
-                      <a:endParaRPr sz="800">
-                        <a:latin typeface="나눔고딕" panose="020D0604000000000000" pitchFamily="50" charset="-127"/>
-                        <a:ea typeface="나눔고딕" panose="020D0604000000000000" pitchFamily="50" charset="-127"/>
-                      </a:endParaRPr>
-                    </a:p>
-                  </a:txBody>
-                  <a:tcPr marL="91425" marR="91425" marT="91425" marB="91425">
-                    <a:lnL w="9525" cap="flat" cmpd="sng">
-                      <a:solidFill>
-                        <a:srgbClr val="9E9E9E"/>
-                      </a:solidFill>
-                      <a:prstDash val="solid"/>
-                      <a:round/>
-                      <a:headEnd type="none" w="sm" len="sm"/>
-                      <a:tailEnd type="none" w="sm" len="sm"/>
-                    </a:lnL>
-                    <a:lnR w="9525" cap="flat" cmpd="sng">
-                      <a:solidFill>
-                        <a:srgbClr val="9E9E9E"/>
-                      </a:solidFill>
-                      <a:prstDash val="solid"/>
-                      <a:round/>
-                      <a:headEnd type="none" w="sm" len="sm"/>
-                      <a:tailEnd type="none" w="sm" len="sm"/>
-                    </a:lnR>
-                    <a:lnT w="9525" cap="flat" cmpd="sng">
-                      <a:solidFill>
-                        <a:srgbClr val="9E9E9E"/>
-                      </a:solidFill>
-                      <a:prstDash val="solid"/>
-                      <a:round/>
-                      <a:headEnd type="none" w="sm" len="sm"/>
-                      <a:tailEnd type="none" w="sm" len="sm"/>
-                    </a:lnT>
-                    <a:lnB w="9525" cap="flat" cmpd="sng">
-                      <a:solidFill>
-                        <a:srgbClr val="9E9E9E"/>
-                      </a:solidFill>
-                      <a:prstDash val="solid"/>
-                      <a:round/>
-                      <a:headEnd type="none" w="sm" len="sm"/>
-                      <a:tailEnd type="none" w="sm" len="sm"/>
-                    </a:lnB>
-                  </a:tcPr>
-                </a:tc>
-                <a:tc>
-                  <a:txBody>
-                    <a:bodyPr/>
-                    <a:lstStyle/>
-                    <a:p>
-                      <a:pPr marL="0" lvl="0" indent="0" algn="l" rtl="0">
-                        <a:spcBef>
-                          <a:spcPts val="0"/>
-                        </a:spcBef>
-                        <a:spcAft>
-                          <a:spcPts val="0"/>
-                        </a:spcAft>
-                        <a:buNone/>
-                      </a:pPr>
-                      <a:r>
-                        <a:rPr lang="ko" sz="800" dirty="0">
-                          <a:latin typeface="나눔고딕" panose="020D0604000000000000" pitchFamily="50" charset="-127"/>
-                          <a:ea typeface="나눔고딕" panose="020D0604000000000000" pitchFamily="50" charset="-127"/>
-                        </a:rPr>
-                        <a:t>p.30</a:t>
-                      </a:r>
-                      <a:endParaRPr sz="800" dirty="0">
-                        <a:latin typeface="나눔고딕" panose="020D0604000000000000" pitchFamily="50" charset="-127"/>
-                        <a:ea typeface="나눔고딕" panose="020D0604000000000000" pitchFamily="50" charset="-127"/>
-                      </a:endParaRPr>
-                    </a:p>
-                  </a:txBody>
-                  <a:tcPr marL="91425" marR="91425" marT="91425" marB="91425">
-                    <a:lnL w="9525" cap="flat" cmpd="sng">
-                      <a:solidFill>
-                        <a:srgbClr val="9E9E9E"/>
-                      </a:solidFill>
-                      <a:prstDash val="solid"/>
-                      <a:round/>
-                      <a:headEnd type="none" w="sm" len="sm"/>
-                      <a:tailEnd type="none" w="sm" len="sm"/>
-                    </a:lnL>
-                    <a:lnR w="9525" cap="flat" cmpd="sng">
-                      <a:solidFill>
-                        <a:srgbClr val="9E9E9E"/>
-                      </a:solidFill>
-                      <a:prstDash val="solid"/>
-                      <a:round/>
-                      <a:headEnd type="none" w="sm" len="sm"/>
-                      <a:tailEnd type="none" w="sm" len="sm"/>
-                    </a:lnR>
-                    <a:lnT w="9525" cap="flat" cmpd="sng">
-                      <a:solidFill>
-                        <a:srgbClr val="9E9E9E"/>
-                      </a:solidFill>
-                      <a:prstDash val="solid"/>
-                      <a:round/>
-                      <a:headEnd type="none" w="sm" len="sm"/>
-                      <a:tailEnd type="none" w="sm" len="sm"/>
-                    </a:lnT>
-                    <a:lnB w="9525" cap="flat" cmpd="sng">
-                      <a:solidFill>
-                        <a:srgbClr val="9E9E9E"/>
-                      </a:solidFill>
-                      <a:prstDash val="solid"/>
-                      <a:round/>
-                      <a:headEnd type="none" w="sm" len="sm"/>
-                      <a:tailEnd type="none" w="sm" len="sm"/>
-                    </a:lnB>
-                  </a:tcPr>
-                </a:tc>
-                <a:extLst>
-                  <a:ext uri="{0D108BD9-81ED-4DB2-BD59-A6C34878D82A}">
-                    <a16:rowId xmlns:a16="http://schemas.microsoft.com/office/drawing/2014/main" val="10011"/>
-                  </a:ext>
-                </a:extLst>
-              </a:tr>
-              <a:tr h="288350">
-                <a:tc>
-                  <a:txBody>
-                    <a:bodyPr/>
-                    <a:lstStyle/>
-                    <a:p>
-                      <a:pPr marL="0" lvl="0" indent="0" algn="l" rtl="0">
-                        <a:spcBef>
-                          <a:spcPts val="0"/>
-                        </a:spcBef>
-                        <a:spcAft>
-                          <a:spcPts val="0"/>
-                        </a:spcAft>
-                        <a:buNone/>
-                      </a:pPr>
-                      <a:r>
-                        <a:rPr lang="ko" sz="800">
-                          <a:latin typeface="나눔고딕" panose="020D0604000000000000" pitchFamily="50" charset="-127"/>
-                          <a:ea typeface="나눔고딕" panose="020D0604000000000000" pitchFamily="50" charset="-127"/>
-                        </a:rPr>
-                        <a:t>태블로</a:t>
-                      </a:r>
-                      <a:endParaRPr sz="800">
-                        <a:latin typeface="나눔고딕" panose="020D0604000000000000" pitchFamily="50" charset="-127"/>
-                        <a:ea typeface="나눔고딕" panose="020D0604000000000000" pitchFamily="50" charset="-127"/>
-                      </a:endParaRPr>
-                    </a:p>
-                  </a:txBody>
-                  <a:tcPr marL="91425" marR="91425" marT="91425" marB="91425">
-                    <a:lnL w="9525" cap="flat" cmpd="sng">
-                      <a:solidFill>
-                        <a:srgbClr val="9E9E9E"/>
-                      </a:solidFill>
-                      <a:prstDash val="solid"/>
-                      <a:round/>
-                      <a:headEnd type="none" w="sm" len="sm"/>
-                      <a:tailEnd type="none" w="sm" len="sm"/>
-                    </a:lnL>
-                    <a:lnR w="9525" cap="flat" cmpd="sng">
-                      <a:solidFill>
-                        <a:srgbClr val="9E9E9E"/>
-                      </a:solidFill>
-                      <a:prstDash val="solid"/>
-                      <a:round/>
-                      <a:headEnd type="none" w="sm" len="sm"/>
-                      <a:tailEnd type="none" w="sm" len="sm"/>
-                    </a:lnR>
-                    <a:lnT w="9525" cap="flat" cmpd="sng">
-                      <a:solidFill>
-                        <a:srgbClr val="9E9E9E"/>
-                      </a:solidFill>
-                      <a:prstDash val="solid"/>
-                      <a:round/>
-                      <a:headEnd type="none" w="sm" len="sm"/>
-                      <a:tailEnd type="none" w="sm" len="sm"/>
-                    </a:lnT>
-                    <a:lnB w="9525" cap="flat" cmpd="sng">
-                      <a:solidFill>
-                        <a:srgbClr val="9E9E9E"/>
-                      </a:solidFill>
-                      <a:prstDash val="solid"/>
-                      <a:round/>
-                      <a:headEnd type="none" w="sm" len="sm"/>
-                      <a:tailEnd type="none" w="sm" len="sm"/>
-                    </a:lnB>
-                  </a:tcPr>
-                </a:tc>
-                <a:tc>
-                  <a:txBody>
-                    <a:bodyPr/>
-                    <a:lstStyle/>
-                    <a:p>
-                      <a:pPr marL="0" lvl="0" indent="0" algn="l" rtl="0">
-                        <a:spcBef>
-                          <a:spcPts val="0"/>
-                        </a:spcBef>
-                        <a:spcAft>
-                          <a:spcPts val="0"/>
-                        </a:spcAft>
-                        <a:buNone/>
-                      </a:pPr>
-                      <a:endParaRPr sz="800">
-                        <a:latin typeface="나눔고딕" panose="020D0604000000000000" pitchFamily="50" charset="-127"/>
-                        <a:ea typeface="나눔고딕" panose="020D0604000000000000" pitchFamily="50" charset="-127"/>
-                      </a:endParaRPr>
-                    </a:p>
-                  </a:txBody>
-                  <a:tcPr marL="91425" marR="91425" marT="91425" marB="91425">
-                    <a:lnL w="9525" cap="flat" cmpd="sng">
-                      <a:solidFill>
-                        <a:srgbClr val="9E9E9E"/>
-                      </a:solidFill>
-                      <a:prstDash val="solid"/>
-                      <a:round/>
-                      <a:headEnd type="none" w="sm" len="sm"/>
-                      <a:tailEnd type="none" w="sm" len="sm"/>
-                    </a:lnL>
-                    <a:lnR w="9525" cap="flat" cmpd="sng">
-                      <a:solidFill>
-                        <a:srgbClr val="9E9E9E"/>
-                      </a:solidFill>
-                      <a:prstDash val="solid"/>
-                      <a:round/>
-                      <a:headEnd type="none" w="sm" len="sm"/>
-                      <a:tailEnd type="none" w="sm" len="sm"/>
-                    </a:lnR>
-                    <a:lnT w="9525" cap="flat" cmpd="sng">
-                      <a:solidFill>
-                        <a:srgbClr val="9E9E9E"/>
-                      </a:solidFill>
-                      <a:prstDash val="solid"/>
-                      <a:round/>
-                      <a:headEnd type="none" w="sm" len="sm"/>
-                      <a:tailEnd type="none" w="sm" len="sm"/>
-                    </a:lnT>
-                    <a:lnB w="9525" cap="flat" cmpd="sng">
-                      <a:solidFill>
-                        <a:srgbClr val="9E9E9E"/>
-                      </a:solidFill>
-                      <a:prstDash val="solid"/>
-                      <a:round/>
-                      <a:headEnd type="none" w="sm" len="sm"/>
-                      <a:tailEnd type="none" w="sm" len="sm"/>
-                    </a:lnB>
-                  </a:tcPr>
-                </a:tc>
-                <a:tc>
-                  <a:txBody>
-                    <a:bodyPr/>
-                    <a:lstStyle/>
-                    <a:p>
-                      <a:pPr marL="0" lvl="0" indent="0" algn="l" rtl="0">
-                        <a:spcBef>
-                          <a:spcPts val="0"/>
-                        </a:spcBef>
-                        <a:spcAft>
-                          <a:spcPts val="0"/>
-                        </a:spcAft>
-                        <a:buNone/>
-                      </a:pPr>
-                      <a:r>
-                        <a:rPr lang="ko" sz="800">
-                          <a:solidFill>
-                            <a:schemeClr val="dk1"/>
-                          </a:solidFill>
-                          <a:latin typeface="나눔고딕" panose="020D0604000000000000" pitchFamily="50" charset="-127"/>
-                          <a:ea typeface="나눔고딕" panose="020D0604000000000000" pitchFamily="50" charset="-127"/>
-                        </a:rPr>
-                        <a:t>태블로_1</a:t>
-                      </a:r>
-                      <a:endParaRPr sz="800">
-                        <a:solidFill>
-                          <a:schemeClr val="dk1"/>
-                        </a:solidFill>
-                        <a:latin typeface="나눔고딕" panose="020D0604000000000000" pitchFamily="50" charset="-127"/>
-                        <a:ea typeface="나눔고딕" panose="020D0604000000000000" pitchFamily="50" charset="-127"/>
-                      </a:endParaRPr>
-                    </a:p>
-                  </a:txBody>
-                  <a:tcPr marL="91425" marR="91425" marT="91425" marB="91425">
-                    <a:lnL w="9525" cap="flat" cmpd="sng">
-                      <a:solidFill>
-                        <a:srgbClr val="9E9E9E"/>
-                      </a:solidFill>
-                      <a:prstDash val="solid"/>
-                      <a:round/>
-                      <a:headEnd type="none" w="sm" len="sm"/>
-                      <a:tailEnd type="none" w="sm" len="sm"/>
-                    </a:lnL>
-                    <a:lnR w="9525" cap="flat" cmpd="sng">
-                      <a:solidFill>
-                        <a:srgbClr val="9E9E9E"/>
-                      </a:solidFill>
-                      <a:prstDash val="solid"/>
-                      <a:round/>
-                      <a:headEnd type="none" w="sm" len="sm"/>
-                      <a:tailEnd type="none" w="sm" len="sm"/>
-                    </a:lnR>
-                    <a:lnT w="9525" cap="flat" cmpd="sng">
-                      <a:solidFill>
-                        <a:srgbClr val="9E9E9E"/>
-                      </a:solidFill>
-                      <a:prstDash val="solid"/>
-                      <a:round/>
-                      <a:headEnd type="none" w="sm" len="sm"/>
-                      <a:tailEnd type="none" w="sm" len="sm"/>
-                    </a:lnT>
-                    <a:lnB w="9525" cap="flat" cmpd="sng">
-                      <a:solidFill>
-                        <a:srgbClr val="9E9E9E"/>
-                      </a:solidFill>
-                      <a:prstDash val="solid"/>
-                      <a:round/>
-                      <a:headEnd type="none" w="sm" len="sm"/>
-                      <a:tailEnd type="none" w="sm" len="sm"/>
-                    </a:lnB>
-                  </a:tcPr>
-                </a:tc>
-                <a:tc>
-                  <a:txBody>
-                    <a:bodyPr/>
-                    <a:lstStyle/>
-                    <a:p>
-                      <a:pPr marL="0" lvl="0" indent="0" algn="l" rtl="0">
-                        <a:spcBef>
-                          <a:spcPts val="0"/>
-                        </a:spcBef>
-                        <a:spcAft>
-                          <a:spcPts val="0"/>
-                        </a:spcAft>
-                        <a:buNone/>
-                      </a:pPr>
-                      <a:r>
-                        <a:rPr lang="ko" sz="800">
-                          <a:latin typeface="나눔고딕" panose="020D0604000000000000" pitchFamily="50" charset="-127"/>
-                          <a:ea typeface="나눔고딕" panose="020D0604000000000000" pitchFamily="50" charset="-127"/>
-                        </a:rPr>
-                        <a:t>태블로 페이지</a:t>
-                      </a:r>
-                      <a:endParaRPr sz="800">
-                        <a:latin typeface="나눔고딕" panose="020D0604000000000000" pitchFamily="50" charset="-127"/>
-                        <a:ea typeface="나눔고딕" panose="020D0604000000000000" pitchFamily="50" charset="-127"/>
-                      </a:endParaRPr>
-                    </a:p>
-                  </a:txBody>
-                  <a:tcPr marL="91425" marR="91425" marT="91425" marB="91425">
-                    <a:lnL w="9525" cap="flat" cmpd="sng">
-                      <a:solidFill>
-                        <a:srgbClr val="9E9E9E"/>
-                      </a:solidFill>
-                      <a:prstDash val="solid"/>
-                      <a:round/>
-                      <a:headEnd type="none" w="sm" len="sm"/>
-                      <a:tailEnd type="none" w="sm" len="sm"/>
-                    </a:lnL>
-                    <a:lnR w="9525" cap="flat" cmpd="sng">
-                      <a:solidFill>
-                        <a:srgbClr val="9E9E9E"/>
-                      </a:solidFill>
-                      <a:prstDash val="solid"/>
-                      <a:round/>
-                      <a:headEnd type="none" w="sm" len="sm"/>
-                      <a:tailEnd type="none" w="sm" len="sm"/>
-                    </a:lnR>
-                    <a:lnT w="9525" cap="flat" cmpd="sng">
-                      <a:solidFill>
-                        <a:srgbClr val="9E9E9E"/>
-                      </a:solidFill>
-                      <a:prstDash val="solid"/>
-                      <a:round/>
-                      <a:headEnd type="none" w="sm" len="sm"/>
-                      <a:tailEnd type="none" w="sm" len="sm"/>
-                    </a:lnT>
-                    <a:lnB w="9525" cap="flat" cmpd="sng">
-                      <a:solidFill>
-                        <a:srgbClr val="9E9E9E"/>
-                      </a:solidFill>
-                      <a:prstDash val="solid"/>
-                      <a:round/>
-                      <a:headEnd type="none" w="sm" len="sm"/>
-                      <a:tailEnd type="none" w="sm" len="sm"/>
-                    </a:lnB>
-                  </a:tcPr>
-                </a:tc>
-                <a:tc>
-                  <a:txBody>
-                    <a:bodyPr/>
-                    <a:lstStyle/>
-                    <a:p>
-                      <a:pPr marL="0" lvl="0" indent="0" algn="l" rtl="0">
-                        <a:spcBef>
-                          <a:spcPts val="0"/>
-                        </a:spcBef>
-                        <a:spcAft>
-                          <a:spcPts val="0"/>
-                        </a:spcAft>
-                        <a:buNone/>
-                      </a:pPr>
-                      <a:r>
-                        <a:rPr lang="ko" sz="800">
-                          <a:solidFill>
-                            <a:schemeClr val="dk1"/>
-                          </a:solidFill>
-                          <a:latin typeface="나눔고딕" panose="020D0604000000000000" pitchFamily="50" charset="-127"/>
-                          <a:ea typeface="나눔고딕" panose="020D0604000000000000" pitchFamily="50" charset="-127"/>
-                        </a:rPr>
-                        <a:t>ARIMA, FBProbhet, LSTM 등 그래프</a:t>
-                      </a:r>
-                      <a:endParaRPr sz="800">
-                        <a:solidFill>
-                          <a:schemeClr val="dk1"/>
-                        </a:solidFill>
-                        <a:latin typeface="나눔고딕" panose="020D0604000000000000" pitchFamily="50" charset="-127"/>
-                        <a:ea typeface="나눔고딕" panose="020D0604000000000000" pitchFamily="50" charset="-127"/>
-                      </a:endParaRPr>
-                    </a:p>
-                  </a:txBody>
-                  <a:tcPr marL="91425" marR="91425" marT="91425" marB="91425">
-                    <a:lnL w="9525" cap="flat" cmpd="sng">
-                      <a:solidFill>
-                        <a:srgbClr val="9E9E9E"/>
-                      </a:solidFill>
-                      <a:prstDash val="solid"/>
-                      <a:round/>
-                      <a:headEnd type="none" w="sm" len="sm"/>
-                      <a:tailEnd type="none" w="sm" len="sm"/>
-                    </a:lnL>
-                    <a:lnR w="9525" cap="flat" cmpd="sng">
-                      <a:solidFill>
-                        <a:srgbClr val="9E9E9E"/>
-                      </a:solidFill>
-                      <a:prstDash val="solid"/>
-                      <a:round/>
-                      <a:headEnd type="none" w="sm" len="sm"/>
-                      <a:tailEnd type="none" w="sm" len="sm"/>
-                    </a:lnR>
-                    <a:lnT w="9525" cap="flat" cmpd="sng">
-                      <a:solidFill>
-                        <a:srgbClr val="9E9E9E"/>
-                      </a:solidFill>
-                      <a:prstDash val="solid"/>
-                      <a:round/>
-                      <a:headEnd type="none" w="sm" len="sm"/>
-                      <a:tailEnd type="none" w="sm" len="sm"/>
-                    </a:lnT>
-                    <a:lnB w="9525" cap="flat" cmpd="sng">
-                      <a:solidFill>
-                        <a:srgbClr val="9E9E9E"/>
-                      </a:solidFill>
-                      <a:prstDash val="solid"/>
-                      <a:round/>
-                      <a:headEnd type="none" w="sm" len="sm"/>
-                      <a:tailEnd type="none" w="sm" len="sm"/>
-                    </a:lnB>
-                  </a:tcPr>
-                </a:tc>
-                <a:tc>
-                  <a:txBody>
-                    <a:bodyPr/>
-                    <a:lstStyle/>
-                    <a:p>
-                      <a:pPr marL="0" lvl="0" indent="0" algn="l" rtl="0">
-                        <a:spcBef>
-                          <a:spcPts val="0"/>
-                        </a:spcBef>
-                        <a:spcAft>
-                          <a:spcPts val="0"/>
-                        </a:spcAft>
-                        <a:buNone/>
-                      </a:pPr>
-                      <a:r>
-                        <a:rPr lang="ko" sz="800" dirty="0">
-                          <a:latin typeface="나눔고딕" panose="020D0604000000000000" pitchFamily="50" charset="-127"/>
-                          <a:ea typeface="나눔고딕" panose="020D0604000000000000" pitchFamily="50" charset="-127"/>
-                        </a:rPr>
-                        <a:t>p.32</a:t>
-                      </a:r>
-                      <a:endParaRPr sz="800" dirty="0">
-                        <a:latin typeface="나눔고딕" panose="020D0604000000000000" pitchFamily="50" charset="-127"/>
-                        <a:ea typeface="나눔고딕" panose="020D0604000000000000" pitchFamily="50" charset="-127"/>
-                      </a:endParaRPr>
-                    </a:p>
-                  </a:txBody>
-                  <a:tcPr marL="91425" marR="91425" marT="91425" marB="91425">
-                    <a:lnL w="9525" cap="flat" cmpd="sng">
-                      <a:solidFill>
-                        <a:srgbClr val="9E9E9E"/>
-                      </a:solidFill>
-                      <a:prstDash val="solid"/>
-                      <a:round/>
-                      <a:headEnd type="none" w="sm" len="sm"/>
-                      <a:tailEnd type="none" w="sm" len="sm"/>
-                    </a:lnL>
-                    <a:lnR w="9525" cap="flat" cmpd="sng">
-                      <a:solidFill>
-                        <a:srgbClr val="9E9E9E"/>
-                      </a:solidFill>
-                      <a:prstDash val="solid"/>
-                      <a:round/>
-                      <a:headEnd type="none" w="sm" len="sm"/>
-                      <a:tailEnd type="none" w="sm" len="sm"/>
-                    </a:lnR>
-                    <a:lnT w="9525" cap="flat" cmpd="sng">
-                      <a:solidFill>
-                        <a:srgbClr val="9E9E9E"/>
-                      </a:solidFill>
-                      <a:prstDash val="solid"/>
-                      <a:round/>
-                      <a:headEnd type="none" w="sm" len="sm"/>
-                      <a:tailEnd type="none" w="sm" len="sm"/>
-                    </a:lnT>
-                    <a:lnB w="9525" cap="flat" cmpd="sng">
-                      <a:solidFill>
-                        <a:srgbClr val="9E9E9E"/>
-                      </a:solidFill>
-                      <a:prstDash val="solid"/>
-                      <a:round/>
-                      <a:headEnd type="none" w="sm" len="sm"/>
-                      <a:tailEnd type="none" w="sm" len="sm"/>
-                    </a:lnB>
-                  </a:tcPr>
-                </a:tc>
-                <a:extLst>
-                  <a:ext uri="{0D108BD9-81ED-4DB2-BD59-A6C34878D82A}">
-                    <a16:rowId xmlns:a16="http://schemas.microsoft.com/office/drawing/2014/main" val="10012"/>
-                  </a:ext>
-                </a:extLst>
-              </a:tr>
-            </a:tbl>
-          </a:graphicData>
-        </a:graphic>
-      </p:graphicFrame>
-      <p:sp>
-        <p:nvSpPr>
-          <p:cNvPr id="126" name="Google Shape;126;p17"/>
-          <p:cNvSpPr txBox="1">
-            <a:spLocks noGrp="1"/>
-          </p:cNvSpPr>
-          <p:nvPr>
-            <p:ph type="sldNum" idx="12"/>
-          </p:nvPr>
-        </p:nvSpPr>
-        <p:spPr>
-          <a:xfrm>
-            <a:off x="8472458" y="4663217"/>
-            <a:ext cx="548700" cy="393600"/>
-          </a:xfrm>
-          <a:prstGeom prst="rect">
-            <a:avLst/>
-          </a:prstGeom>
-        </p:spPr>
-        <p:txBody>
-          <a:bodyPr spcFirstLastPara="1" wrap="square" lIns="91425" tIns="91425" rIns="91425" bIns="91425" anchor="ctr" anchorCtr="0">
-            <a:normAutofit/>
-          </a:bodyPr>
-          <a:lstStyle/>
-          <a:p>
-            <a:pPr marL="0" lvl="0" indent="0" algn="r" rtl="0">
-              <a:spcBef>
-                <a:spcPts val="0"/>
-              </a:spcBef>
-              <a:spcAft>
-                <a:spcPts val="0"/>
-              </a:spcAft>
-              <a:buNone/>
-            </a:pPr>
-            <a:fld id="{00000000-1234-1234-1234-123412341234}" type="slidenum">
-              <a:rPr lang="en-US" altLang="ko"/>
-              <a:t>5</a:t>
-            </a:fld>
-            <a:endParaRPr/>
-          </a:p>
-        </p:txBody>
-      </p:sp>
-    </p:spTree>
-  </p:cSld>
-  <p:clrMapOvr>
-    <a:masterClrMapping/>
-  </p:clrMapOvr>
-</p:sld>
-</file>
-
-<file path=ppt/slides/slide6.xml><?xml version="1.0" encoding="utf-8"?>
-<p:sld xmlns:a="http://schemas.openxmlformats.org/drawingml/2006/main" xmlns:r="http://schemas.openxmlformats.org/officeDocument/2006/relationships" xmlns:p="http://schemas.openxmlformats.org/presentationml/2006/main">
-  <p:cSld>
-    <p:spTree>
-      <p:nvGrpSpPr>
-        <p:cNvPr id="1" name="Shape 130"/>
-        <p:cNvGrpSpPr/>
-        <p:nvPr/>
-      </p:nvGrpSpPr>
-      <p:grpSpPr>
-        <a:xfrm>
-          <a:off x="0" y="0"/>
-          <a:ext cx="0" cy="0"/>
-          <a:chOff x="0" y="0"/>
-          <a:chExt cx="0" cy="0"/>
-        </a:xfrm>
-      </p:grpSpPr>
-      <p:sp>
-        <p:nvSpPr>
-          <p:cNvPr id="131" name="Google Shape;131;p18"/>
-          <p:cNvSpPr/>
-          <p:nvPr/>
-        </p:nvSpPr>
-        <p:spPr>
-          <a:xfrm>
-            <a:off x="248600" y="81400"/>
-            <a:ext cx="3063900" cy="488400"/>
-          </a:xfrm>
-          <a:prstGeom prst="rect">
-            <a:avLst/>
-          </a:prstGeom>
-          <a:solidFill>
-            <a:schemeClr val="lt2"/>
-          </a:solidFill>
-          <a:ln w="9525" cap="flat" cmpd="sng">
-            <a:solidFill>
-              <a:schemeClr val="dk2"/>
-            </a:solidFill>
-            <a:prstDash val="solid"/>
-            <a:round/>
-            <a:headEnd type="none" w="sm" len="sm"/>
-            <a:tailEnd type="none" w="sm" len="sm"/>
-          </a:ln>
-        </p:spPr>
-        <p:txBody>
-          <a:bodyPr spcFirstLastPara="1" wrap="square" lIns="91425" tIns="91425" rIns="91425" bIns="91425" anchor="ctr" anchorCtr="0">
-            <a:noAutofit/>
-          </a:bodyPr>
-          <a:lstStyle/>
-          <a:p>
-            <a:pPr marL="0" lvl="0" indent="0" algn="ctr" rtl="0">
-              <a:spcBef>
-                <a:spcPts val="0"/>
-              </a:spcBef>
-              <a:spcAft>
-                <a:spcPts val="0"/>
-              </a:spcAft>
-              <a:buNone/>
-            </a:pPr>
-            <a:r>
-              <a:rPr lang="ko" b="1">
-                <a:latin typeface="나눔고딕 ExtraBold" panose="020D0904000000000000" pitchFamily="50" charset="-127"/>
-                <a:ea typeface="나눔고딕 ExtraBold" panose="020D0904000000000000" pitchFamily="50" charset="-127"/>
-              </a:rPr>
-              <a:t>화면 목록</a:t>
-            </a:r>
-            <a:endParaRPr b="1">
-              <a:latin typeface="나눔고딕 ExtraBold" panose="020D0904000000000000" pitchFamily="50" charset="-127"/>
-              <a:ea typeface="나눔고딕 ExtraBold" panose="020D0904000000000000" pitchFamily="50" charset="-127"/>
-            </a:endParaRPr>
-          </a:p>
-        </p:txBody>
-      </p:sp>
-      <p:graphicFrame>
-        <p:nvGraphicFramePr>
-          <p:cNvPr id="132" name="Google Shape;132;p18"/>
-          <p:cNvGraphicFramePr/>
-          <p:nvPr>
-            <p:extLst>
-              <p:ext uri="{D42A27DB-BD31-4B8C-83A1-F6EECF244321}">
-                <p14:modId xmlns:p14="http://schemas.microsoft.com/office/powerpoint/2010/main" val="1351917133"/>
-              </p:ext>
-            </p:extLst>
-          </p:nvPr>
-        </p:nvGraphicFramePr>
-        <p:xfrm>
-          <a:off x="248600" y="744325"/>
-          <a:ext cx="8426850" cy="1584810"/>
-        </p:xfrm>
-        <a:graphic>
-          <a:graphicData uri="http://schemas.openxmlformats.org/drawingml/2006/table">
-            <a:tbl>
-              <a:tblPr>
-                <a:noFill/>
-                <a:tableStyleId>{6B9ED79F-B1CD-4B9F-BC2C-C991A9828CB8}</a:tableStyleId>
-              </a:tblPr>
-              <a:tblGrid>
-                <a:gridCol w="1101050">
-                  <a:extLst>
-                    <a:ext uri="{9D8B030D-6E8A-4147-A177-3AD203B41FA5}">
-                      <a16:colId xmlns:a16="http://schemas.microsoft.com/office/drawing/2014/main" val="20000"/>
-                    </a:ext>
-                  </a:extLst>
-                </a:gridCol>
-                <a:gridCol w="1064025">
-                  <a:extLst>
-                    <a:ext uri="{9D8B030D-6E8A-4147-A177-3AD203B41FA5}">
-                      <a16:colId xmlns:a16="http://schemas.microsoft.com/office/drawing/2014/main" val="20001"/>
-                    </a:ext>
-                  </a:extLst>
-                </a:gridCol>
-                <a:gridCol w="1249075">
-                  <a:extLst>
-                    <a:ext uri="{9D8B030D-6E8A-4147-A177-3AD203B41FA5}">
-                      <a16:colId xmlns:a16="http://schemas.microsoft.com/office/drawing/2014/main" val="20002"/>
-                    </a:ext>
-                  </a:extLst>
-                </a:gridCol>
-                <a:gridCol w="1352650">
-                  <a:extLst>
-                    <a:ext uri="{9D8B030D-6E8A-4147-A177-3AD203B41FA5}">
-                      <a16:colId xmlns:a16="http://schemas.microsoft.com/office/drawing/2014/main" val="20003"/>
-                    </a:ext>
-                  </a:extLst>
-                </a:gridCol>
-                <a:gridCol w="2529400">
-                  <a:extLst>
-                    <a:ext uri="{9D8B030D-6E8A-4147-A177-3AD203B41FA5}">
-                      <a16:colId xmlns:a16="http://schemas.microsoft.com/office/drawing/2014/main" val="20004"/>
-                    </a:ext>
-                  </a:extLst>
-                </a:gridCol>
-                <a:gridCol w="1130650">
-                  <a:extLst>
-                    <a:ext uri="{9D8B030D-6E8A-4147-A177-3AD203B41FA5}">
-                      <a16:colId xmlns:a16="http://schemas.microsoft.com/office/drawing/2014/main" val="20005"/>
-                    </a:ext>
-                  </a:extLst>
-                </a:gridCol>
-              </a:tblGrid>
-              <a:tr h="346025">
-                <a:tc>
-                  <a:txBody>
-                    <a:bodyPr/>
-                    <a:lstStyle/>
-                    <a:p>
-                      <a:pPr marL="0" lvl="0" indent="0" algn="ctr" rtl="0">
-                        <a:spcBef>
-                          <a:spcPts val="0"/>
-                        </a:spcBef>
-                        <a:spcAft>
-                          <a:spcPts val="0"/>
-                        </a:spcAft>
-                        <a:buNone/>
-                      </a:pPr>
-                      <a:r>
-                        <a:rPr lang="ko" sz="1200" dirty="0">
-                          <a:latin typeface="나눔고딕 ExtraBold" panose="020D0904000000000000" pitchFamily="50" charset="-127"/>
-                          <a:ea typeface="나눔고딕 ExtraBold" panose="020D0904000000000000" pitchFamily="50" charset="-127"/>
-                        </a:rPr>
-                        <a:t>대메뉴</a:t>
-                      </a:r>
-                      <a:endParaRPr sz="1200" dirty="0">
-                        <a:latin typeface="나눔고딕 ExtraBold" panose="020D0904000000000000" pitchFamily="50" charset="-127"/>
-                        <a:ea typeface="나눔고딕 ExtraBold" panose="020D0904000000000000" pitchFamily="50" charset="-127"/>
-                      </a:endParaRPr>
-                    </a:p>
-                  </a:txBody>
-                  <a:tcPr marL="91425" marR="91425" marT="91425" marB="91425">
-                    <a:lnL w="9525" cap="flat" cmpd="sng">
-                      <a:solidFill>
-                        <a:schemeClr val="dk1"/>
-                      </a:solidFill>
-                      <a:prstDash val="solid"/>
-                      <a:round/>
-                      <a:headEnd type="none" w="sm" len="sm"/>
-                      <a:tailEnd type="none" w="sm" len="sm"/>
-                    </a:lnL>
-                    <a:lnR w="9525" cap="flat" cmpd="sng">
-                      <a:solidFill>
-                        <a:schemeClr val="dk1"/>
-                      </a:solidFill>
-                      <a:prstDash val="solid"/>
-                      <a:round/>
-                      <a:headEnd type="none" w="sm" len="sm"/>
-                      <a:tailEnd type="none" w="sm" len="sm"/>
-                    </a:lnR>
-                    <a:lnT w="9525" cap="flat" cmpd="sng">
-                      <a:solidFill>
-                        <a:schemeClr val="dk1"/>
-                      </a:solidFill>
-                      <a:prstDash val="solid"/>
-                      <a:round/>
-                      <a:headEnd type="none" w="sm" len="sm"/>
-                      <a:tailEnd type="none" w="sm" len="sm"/>
-                    </a:lnT>
-                    <a:lnB w="9525" cap="flat" cmpd="sng">
-                      <a:solidFill>
-                        <a:schemeClr val="dk1"/>
-                      </a:solidFill>
-                      <a:prstDash val="solid"/>
-                      <a:round/>
-                      <a:headEnd type="none" w="sm" len="sm"/>
-                      <a:tailEnd type="none" w="sm" len="sm"/>
-                    </a:lnB>
-                    <a:solidFill>
-                      <a:srgbClr val="9E9E9E"/>
-                    </a:solidFill>
-                  </a:tcPr>
-                </a:tc>
-                <a:tc>
-                  <a:txBody>
-                    <a:bodyPr/>
-                    <a:lstStyle/>
-                    <a:p>
-                      <a:pPr marL="0" lvl="0" indent="0" algn="ctr" rtl="0">
-                        <a:spcBef>
-                          <a:spcPts val="0"/>
-                        </a:spcBef>
-                        <a:spcAft>
-                          <a:spcPts val="0"/>
-                        </a:spcAft>
-                        <a:buNone/>
-                      </a:pPr>
-                      <a:r>
-                        <a:rPr lang="ko" sz="1200" dirty="0">
-                          <a:latin typeface="나눔고딕 ExtraBold" panose="020D0904000000000000" pitchFamily="50" charset="-127"/>
-                          <a:ea typeface="나눔고딕 ExtraBold" panose="020D0904000000000000" pitchFamily="50" charset="-127"/>
-                        </a:rPr>
-                        <a:t>중메뉴</a:t>
-                      </a:r>
-                      <a:endParaRPr sz="1200" dirty="0">
-                        <a:latin typeface="나눔고딕 ExtraBold" panose="020D0904000000000000" pitchFamily="50" charset="-127"/>
-                        <a:ea typeface="나눔고딕 ExtraBold" panose="020D0904000000000000" pitchFamily="50" charset="-127"/>
-                      </a:endParaRPr>
-                    </a:p>
-                  </a:txBody>
-                  <a:tcPr marL="91425" marR="91425" marT="91425" marB="91425">
-                    <a:lnL w="9525" cap="flat" cmpd="sng">
-                      <a:solidFill>
-                        <a:schemeClr val="dk1"/>
-                      </a:solidFill>
-                      <a:prstDash val="solid"/>
-                      <a:round/>
-                      <a:headEnd type="none" w="sm" len="sm"/>
-                      <a:tailEnd type="none" w="sm" len="sm"/>
-                    </a:lnL>
-                    <a:lnR w="9525" cap="flat" cmpd="sng">
-                      <a:solidFill>
-                        <a:schemeClr val="dk1"/>
-                      </a:solidFill>
-                      <a:prstDash val="solid"/>
-                      <a:round/>
-                      <a:headEnd type="none" w="sm" len="sm"/>
-                      <a:tailEnd type="none" w="sm" len="sm"/>
-                    </a:lnR>
-                    <a:lnT w="9525" cap="flat" cmpd="sng">
-                      <a:solidFill>
-                        <a:schemeClr val="dk1"/>
-                      </a:solidFill>
-                      <a:prstDash val="solid"/>
-                      <a:round/>
-                      <a:headEnd type="none" w="sm" len="sm"/>
-                      <a:tailEnd type="none" w="sm" len="sm"/>
-                    </a:lnT>
-                    <a:lnB w="9525" cap="flat" cmpd="sng">
-                      <a:solidFill>
-                        <a:schemeClr val="dk1"/>
-                      </a:solidFill>
-                      <a:prstDash val="solid"/>
-                      <a:round/>
-                      <a:headEnd type="none" w="sm" len="sm"/>
-                      <a:tailEnd type="none" w="sm" len="sm"/>
-                    </a:lnB>
-                    <a:solidFill>
-                      <a:srgbClr val="9E9E9E"/>
-                    </a:solidFill>
-                  </a:tcPr>
-                </a:tc>
-                <a:tc>
-                  <a:txBody>
-                    <a:bodyPr/>
-                    <a:lstStyle/>
-                    <a:p>
-                      <a:pPr marL="0" lvl="0" indent="0" algn="ctr" rtl="0">
-                        <a:spcBef>
-                          <a:spcPts val="0"/>
-                        </a:spcBef>
-                        <a:spcAft>
-                          <a:spcPts val="0"/>
-                        </a:spcAft>
-                        <a:buNone/>
-                      </a:pPr>
-                      <a:r>
-                        <a:rPr lang="en-US" altLang="ko" sz="1200" dirty="0">
-                          <a:latin typeface="나눔고딕 ExtraBold" panose="020D0904000000000000" pitchFamily="50" charset="-127"/>
-                          <a:ea typeface="나눔고딕 ExtraBold" panose="020D0904000000000000" pitchFamily="50" charset="-127"/>
-                        </a:rPr>
-                        <a:t>P</a:t>
-                      </a:r>
-                      <a:r>
-                        <a:rPr lang="ko" sz="1200" dirty="0">
-                          <a:latin typeface="나눔고딕 ExtraBold" panose="020D0904000000000000" pitchFamily="50" charset="-127"/>
-                          <a:ea typeface="나눔고딕 ExtraBold" panose="020D0904000000000000" pitchFamily="50" charset="-127"/>
-                        </a:rPr>
-                        <a:t>age ID</a:t>
-                      </a:r>
-                      <a:endParaRPr sz="1200" dirty="0">
-                        <a:latin typeface="나눔고딕 ExtraBold" panose="020D0904000000000000" pitchFamily="50" charset="-127"/>
-                        <a:ea typeface="나눔고딕 ExtraBold" panose="020D0904000000000000" pitchFamily="50" charset="-127"/>
-                      </a:endParaRPr>
-                    </a:p>
-                  </a:txBody>
-                  <a:tcPr marL="91425" marR="91425" marT="91425" marB="91425">
-                    <a:lnL w="9525" cap="flat" cmpd="sng">
-                      <a:solidFill>
-                        <a:schemeClr val="dk1"/>
-                      </a:solidFill>
-                      <a:prstDash val="solid"/>
-                      <a:round/>
-                      <a:headEnd type="none" w="sm" len="sm"/>
-                      <a:tailEnd type="none" w="sm" len="sm"/>
-                    </a:lnL>
-                    <a:lnR w="9525" cap="flat" cmpd="sng">
-                      <a:solidFill>
-                        <a:schemeClr val="dk1"/>
-                      </a:solidFill>
-                      <a:prstDash val="solid"/>
-                      <a:round/>
-                      <a:headEnd type="none" w="sm" len="sm"/>
-                      <a:tailEnd type="none" w="sm" len="sm"/>
-                    </a:lnR>
-                    <a:lnT w="9525" cap="flat" cmpd="sng">
-                      <a:solidFill>
-                        <a:schemeClr val="dk1"/>
-                      </a:solidFill>
-                      <a:prstDash val="solid"/>
-                      <a:round/>
-                      <a:headEnd type="none" w="sm" len="sm"/>
-                      <a:tailEnd type="none" w="sm" len="sm"/>
-                    </a:lnT>
-                    <a:lnB w="9525" cap="flat" cmpd="sng">
-                      <a:solidFill>
-                        <a:schemeClr val="dk1"/>
-                      </a:solidFill>
-                      <a:prstDash val="solid"/>
-                      <a:round/>
-                      <a:headEnd type="none" w="sm" len="sm"/>
-                      <a:tailEnd type="none" w="sm" len="sm"/>
-                    </a:lnB>
-                    <a:solidFill>
-                      <a:srgbClr val="9E9E9E"/>
-                    </a:solidFill>
-                  </a:tcPr>
-                </a:tc>
-                <a:tc>
-                  <a:txBody>
-                    <a:bodyPr/>
-                    <a:lstStyle/>
-                    <a:p>
-                      <a:pPr marL="0" lvl="0" indent="0" algn="ctr" rtl="0">
-                        <a:spcBef>
-                          <a:spcPts val="0"/>
-                        </a:spcBef>
-                        <a:spcAft>
-                          <a:spcPts val="0"/>
-                        </a:spcAft>
-                        <a:buNone/>
-                      </a:pPr>
-                      <a:r>
-                        <a:rPr lang="ko" sz="1200" dirty="0">
-                          <a:latin typeface="나눔고딕 ExtraBold" panose="020D0904000000000000" pitchFamily="50" charset="-127"/>
-                          <a:ea typeface="나눔고딕 ExtraBold" panose="020D0904000000000000" pitchFamily="50" charset="-127"/>
-                        </a:rPr>
-                        <a:t>Page Title</a:t>
-                      </a:r>
-                      <a:endParaRPr sz="1200" dirty="0">
-                        <a:latin typeface="나눔고딕 ExtraBold" panose="020D0904000000000000" pitchFamily="50" charset="-127"/>
-                        <a:ea typeface="나눔고딕 ExtraBold" panose="020D0904000000000000" pitchFamily="50" charset="-127"/>
-                      </a:endParaRPr>
-                    </a:p>
-                  </a:txBody>
-                  <a:tcPr marL="91425" marR="91425" marT="91425" marB="91425">
-                    <a:lnL w="9525" cap="flat" cmpd="sng">
-                      <a:solidFill>
-                        <a:schemeClr val="dk1"/>
-                      </a:solidFill>
-                      <a:prstDash val="solid"/>
-                      <a:round/>
-                      <a:headEnd type="none" w="sm" len="sm"/>
-                      <a:tailEnd type="none" w="sm" len="sm"/>
-                    </a:lnL>
-                    <a:lnR w="9525" cap="flat" cmpd="sng">
-                      <a:solidFill>
-                        <a:schemeClr val="dk1"/>
-                      </a:solidFill>
-                      <a:prstDash val="solid"/>
-                      <a:round/>
-                      <a:headEnd type="none" w="sm" len="sm"/>
-                      <a:tailEnd type="none" w="sm" len="sm"/>
-                    </a:lnR>
-                    <a:lnT w="9525" cap="flat" cmpd="sng">
-                      <a:solidFill>
-                        <a:schemeClr val="dk1"/>
-                      </a:solidFill>
-                      <a:prstDash val="solid"/>
-                      <a:round/>
-                      <a:headEnd type="none" w="sm" len="sm"/>
-                      <a:tailEnd type="none" w="sm" len="sm"/>
-                    </a:lnT>
-                    <a:lnB w="9525" cap="flat" cmpd="sng">
-                      <a:solidFill>
-                        <a:schemeClr val="dk1"/>
-                      </a:solidFill>
-                      <a:prstDash val="solid"/>
-                      <a:round/>
-                      <a:headEnd type="none" w="sm" len="sm"/>
-                      <a:tailEnd type="none" w="sm" len="sm"/>
-                    </a:lnB>
-                    <a:solidFill>
-                      <a:srgbClr val="9E9E9E"/>
-                    </a:solidFill>
-                  </a:tcPr>
-                </a:tc>
-                <a:tc>
-                  <a:txBody>
-                    <a:bodyPr/>
-                    <a:lstStyle/>
-                    <a:p>
-                      <a:pPr marL="0" lvl="0" indent="0" algn="ctr" rtl="0">
-                        <a:spcBef>
-                          <a:spcPts val="0"/>
-                        </a:spcBef>
-                        <a:spcAft>
-                          <a:spcPts val="0"/>
-                        </a:spcAft>
-                        <a:buNone/>
-                      </a:pPr>
-                      <a:r>
-                        <a:rPr lang="ko" sz="1200" dirty="0">
-                          <a:latin typeface="나눔고딕 ExtraBold" panose="020D0904000000000000" pitchFamily="50" charset="-127"/>
-                          <a:ea typeface="나눔고딕 ExtraBold" panose="020D0904000000000000" pitchFamily="50" charset="-127"/>
-                        </a:rPr>
-                        <a:t>Description</a:t>
-                      </a:r>
-                      <a:endParaRPr sz="1200" dirty="0">
-                        <a:latin typeface="나눔고딕 ExtraBold" panose="020D0904000000000000" pitchFamily="50" charset="-127"/>
-                        <a:ea typeface="나눔고딕 ExtraBold" panose="020D0904000000000000" pitchFamily="50" charset="-127"/>
-                      </a:endParaRPr>
-                    </a:p>
-                  </a:txBody>
-                  <a:tcPr marL="91425" marR="91425" marT="91425" marB="91425">
-                    <a:lnL w="9525" cap="flat" cmpd="sng">
-                      <a:solidFill>
-                        <a:schemeClr val="dk1"/>
-                      </a:solidFill>
-                      <a:prstDash val="solid"/>
-                      <a:round/>
-                      <a:headEnd type="none" w="sm" len="sm"/>
-                      <a:tailEnd type="none" w="sm" len="sm"/>
-                    </a:lnL>
-                    <a:lnR w="9525" cap="flat" cmpd="sng">
-                      <a:solidFill>
-                        <a:schemeClr val="dk1"/>
-                      </a:solidFill>
-                      <a:prstDash val="solid"/>
-                      <a:round/>
-                      <a:headEnd type="none" w="sm" len="sm"/>
-                      <a:tailEnd type="none" w="sm" len="sm"/>
-                    </a:lnR>
-                    <a:lnT w="9525" cap="flat" cmpd="sng">
-                      <a:solidFill>
-                        <a:schemeClr val="dk1"/>
-                      </a:solidFill>
-                      <a:prstDash val="solid"/>
-                      <a:round/>
-                      <a:headEnd type="none" w="sm" len="sm"/>
-                      <a:tailEnd type="none" w="sm" len="sm"/>
-                    </a:lnT>
-                    <a:lnB w="9525" cap="flat" cmpd="sng">
-                      <a:solidFill>
-                        <a:schemeClr val="dk1"/>
-                      </a:solidFill>
-                      <a:prstDash val="solid"/>
-                      <a:round/>
-                      <a:headEnd type="none" w="sm" len="sm"/>
-                      <a:tailEnd type="none" w="sm" len="sm"/>
-                    </a:lnB>
-                    <a:solidFill>
-                      <a:srgbClr val="9E9E9E"/>
-                    </a:solidFill>
-                  </a:tcPr>
-                </a:tc>
-                <a:tc>
-                  <a:txBody>
-                    <a:bodyPr/>
-                    <a:lstStyle/>
-                    <a:p>
-                      <a:pPr marL="0" lvl="0" indent="0" algn="ctr" rtl="0">
-                        <a:spcBef>
-                          <a:spcPts val="0"/>
-                        </a:spcBef>
-                        <a:spcAft>
-                          <a:spcPts val="0"/>
-                        </a:spcAft>
-                        <a:buNone/>
-                      </a:pPr>
-                      <a:r>
-                        <a:rPr lang="ko" sz="1200" dirty="0">
-                          <a:latin typeface="나눔고딕 ExtraBold" panose="020D0904000000000000" pitchFamily="50" charset="-127"/>
-                          <a:ea typeface="나눔고딕 ExtraBold" panose="020D0904000000000000" pitchFamily="50" charset="-127"/>
-                        </a:rPr>
-                        <a:t>비고</a:t>
-                      </a:r>
-                      <a:endParaRPr sz="1200" dirty="0">
-                        <a:latin typeface="나눔고딕 ExtraBold" panose="020D0904000000000000" pitchFamily="50" charset="-127"/>
-                        <a:ea typeface="나눔고딕 ExtraBold" panose="020D0904000000000000" pitchFamily="50" charset="-127"/>
-                      </a:endParaRPr>
-                    </a:p>
-                  </a:txBody>
-                  <a:tcPr marL="91425" marR="91425" marT="91425" marB="91425">
-                    <a:lnL w="9525" cap="flat" cmpd="sng">
-                      <a:solidFill>
-                        <a:schemeClr val="dk1"/>
-                      </a:solidFill>
-                      <a:prstDash val="solid"/>
-                      <a:round/>
-                      <a:headEnd type="none" w="sm" len="sm"/>
-                      <a:tailEnd type="none" w="sm" len="sm"/>
-                    </a:lnL>
-                    <a:lnR w="9525" cap="flat" cmpd="sng">
-                      <a:solidFill>
-                        <a:schemeClr val="dk1"/>
-                      </a:solidFill>
-                      <a:prstDash val="solid"/>
-                      <a:round/>
-                      <a:headEnd type="none" w="sm" len="sm"/>
-                      <a:tailEnd type="none" w="sm" len="sm"/>
-                    </a:lnR>
-                    <a:lnT w="9525" cap="flat" cmpd="sng">
-                      <a:solidFill>
-                        <a:schemeClr val="dk1"/>
-                      </a:solidFill>
-                      <a:prstDash val="solid"/>
-                      <a:round/>
-                      <a:headEnd type="none" w="sm" len="sm"/>
-                      <a:tailEnd type="none" w="sm" len="sm"/>
-                    </a:lnT>
-                    <a:lnB w="9525" cap="flat" cmpd="sng">
-                      <a:solidFill>
-                        <a:schemeClr val="dk1"/>
-                      </a:solidFill>
-                      <a:prstDash val="solid"/>
-                      <a:round/>
-                      <a:headEnd type="none" w="sm" len="sm"/>
-                      <a:tailEnd type="none" w="sm" len="sm"/>
-                    </a:lnB>
-                    <a:solidFill>
-                      <a:srgbClr val="9E9E9E"/>
-                    </a:solidFill>
-                  </a:tcPr>
-                </a:tc>
-                <a:extLst>
-                  <a:ext uri="{0D108BD9-81ED-4DB2-BD59-A6C34878D82A}">
-                    <a16:rowId xmlns:a16="http://schemas.microsoft.com/office/drawing/2014/main" val="10000"/>
-                  </a:ext>
-                </a:extLst>
-              </a:tr>
-              <a:tr h="288350">
-                <a:tc>
-                  <a:txBody>
-                    <a:bodyPr/>
-                    <a:lstStyle/>
-                    <a:p>
-                      <a:pPr marL="0" lvl="0" indent="0" algn="l" rtl="0">
-                        <a:spcBef>
-                          <a:spcPts val="0"/>
-                        </a:spcBef>
-                        <a:spcAft>
-                          <a:spcPts val="0"/>
-                        </a:spcAft>
-                        <a:buNone/>
-                      </a:pPr>
-                      <a:r>
-                        <a:rPr lang="ko" sz="800" dirty="0">
-                          <a:latin typeface="나눔고딕" panose="020D0604000000000000" pitchFamily="50" charset="-127"/>
-                          <a:ea typeface="나눔고딕" panose="020D0604000000000000" pitchFamily="50" charset="-127"/>
-                        </a:rPr>
-                        <a:t>메인페이지</a:t>
-                      </a:r>
-                      <a:endParaRPr sz="800" dirty="0">
-                        <a:latin typeface="나눔고딕" panose="020D0604000000000000" pitchFamily="50" charset="-127"/>
-                        <a:ea typeface="나눔고딕" panose="020D0604000000000000" pitchFamily="50" charset="-127"/>
-                      </a:endParaRPr>
-                    </a:p>
-                  </a:txBody>
-                  <a:tcPr marL="91425" marR="91425" marT="91425" marB="91425">
-                    <a:lnL w="9525" cap="flat" cmpd="sng">
-                      <a:solidFill>
-                        <a:srgbClr val="9E9E9E"/>
-                      </a:solidFill>
-                      <a:prstDash val="solid"/>
-                      <a:round/>
-                      <a:headEnd type="none" w="sm" len="sm"/>
-                      <a:tailEnd type="none" w="sm" len="sm"/>
-                    </a:lnL>
-                    <a:lnR w="9525" cap="flat" cmpd="sng">
-                      <a:solidFill>
-                        <a:srgbClr val="9E9E9E"/>
-                      </a:solidFill>
-                      <a:prstDash val="solid"/>
-                      <a:round/>
-                      <a:headEnd type="none" w="sm" len="sm"/>
-                      <a:tailEnd type="none" w="sm" len="sm"/>
-                    </a:lnR>
-                    <a:lnT w="9525" cap="flat" cmpd="sng">
-                      <a:solidFill>
-                        <a:schemeClr val="dk1"/>
-                      </a:solidFill>
-                      <a:prstDash val="solid"/>
-                      <a:round/>
-                      <a:headEnd type="none" w="sm" len="sm"/>
-                      <a:tailEnd type="none" w="sm" len="sm"/>
-                    </a:lnT>
-                    <a:lnB w="9525" cap="flat" cmpd="sng">
-                      <a:solidFill>
-                        <a:srgbClr val="9E9E9E"/>
-                      </a:solidFill>
-                      <a:prstDash val="solid"/>
-                      <a:round/>
-                      <a:headEnd type="none" w="sm" len="sm"/>
-                      <a:tailEnd type="none" w="sm" len="sm"/>
-                    </a:lnB>
-                  </a:tcPr>
-                </a:tc>
-                <a:tc>
-                  <a:txBody>
-                    <a:bodyPr/>
-                    <a:lstStyle/>
-                    <a:p>
-                      <a:pPr marL="0" lvl="0" indent="0" algn="l" rtl="0">
-                        <a:spcBef>
-                          <a:spcPts val="0"/>
-                        </a:spcBef>
-                        <a:spcAft>
-                          <a:spcPts val="0"/>
-                        </a:spcAft>
-                        <a:buNone/>
-                      </a:pPr>
-                      <a:endParaRPr sz="800" dirty="0">
-                        <a:latin typeface="나눔고딕" panose="020D0604000000000000" pitchFamily="50" charset="-127"/>
-                        <a:ea typeface="나눔고딕" panose="020D0604000000000000" pitchFamily="50" charset="-127"/>
-                      </a:endParaRPr>
-                    </a:p>
-                  </a:txBody>
-                  <a:tcPr marL="91425" marR="91425" marT="91425" marB="91425">
-                    <a:lnL w="9525" cap="flat" cmpd="sng">
-                      <a:solidFill>
-                        <a:srgbClr val="9E9E9E"/>
-                      </a:solidFill>
-                      <a:prstDash val="solid"/>
-                      <a:round/>
-                      <a:headEnd type="none" w="sm" len="sm"/>
-                      <a:tailEnd type="none" w="sm" len="sm"/>
-                    </a:lnL>
-                    <a:lnR w="9525" cap="flat" cmpd="sng">
-                      <a:solidFill>
-                        <a:srgbClr val="9E9E9E"/>
-                      </a:solidFill>
-                      <a:prstDash val="solid"/>
-                      <a:round/>
-                      <a:headEnd type="none" w="sm" len="sm"/>
-                      <a:tailEnd type="none" w="sm" len="sm"/>
-                    </a:lnR>
-                    <a:lnT w="9525" cap="flat" cmpd="sng">
-                      <a:solidFill>
-                        <a:schemeClr val="dk1"/>
-                      </a:solidFill>
-                      <a:prstDash val="solid"/>
-                      <a:round/>
-                      <a:headEnd type="none" w="sm" len="sm"/>
-                      <a:tailEnd type="none" w="sm" len="sm"/>
-                    </a:lnT>
-                    <a:lnB w="9525" cap="flat" cmpd="sng">
-                      <a:solidFill>
-                        <a:srgbClr val="9E9E9E"/>
-                      </a:solidFill>
-                      <a:prstDash val="solid"/>
-                      <a:round/>
-                      <a:headEnd type="none" w="sm" len="sm"/>
-                      <a:tailEnd type="none" w="sm" len="sm"/>
-                    </a:lnB>
-                  </a:tcPr>
-                </a:tc>
-                <a:tc>
-                  <a:txBody>
-                    <a:bodyPr/>
-                    <a:lstStyle/>
-                    <a:p>
-                      <a:pPr marL="0" lvl="0" indent="0" algn="l" rtl="0">
-                        <a:spcBef>
-                          <a:spcPts val="0"/>
-                        </a:spcBef>
-                        <a:spcAft>
-                          <a:spcPts val="0"/>
-                        </a:spcAft>
-                        <a:buNone/>
-                      </a:pPr>
-                      <a:r>
-                        <a:rPr lang="ko" sz="800">
-                          <a:latin typeface="나눔고딕" panose="020D0604000000000000" pitchFamily="50" charset="-127"/>
-                          <a:ea typeface="나눔고딕" panose="020D0604000000000000" pitchFamily="50" charset="-127"/>
-                        </a:rPr>
-                        <a:t>메인페이지_1</a:t>
-                      </a:r>
-                      <a:endParaRPr sz="800">
-                        <a:latin typeface="나눔고딕" panose="020D0604000000000000" pitchFamily="50" charset="-127"/>
-                        <a:ea typeface="나눔고딕" panose="020D0604000000000000" pitchFamily="50" charset="-127"/>
-                      </a:endParaRPr>
-                    </a:p>
-                  </a:txBody>
-                  <a:tcPr marL="91425" marR="91425" marT="91425" marB="91425">
-                    <a:lnL w="9525" cap="flat" cmpd="sng">
-                      <a:solidFill>
-                        <a:srgbClr val="9E9E9E"/>
-                      </a:solidFill>
-                      <a:prstDash val="solid"/>
-                      <a:round/>
-                      <a:headEnd type="none" w="sm" len="sm"/>
-                      <a:tailEnd type="none" w="sm" len="sm"/>
-                    </a:lnL>
-                    <a:lnR w="9525" cap="flat" cmpd="sng">
-                      <a:solidFill>
-                        <a:srgbClr val="9E9E9E"/>
-                      </a:solidFill>
-                      <a:prstDash val="solid"/>
-                      <a:round/>
-                      <a:headEnd type="none" w="sm" len="sm"/>
-                      <a:tailEnd type="none" w="sm" len="sm"/>
-                    </a:lnR>
-                    <a:lnT w="9525" cap="flat" cmpd="sng">
-                      <a:solidFill>
-                        <a:schemeClr val="dk1"/>
-                      </a:solidFill>
-                      <a:prstDash val="solid"/>
-                      <a:round/>
-                      <a:headEnd type="none" w="sm" len="sm"/>
-                      <a:tailEnd type="none" w="sm" len="sm"/>
-                    </a:lnT>
-                    <a:lnB w="9525" cap="flat" cmpd="sng">
-                      <a:solidFill>
-                        <a:srgbClr val="9E9E9E"/>
-                      </a:solidFill>
-                      <a:prstDash val="solid"/>
-                      <a:round/>
-                      <a:headEnd type="none" w="sm" len="sm"/>
-                      <a:tailEnd type="none" w="sm" len="sm"/>
-                    </a:lnB>
-                  </a:tcPr>
-                </a:tc>
-                <a:tc>
-                  <a:txBody>
-                    <a:bodyPr/>
-                    <a:lstStyle/>
-                    <a:p>
-                      <a:pPr marL="0" lvl="0" indent="0" algn="l" rtl="0">
-                        <a:spcBef>
-                          <a:spcPts val="0"/>
-                        </a:spcBef>
-                        <a:spcAft>
-                          <a:spcPts val="0"/>
-                        </a:spcAft>
-                        <a:buNone/>
-                      </a:pPr>
-                      <a:r>
-                        <a:rPr lang="ko" sz="800">
-                          <a:latin typeface="나눔고딕" panose="020D0604000000000000" pitchFamily="50" charset="-127"/>
-                          <a:ea typeface="나눔고딕" panose="020D0604000000000000" pitchFamily="50" charset="-127"/>
-                        </a:rPr>
-                        <a:t>페인페이지</a:t>
-                      </a:r>
-                      <a:endParaRPr sz="800">
-                        <a:latin typeface="나눔고딕" panose="020D0604000000000000" pitchFamily="50" charset="-127"/>
-                        <a:ea typeface="나눔고딕" panose="020D0604000000000000" pitchFamily="50" charset="-127"/>
-                      </a:endParaRPr>
-                    </a:p>
-                  </a:txBody>
-                  <a:tcPr marL="91425" marR="91425" marT="91425" marB="91425">
-                    <a:lnL w="9525" cap="flat" cmpd="sng">
-                      <a:solidFill>
-                        <a:srgbClr val="9E9E9E"/>
-                      </a:solidFill>
-                      <a:prstDash val="solid"/>
-                      <a:round/>
-                      <a:headEnd type="none" w="sm" len="sm"/>
-                      <a:tailEnd type="none" w="sm" len="sm"/>
-                    </a:lnL>
-                    <a:lnR w="9525" cap="flat" cmpd="sng">
-                      <a:solidFill>
-                        <a:srgbClr val="9E9E9E"/>
-                      </a:solidFill>
-                      <a:prstDash val="solid"/>
-                      <a:round/>
-                      <a:headEnd type="none" w="sm" len="sm"/>
-                      <a:tailEnd type="none" w="sm" len="sm"/>
-                    </a:lnR>
-                    <a:lnT w="9525" cap="flat" cmpd="sng">
-                      <a:solidFill>
-                        <a:schemeClr val="dk1"/>
-                      </a:solidFill>
-                      <a:prstDash val="solid"/>
-                      <a:round/>
-                      <a:headEnd type="none" w="sm" len="sm"/>
-                      <a:tailEnd type="none" w="sm" len="sm"/>
-                    </a:lnT>
-                    <a:lnB w="9525" cap="flat" cmpd="sng">
-                      <a:solidFill>
-                        <a:srgbClr val="9E9E9E"/>
-                      </a:solidFill>
-                      <a:prstDash val="solid"/>
-                      <a:round/>
-                      <a:headEnd type="none" w="sm" len="sm"/>
-                      <a:tailEnd type="none" w="sm" len="sm"/>
-                    </a:lnB>
-                  </a:tcPr>
-                </a:tc>
-                <a:tc>
-                  <a:txBody>
-                    <a:bodyPr/>
-                    <a:lstStyle/>
-                    <a:p>
-                      <a:pPr marL="0" lvl="0" indent="0" algn="l" rtl="0">
-                        <a:spcBef>
-                          <a:spcPts val="0"/>
-                        </a:spcBef>
-                        <a:spcAft>
-                          <a:spcPts val="0"/>
-                        </a:spcAft>
-                        <a:buNone/>
-                      </a:pPr>
-                      <a:endParaRPr sz="800">
-                        <a:latin typeface="나눔고딕" panose="020D0604000000000000" pitchFamily="50" charset="-127"/>
-                        <a:ea typeface="나눔고딕" panose="020D0604000000000000" pitchFamily="50" charset="-127"/>
-                      </a:endParaRPr>
-                    </a:p>
-                  </a:txBody>
-                  <a:tcPr marL="91425" marR="91425" marT="91425" marB="91425">
-                    <a:lnL w="9525" cap="flat" cmpd="sng">
-                      <a:solidFill>
-                        <a:srgbClr val="9E9E9E"/>
-                      </a:solidFill>
-                      <a:prstDash val="solid"/>
-                      <a:round/>
-                      <a:headEnd type="none" w="sm" len="sm"/>
-                      <a:tailEnd type="none" w="sm" len="sm"/>
-                    </a:lnL>
-                    <a:lnR w="9525" cap="flat" cmpd="sng">
-                      <a:solidFill>
-                        <a:srgbClr val="9E9E9E"/>
-                      </a:solidFill>
-                      <a:prstDash val="solid"/>
-                      <a:round/>
-                      <a:headEnd type="none" w="sm" len="sm"/>
-                      <a:tailEnd type="none" w="sm" len="sm"/>
-                    </a:lnR>
-                    <a:lnT w="9525" cap="flat" cmpd="sng">
-                      <a:solidFill>
-                        <a:schemeClr val="dk1"/>
-                      </a:solidFill>
-                      <a:prstDash val="solid"/>
-                      <a:round/>
-                      <a:headEnd type="none" w="sm" len="sm"/>
-                      <a:tailEnd type="none" w="sm" len="sm"/>
-                    </a:lnT>
-                    <a:lnB w="9525" cap="flat" cmpd="sng">
-                      <a:solidFill>
-                        <a:srgbClr val="9E9E9E"/>
-                      </a:solidFill>
-                      <a:prstDash val="solid"/>
-                      <a:round/>
-                      <a:headEnd type="none" w="sm" len="sm"/>
-                      <a:tailEnd type="none" w="sm" len="sm"/>
-                    </a:lnB>
-                  </a:tcPr>
-                </a:tc>
-                <a:tc>
-                  <a:txBody>
-                    <a:bodyPr/>
-                    <a:lstStyle/>
-                    <a:p>
-                      <a:pPr marL="0" lvl="0" indent="0" algn="l" rtl="0">
-                        <a:spcBef>
-                          <a:spcPts val="0"/>
-                        </a:spcBef>
-                        <a:spcAft>
-                          <a:spcPts val="0"/>
-                        </a:spcAft>
-                        <a:buNone/>
-                      </a:pPr>
-                      <a:r>
-                        <a:rPr lang="ko" sz="800">
-                          <a:latin typeface="나눔고딕" panose="020D0604000000000000" pitchFamily="50" charset="-127"/>
-                          <a:ea typeface="나눔고딕" panose="020D0604000000000000" pitchFamily="50" charset="-127"/>
-                        </a:rPr>
-                        <a:t>p. 8</a:t>
-                      </a:r>
-                      <a:endParaRPr sz="800">
-                        <a:latin typeface="나눔고딕" panose="020D0604000000000000" pitchFamily="50" charset="-127"/>
-                        <a:ea typeface="나눔고딕" panose="020D0604000000000000" pitchFamily="50" charset="-127"/>
-                      </a:endParaRPr>
-                    </a:p>
-                  </a:txBody>
-                  <a:tcPr marL="91425" marR="91425" marT="91425" marB="91425">
-                    <a:lnL w="9525" cap="flat" cmpd="sng">
-                      <a:solidFill>
-                        <a:srgbClr val="9E9E9E"/>
-                      </a:solidFill>
-                      <a:prstDash val="solid"/>
-                      <a:round/>
-                      <a:headEnd type="none" w="sm" len="sm"/>
-                      <a:tailEnd type="none" w="sm" len="sm"/>
-                    </a:lnL>
-                    <a:lnR w="9525" cap="flat" cmpd="sng">
-                      <a:solidFill>
-                        <a:srgbClr val="9E9E9E"/>
-                      </a:solidFill>
-                      <a:prstDash val="solid"/>
-                      <a:round/>
-                      <a:headEnd type="none" w="sm" len="sm"/>
-                      <a:tailEnd type="none" w="sm" len="sm"/>
-                    </a:lnR>
-                    <a:lnT w="9525" cap="flat" cmpd="sng">
-                      <a:solidFill>
-                        <a:schemeClr val="dk1"/>
-                      </a:solidFill>
-                      <a:prstDash val="solid"/>
-                      <a:round/>
-                      <a:headEnd type="none" w="sm" len="sm"/>
-                      <a:tailEnd type="none" w="sm" len="sm"/>
-                    </a:lnT>
-                    <a:lnB w="9525" cap="flat" cmpd="sng">
-                      <a:solidFill>
-                        <a:srgbClr val="9E9E9E"/>
-                      </a:solidFill>
-                      <a:prstDash val="solid"/>
-                      <a:round/>
-                      <a:headEnd type="none" w="sm" len="sm"/>
-                      <a:tailEnd type="none" w="sm" len="sm"/>
-                    </a:lnB>
-                  </a:tcPr>
-                </a:tc>
-                <a:extLst>
-                  <a:ext uri="{0D108BD9-81ED-4DB2-BD59-A6C34878D82A}">
-                    <a16:rowId xmlns:a16="http://schemas.microsoft.com/office/drawing/2014/main" val="10001"/>
-                  </a:ext>
-                </a:extLst>
-              </a:tr>
-              <a:tr h="288350">
-                <a:tc>
-                  <a:txBody>
-                    <a:bodyPr/>
-                    <a:lstStyle/>
-                    <a:p>
-                      <a:pPr marL="0" lvl="0" indent="0" algn="l" rtl="0">
-                        <a:spcBef>
-                          <a:spcPts val="0"/>
-                        </a:spcBef>
-                        <a:spcAft>
-                          <a:spcPts val="0"/>
-                        </a:spcAft>
-                        <a:buNone/>
-                      </a:pPr>
-                      <a:r>
-                        <a:rPr lang="ko" sz="800">
-                          <a:latin typeface="나눔고딕" panose="020D0604000000000000" pitchFamily="50" charset="-127"/>
-                          <a:ea typeface="나눔고딕" panose="020D0604000000000000" pitchFamily="50" charset="-127"/>
-                        </a:rPr>
-                        <a:t>종목페이지</a:t>
-                      </a:r>
-                      <a:endParaRPr sz="800">
-                        <a:latin typeface="나눔고딕" panose="020D0604000000000000" pitchFamily="50" charset="-127"/>
-                        <a:ea typeface="나눔고딕" panose="020D0604000000000000" pitchFamily="50" charset="-127"/>
-                      </a:endParaRPr>
-                    </a:p>
-                  </a:txBody>
-                  <a:tcPr marL="91425" marR="91425" marT="91425" marB="91425">
-                    <a:lnL w="9525" cap="flat" cmpd="sng">
-                      <a:solidFill>
-                        <a:srgbClr val="9E9E9E"/>
-                      </a:solidFill>
-                      <a:prstDash val="solid"/>
-                      <a:round/>
-                      <a:headEnd type="none" w="sm" len="sm"/>
-                      <a:tailEnd type="none" w="sm" len="sm"/>
-                    </a:lnL>
-                    <a:lnR w="9525" cap="flat" cmpd="sng">
-                      <a:solidFill>
-                        <a:srgbClr val="9E9E9E"/>
-                      </a:solidFill>
-                      <a:prstDash val="solid"/>
-                      <a:round/>
-                      <a:headEnd type="none" w="sm" len="sm"/>
-                      <a:tailEnd type="none" w="sm" len="sm"/>
-                    </a:lnR>
-                    <a:lnT w="9525" cap="flat" cmpd="sng">
-                      <a:solidFill>
-                        <a:srgbClr val="9E9E9E"/>
-                      </a:solidFill>
-                      <a:prstDash val="solid"/>
-                      <a:round/>
-                      <a:headEnd type="none" w="sm" len="sm"/>
-                      <a:tailEnd type="none" w="sm" len="sm"/>
-                    </a:lnT>
-                    <a:lnB w="9525" cap="flat" cmpd="sng">
-                      <a:solidFill>
-                        <a:srgbClr val="9E9E9E"/>
-                      </a:solidFill>
-                      <a:prstDash val="solid"/>
-                      <a:round/>
-                      <a:headEnd type="none" w="sm" len="sm"/>
-                      <a:tailEnd type="none" w="sm" len="sm"/>
-                    </a:lnB>
-                  </a:tcPr>
-                </a:tc>
-                <a:tc>
-                  <a:txBody>
-                    <a:bodyPr/>
-                    <a:lstStyle/>
-                    <a:p>
-                      <a:pPr marL="0" lvl="0" indent="0" algn="l" rtl="0">
-                        <a:spcBef>
-                          <a:spcPts val="0"/>
-                        </a:spcBef>
-                        <a:spcAft>
-                          <a:spcPts val="0"/>
-                        </a:spcAft>
-                        <a:buNone/>
-                      </a:pPr>
-                      <a:r>
-                        <a:rPr lang="ko" sz="800" dirty="0">
-                          <a:latin typeface="나눔고딕" panose="020D0604000000000000" pitchFamily="50" charset="-127"/>
-                          <a:ea typeface="나눔고딕" panose="020D0604000000000000" pitchFamily="50" charset="-127"/>
-                        </a:rPr>
-                        <a:t>종목페이지_상단</a:t>
-                      </a:r>
-                      <a:endParaRPr sz="800" dirty="0">
-                        <a:latin typeface="나눔고딕" panose="020D0604000000000000" pitchFamily="50" charset="-127"/>
-                        <a:ea typeface="나눔고딕" panose="020D0604000000000000" pitchFamily="50" charset="-127"/>
-                      </a:endParaRPr>
-                    </a:p>
-                  </a:txBody>
-                  <a:tcPr marL="91425" marR="91425" marT="91425" marB="91425">
-                    <a:lnL w="9525" cap="flat" cmpd="sng">
-                      <a:solidFill>
-                        <a:srgbClr val="9E9E9E"/>
-                      </a:solidFill>
-                      <a:prstDash val="solid"/>
-                      <a:round/>
-                      <a:headEnd type="none" w="sm" len="sm"/>
-                      <a:tailEnd type="none" w="sm" len="sm"/>
-                    </a:lnL>
-                    <a:lnR w="9525" cap="flat" cmpd="sng">
-                      <a:solidFill>
-                        <a:srgbClr val="9E9E9E"/>
-                      </a:solidFill>
-                      <a:prstDash val="solid"/>
-                      <a:round/>
-                      <a:headEnd type="none" w="sm" len="sm"/>
-                      <a:tailEnd type="none" w="sm" len="sm"/>
-                    </a:lnR>
-                    <a:lnT w="9525" cap="flat" cmpd="sng">
-                      <a:solidFill>
-                        <a:srgbClr val="9E9E9E"/>
-                      </a:solidFill>
-                      <a:prstDash val="solid"/>
-                      <a:round/>
-                      <a:headEnd type="none" w="sm" len="sm"/>
-                      <a:tailEnd type="none" w="sm" len="sm"/>
-                    </a:lnT>
-                    <a:lnB w="9525" cap="flat" cmpd="sng">
-                      <a:solidFill>
-                        <a:srgbClr val="9E9E9E"/>
-                      </a:solidFill>
-                      <a:prstDash val="solid"/>
-                      <a:round/>
-                      <a:headEnd type="none" w="sm" len="sm"/>
-                      <a:tailEnd type="none" w="sm" len="sm"/>
-                    </a:lnB>
-                  </a:tcPr>
-                </a:tc>
-                <a:tc>
-                  <a:txBody>
-                    <a:bodyPr/>
-                    <a:lstStyle/>
-                    <a:p>
-                      <a:pPr marL="0" lvl="0" indent="0" algn="l" rtl="0">
-                        <a:spcBef>
-                          <a:spcPts val="0"/>
-                        </a:spcBef>
-                        <a:spcAft>
-                          <a:spcPts val="0"/>
-                        </a:spcAft>
-                        <a:buNone/>
-                      </a:pPr>
-                      <a:r>
-                        <a:rPr lang="ko" sz="800" dirty="0">
-                          <a:latin typeface="나눔고딕" panose="020D0604000000000000" pitchFamily="50" charset="-127"/>
-                          <a:ea typeface="나눔고딕" panose="020D0604000000000000" pitchFamily="50" charset="-127"/>
-                        </a:rPr>
-                        <a:t>종목페이지_1_1</a:t>
                       </a:r>
                       <a:endParaRPr sz="800" dirty="0">
                         <a:latin typeface="나눔고딕" panose="020D0604000000000000" pitchFamily="50" charset="-127"/>
@@ -27323,13 +21381,20 @@
                         <a:buNone/>
                       </a:pPr>
                       <a:r>
-                        <a:rPr lang="ko" sz="800">
+                        <a:rPr lang="ko" sz="800" dirty="0">
                           <a:latin typeface="나눔고딕" panose="020D0604000000000000" pitchFamily="50" charset="-127"/>
                           <a:ea typeface="나눔고딕" panose="020D0604000000000000" pitchFamily="50" charset="-127"/>
                         </a:rPr>
-                        <a:t>p. 11</a:t>
+                        <a:t>p.</a:t>
                       </a:r>
-                      <a:endParaRPr sz="800">
+                      <a:r>
+                        <a:rPr lang="en-US" altLang="ko" sz="800" dirty="0">
+                          <a:latin typeface="나눔고딕" panose="020D0604000000000000" pitchFamily="50" charset="-127"/>
+                          <a:ea typeface="나눔고딕" panose="020D0604000000000000" pitchFamily="50" charset="-127"/>
+                        </a:rPr>
+                        <a:t>9</a:t>
+                      </a:r>
+                      <a:endParaRPr sz="800" dirty="0">
                         <a:latin typeface="나눔고딕" panose="020D0604000000000000" pitchFamily="50" charset="-127"/>
                         <a:ea typeface="나눔고딕" panose="020D0604000000000000" pitchFamily="50" charset="-127"/>
                       </a:endParaRPr>
@@ -27455,16 +21520,36 @@
                         <a:buNone/>
                       </a:pPr>
                       <a:r>
-                        <a:rPr lang="ko" sz="800">
+                        <a:rPr lang="ko" sz="800" dirty="0">
                           <a:solidFill>
                             <a:schemeClr val="dk1"/>
                           </a:solidFill>
                           <a:latin typeface="나눔고딕" panose="020D0604000000000000" pitchFamily="50" charset="-127"/>
                           <a:ea typeface="나눔고딕" panose="020D0604000000000000" pitchFamily="50" charset="-127"/>
                         </a:rPr>
-                        <a:t>종목페이지_하단</a:t>
+                        <a:t>종목</a:t>
                       </a:r>
-                      <a:endParaRPr sz="800">
+                      <a:r>
+                        <a:rPr lang="en-US" altLang="ko" sz="800" dirty="0">
+                          <a:solidFill>
+                            <a:schemeClr val="dk1"/>
+                          </a:solidFill>
+                          <a:latin typeface="나눔고딕" panose="020D0604000000000000" pitchFamily="50" charset="-127"/>
+                          <a:ea typeface="나눔고딕" panose="020D0604000000000000" pitchFamily="50" charset="-127"/>
+                        </a:rPr>
+                        <a:t> </a:t>
+                      </a:r>
+                      <a:r>
+                        <a:rPr lang="ko" sz="800" dirty="0">
+                          <a:solidFill>
+                            <a:schemeClr val="dk1"/>
+                          </a:solidFill>
+                          <a:latin typeface="나눔고딕" panose="020D0604000000000000" pitchFamily="50" charset="-127"/>
+                          <a:ea typeface="나눔고딕" panose="020D0604000000000000" pitchFamily="50" charset="-127"/>
+                        </a:rPr>
+                        <a:t>페이지_하단</a:t>
+                      </a:r>
+                      <a:endParaRPr sz="800" dirty="0">
                         <a:latin typeface="나눔고딕" panose="020D0604000000000000" pitchFamily="50" charset="-127"/>
                         <a:ea typeface="나눔고딕" panose="020D0604000000000000" pitchFamily="50" charset="-127"/>
                       </a:endParaRPr>
@@ -27524,16 +21609,36 @@
                         <a:buNone/>
                       </a:pPr>
                       <a:r>
-                        <a:rPr lang="ko" sz="800">
+                        <a:rPr lang="ko" sz="800" dirty="0">
                           <a:solidFill>
                             <a:schemeClr val="dk1"/>
                           </a:solidFill>
                           <a:latin typeface="나눔고딕" panose="020D0604000000000000" pitchFamily="50" charset="-127"/>
                           <a:ea typeface="나눔고딕" panose="020D0604000000000000" pitchFamily="50" charset="-127"/>
                         </a:rPr>
-                        <a:t>종목페이지_2_1</a:t>
+                        <a:t>종목</a:t>
                       </a:r>
-                      <a:endParaRPr sz="800">
+                      <a:r>
+                        <a:rPr lang="en-US" altLang="ko" sz="800" dirty="0">
+                          <a:solidFill>
+                            <a:schemeClr val="dk1"/>
+                          </a:solidFill>
+                          <a:latin typeface="나눔고딕" panose="020D0604000000000000" pitchFamily="50" charset="-127"/>
+                          <a:ea typeface="나눔고딕" panose="020D0604000000000000" pitchFamily="50" charset="-127"/>
+                        </a:rPr>
+                        <a:t> </a:t>
+                      </a:r>
+                      <a:r>
+                        <a:rPr lang="ko" sz="800" dirty="0">
+                          <a:solidFill>
+                            <a:schemeClr val="dk1"/>
+                          </a:solidFill>
+                          <a:latin typeface="나눔고딕" panose="020D0604000000000000" pitchFamily="50" charset="-127"/>
+                          <a:ea typeface="나눔고딕" panose="020D0604000000000000" pitchFamily="50" charset="-127"/>
+                        </a:rPr>
+                        <a:t>페이지_2_1</a:t>
+                      </a:r>
+                      <a:endParaRPr sz="800" dirty="0">
                         <a:latin typeface="나눔고딕" panose="020D0604000000000000" pitchFamily="50" charset="-127"/>
                         <a:ea typeface="나눔고딕" panose="020D0604000000000000" pitchFamily="50" charset="-127"/>
                       </a:endParaRPr>
@@ -27744,14 +21849,7 @@
                         </a:spcAft>
                         <a:buNone/>
                       </a:pPr>
-                      <a:r>
-                        <a:rPr lang="ko" sz="800">
-                          <a:latin typeface="나눔고딕" panose="020D0604000000000000" pitchFamily="50" charset="-127"/>
-                          <a:ea typeface="나눔고딕" panose="020D0604000000000000" pitchFamily="50" charset="-127"/>
-                        </a:rPr>
-                        <a:t>p. 13</a:t>
-                      </a:r>
-                      <a:endParaRPr sz="800">
+                      <a:endParaRPr sz="800" dirty="0">
                         <a:latin typeface="나눔고딕" panose="020D0604000000000000" pitchFamily="50" charset="-127"/>
                         <a:ea typeface="나눔고딕" panose="020D0604000000000000" pitchFamily="50" charset="-127"/>
                       </a:endParaRPr>
@@ -28157,7 +22255,14 @@
                           <a:latin typeface="나눔고딕" panose="020D0604000000000000" pitchFamily="50" charset="-127"/>
                           <a:ea typeface="나눔고딕" panose="020D0604000000000000" pitchFamily="50" charset="-127"/>
                         </a:rPr>
-                        <a:t>p. 36</a:t>
+                        <a:t>p.</a:t>
+                      </a:r>
+                      <a:r>
+                        <a:rPr lang="en-US" altLang="ko" sz="800" dirty="0">
+                          <a:latin typeface="나눔고딕" panose="020D0604000000000000" pitchFamily="50" charset="-127"/>
+                          <a:ea typeface="나눔고딕" panose="020D0604000000000000" pitchFamily="50" charset="-127"/>
+                        </a:rPr>
+                        <a:t>14</a:t>
                       </a:r>
                       <a:endParaRPr sz="800" dirty="0">
                         <a:latin typeface="나눔고딕" panose="020D0604000000000000" pitchFamily="50" charset="-127"/>
@@ -28250,7 +22355,7 @@
             </a:pPr>
             <a:fld id="{00000000-1234-1234-1234-123412341234}" type="slidenum">
               <a:rPr lang="en-US" altLang="ko"/>
-              <a:t>6</a:t>
+              <a:t>5</a:t>
             </a:fld>
             <a:endParaRPr/>
           </a:p>
@@ -28264,7 +22369,7 @@
 </p:sld>
 </file>
 
-<file path=ppt/slides/slide7.xml><?xml version="1.0" encoding="utf-8"?>
+<file path=ppt/slides/slide6.xml><?xml version="1.0" encoding="utf-8"?>
 <p:sld xmlns:a="http://schemas.openxmlformats.org/drawingml/2006/main" xmlns:r="http://schemas.openxmlformats.org/officeDocument/2006/relationships" xmlns:p="http://schemas.openxmlformats.org/presentationml/2006/main">
   <p:cSld>
     <p:spTree>
@@ -28415,7 +22520,7 @@
             </a:pPr>
             <a:fld id="{00000000-1234-1234-1234-123412341234}" type="slidenum">
               <a:rPr lang="en-US" altLang="ko"/>
-              <a:t>7</a:t>
+              <a:t>6</a:t>
             </a:fld>
             <a:endParaRPr/>
           </a:p>
@@ -28429,7 +22534,7 @@
 </p:sld>
 </file>
 
-<file path=ppt/slides/slide8.xml><?xml version="1.0" encoding="utf-8"?>
+<file path=ppt/slides/slide7.xml><?xml version="1.0" encoding="utf-8"?>
 <p:sld xmlns:a="http://schemas.openxmlformats.org/drawingml/2006/main" xmlns:r="http://schemas.openxmlformats.org/officeDocument/2006/relationships" xmlns:p="http://schemas.openxmlformats.org/presentationml/2006/main">
   <p:cSld>
     <p:spTree>
@@ -29841,7 +23946,7 @@
             </a:pPr>
             <a:fld id="{00000000-1234-1234-1234-123412341234}" type="slidenum">
               <a:rPr lang="en-US" altLang="ko"/>
-              <a:t>8</a:t>
+              <a:t>7</a:t>
             </a:fld>
             <a:endParaRPr/>
           </a:p>
@@ -29860,7 +23965,7 @@
 </p:sld>
 </file>
 
-<file path=ppt/slides/slide9.xml><?xml version="1.0" encoding="utf-8"?>
+<file path=ppt/slides/slide8.xml><?xml version="1.0" encoding="utf-8"?>
 <p:sld xmlns:a="http://schemas.openxmlformats.org/drawingml/2006/main" xmlns:r="http://schemas.openxmlformats.org/officeDocument/2006/relationships" xmlns:p="http://schemas.openxmlformats.org/presentationml/2006/main">
   <p:cSld>
     <p:spTree>
@@ -30485,7 +24590,7 @@
             </a:pPr>
             <a:fld id="{00000000-1234-1234-1234-123412341234}" type="slidenum">
               <a:rPr lang="en-US" altLang="ko"/>
-              <a:t>9</a:t>
+              <a:t>8</a:t>
             </a:fld>
             <a:endParaRPr/>
           </a:p>
@@ -30600,6 +24705,171 @@
               <a:cs typeface="Calibri"/>
               <a:sym typeface="Calibri"/>
             </a:endParaRPr>
+          </a:p>
+        </p:txBody>
+      </p:sp>
+    </p:spTree>
+  </p:cSld>
+  <p:clrMapOvr>
+    <a:masterClrMapping/>
+  </p:clrMapOvr>
+</p:sld>
+</file>
+
+<file path=ppt/slides/slide9.xml><?xml version="1.0" encoding="utf-8"?>
+<p:sld xmlns:a="http://schemas.openxmlformats.org/drawingml/2006/main" xmlns:r="http://schemas.openxmlformats.org/officeDocument/2006/relationships" xmlns:p="http://schemas.openxmlformats.org/presentationml/2006/main">
+  <p:cSld>
+    <p:spTree>
+      <p:nvGrpSpPr>
+        <p:cNvPr id="1" name="Shape 181"/>
+        <p:cNvGrpSpPr/>
+        <p:nvPr/>
+      </p:nvGrpSpPr>
+      <p:grpSpPr>
+        <a:xfrm>
+          <a:off x="0" y="0"/>
+          <a:ext cx="0" cy="0"/>
+          <a:chOff x="0" y="0"/>
+          <a:chExt cx="0" cy="0"/>
+        </a:xfrm>
+      </p:grpSpPr>
+      <p:sp>
+        <p:nvSpPr>
+          <p:cNvPr id="182" name="Google Shape;182;p22"/>
+          <p:cNvSpPr txBox="1">
+            <a:spLocks noGrp="1"/>
+          </p:cNvSpPr>
+          <p:nvPr>
+            <p:ph type="ctrTitle"/>
+          </p:nvPr>
+        </p:nvSpPr>
+        <p:spPr>
+          <a:xfrm>
+            <a:off x="311708" y="1658975"/>
+            <a:ext cx="8520600" cy="2052600"/>
+          </a:xfrm>
+          <a:prstGeom prst="rect">
+            <a:avLst/>
+          </a:prstGeom>
+        </p:spPr>
+        <p:txBody>
+          <a:bodyPr spcFirstLastPara="1" wrap="square" lIns="91425" tIns="91425" rIns="91425" bIns="91425" anchor="b" anchorCtr="0">
+            <a:normAutofit/>
+          </a:bodyPr>
+          <a:lstStyle/>
+          <a:p>
+            <a:pPr marL="0" lvl="0" indent="0" algn="ctr" rtl="0">
+              <a:spcBef>
+                <a:spcPts val="0"/>
+              </a:spcBef>
+              <a:spcAft>
+                <a:spcPts val="0"/>
+              </a:spcAft>
+              <a:buNone/>
+            </a:pPr>
+            <a:r>
+              <a:rPr lang="ko" dirty="0">
+                <a:latin typeface="나눔고딕 ExtraBold" panose="020D0904000000000000" pitchFamily="50" charset="-127"/>
+                <a:ea typeface="나눔고딕 ExtraBold" panose="020D0904000000000000" pitchFamily="50" charset="-127"/>
+              </a:rPr>
+              <a:t>종목별 페이지</a:t>
+            </a:r>
+            <a:endParaRPr dirty="0">
+              <a:latin typeface="나눔고딕 ExtraBold" panose="020D0904000000000000" pitchFamily="50" charset="-127"/>
+              <a:ea typeface="나눔고딕 ExtraBold" panose="020D0904000000000000" pitchFamily="50" charset="-127"/>
+            </a:endParaRPr>
+          </a:p>
+          <a:p>
+            <a:pPr marL="0" lvl="0" indent="0" algn="l" rtl="0">
+              <a:spcBef>
+                <a:spcPts val="0"/>
+              </a:spcBef>
+              <a:spcAft>
+                <a:spcPts val="0"/>
+              </a:spcAft>
+              <a:buNone/>
+            </a:pPr>
+            <a:endParaRPr dirty="0"/>
+          </a:p>
+        </p:txBody>
+      </p:sp>
+      <p:sp>
+        <p:nvSpPr>
+          <p:cNvPr id="183" name="Google Shape;183;p22"/>
+          <p:cNvSpPr txBox="1">
+            <a:spLocks noGrp="1"/>
+          </p:cNvSpPr>
+          <p:nvPr>
+            <p:ph type="subTitle" idx="1"/>
+          </p:nvPr>
+        </p:nvSpPr>
+        <p:spPr>
+          <a:xfrm>
+            <a:off x="311700" y="2834125"/>
+            <a:ext cx="8520600" cy="792600"/>
+          </a:xfrm>
+          <a:prstGeom prst="rect">
+            <a:avLst/>
+          </a:prstGeom>
+        </p:spPr>
+        <p:txBody>
+          <a:bodyPr spcFirstLastPara="1" wrap="square" lIns="91425" tIns="91425" rIns="91425" bIns="91425" anchor="t" anchorCtr="0">
+            <a:normAutofit/>
+          </a:bodyPr>
+          <a:lstStyle/>
+          <a:p>
+            <a:pPr marL="0" lvl="0" indent="0" algn="ctr" rtl="0">
+              <a:spcBef>
+                <a:spcPts val="0"/>
+              </a:spcBef>
+              <a:spcAft>
+                <a:spcPts val="0"/>
+              </a:spcAft>
+              <a:buNone/>
+            </a:pPr>
+            <a:endParaRPr/>
+          </a:p>
+        </p:txBody>
+      </p:sp>
+      <p:sp>
+        <p:nvSpPr>
+          <p:cNvPr id="184" name="Google Shape;184;p22"/>
+          <p:cNvSpPr txBox="1">
+            <a:spLocks noGrp="1"/>
+          </p:cNvSpPr>
+          <p:nvPr>
+            <p:ph type="sldNum" idx="12"/>
+          </p:nvPr>
+        </p:nvSpPr>
+        <p:spPr>
+          <a:xfrm>
+            <a:off x="8472458" y="4663217"/>
+            <a:ext cx="548700" cy="393600"/>
+          </a:xfrm>
+          <a:prstGeom prst="rect">
+            <a:avLst/>
+          </a:prstGeom>
+        </p:spPr>
+        <p:txBody>
+          <a:bodyPr spcFirstLastPara="1" wrap="square" lIns="91425" tIns="91425" rIns="91425" bIns="91425" anchor="ctr" anchorCtr="0">
+            <a:normAutofit/>
+          </a:bodyPr>
+          <a:lstStyle/>
+          <a:p>
+            <a:pPr marL="0" lvl="0" indent="0" algn="r" rtl="0">
+              <a:spcBef>
+                <a:spcPts val="0"/>
+              </a:spcBef>
+              <a:spcAft>
+                <a:spcPts val="0"/>
+              </a:spcAft>
+              <a:buNone/>
+            </a:pPr>
+            <a:fld id="{00000000-1234-1234-1234-123412341234}" type="slidenum">
+              <a:rPr lang="en-US" altLang="ko"/>
+              <a:t>9</a:t>
+            </a:fld>
+            <a:endParaRPr/>
           </a:p>
         </p:txBody>
       </p:sp>

--- a/3. Final/Document/3. Wireframe.pptx
+++ b/3. Final/Document/3. Wireframe.pptx
@@ -11078,14 +11078,34 @@
                 <a:latin typeface="나눔고딕 ExtraBold" panose="020D0904000000000000" pitchFamily="50" charset="-127"/>
                 <a:ea typeface="나눔고딕 ExtraBold" panose="020D0904000000000000" pitchFamily="50" charset="-127"/>
               </a:rPr>
-              <a:t>종목별 워드 클라우드</a:t>
+              <a:t>종목별 워드 </a:t>
+            </a:r>
+            <a:r>
+              <a:rPr lang="ko-KR" altLang="en-US" sz="800" dirty="0" err="1">
+                <a:solidFill>
+                  <a:schemeClr val="dk1"/>
+                </a:solidFill>
+                <a:latin typeface="나눔고딕 ExtraBold" panose="020D0904000000000000" pitchFamily="50" charset="-127"/>
+                <a:ea typeface="나눔고딕 ExtraBold" panose="020D0904000000000000" pitchFamily="50" charset="-127"/>
+              </a:rPr>
+              <a:t>클라우드표</a:t>
+            </a:r>
+            <a:r>
+              <a:rPr lang="ko-KR" altLang="en-US" sz="800" dirty="0">
+                <a:solidFill>
+                  <a:schemeClr val="dk1"/>
+                </a:solidFill>
+                <a:latin typeface="나눔고딕 ExtraBold" panose="020D0904000000000000" pitchFamily="50" charset="-127"/>
+                <a:ea typeface="나눔고딕 ExtraBold" panose="020D0904000000000000" pitchFamily="50" charset="-127"/>
+              </a:rPr>
+              <a:t> </a:t>
             </a:r>
             <a:r>
               <a:rPr lang="ko" sz="800" dirty="0">
                 <a:latin typeface="나눔고딕 ExtraBold" panose="020D0904000000000000" pitchFamily="50" charset="-127"/>
                 <a:ea typeface="나눔고딕 ExtraBold" panose="020D0904000000000000" pitchFamily="50" charset="-127"/>
               </a:rPr>
-              <a:t>rophet, LSTM 분석결과표출</a:t>
+              <a:t>출</a:t>
             </a:r>
             <a:endParaRPr lang="en-US" altLang="ko" sz="800" dirty="0">
               <a:latin typeface="나눔고딕 ExtraBold" panose="020D0904000000000000" pitchFamily="50" charset="-127"/>
